--- a/Bi-Weekly Reports/potential video.pptx
+++ b/Bi-Weekly Reports/potential video.pptx
@@ -36,9 +36,21 @@
     <p:sldId id="291" r:id="rId30"/>
     <p:sldId id="292" r:id="rId31"/>
     <p:sldId id="298" r:id="rId32"/>
-    <p:sldId id="300" r:id="rId33"/>
-    <p:sldId id="301" r:id="rId34"/>
-    <p:sldId id="302" r:id="rId35"/>
+    <p:sldId id="305" r:id="rId33"/>
+    <p:sldId id="303" r:id="rId34"/>
+    <p:sldId id="307" r:id="rId35"/>
+    <p:sldId id="302" r:id="rId36"/>
+    <p:sldId id="309" r:id="rId37"/>
+    <p:sldId id="308" r:id="rId38"/>
+    <p:sldId id="310" r:id="rId39"/>
+    <p:sldId id="311" r:id="rId40"/>
+    <p:sldId id="312" r:id="rId41"/>
+    <p:sldId id="313" r:id="rId42"/>
+    <p:sldId id="316" r:id="rId43"/>
+    <p:sldId id="314" r:id="rId44"/>
+    <p:sldId id="315" r:id="rId45"/>
+    <p:sldId id="318" r:id="rId46"/>
+    <p:sldId id="317" r:id="rId47"/>
   </p:sldIdLst>
   <p:sldSz cx="12192000" cy="6858000"/>
   <p:notesSz cx="6858000" cy="9144000"/>
@@ -292,7 +304,7 @@
           <a:p>
             <a:fld id="{0283B9DD-0668-4CE0-8EBF-AD684D6040CD}" type="datetimeFigureOut">
               <a:rPr lang="en-US" smtClean="0"/>
-              <a:t>4/21/2022</a:t>
+              <a:t>4/26/2022</a:t>
             </a:fld>
             <a:endParaRPr lang="en-US"/>
           </a:p>
@@ -490,7 +502,7 @@
           <a:p>
             <a:fld id="{0283B9DD-0668-4CE0-8EBF-AD684D6040CD}" type="datetimeFigureOut">
               <a:rPr lang="en-US" smtClean="0"/>
-              <a:t>4/21/2022</a:t>
+              <a:t>4/26/2022</a:t>
             </a:fld>
             <a:endParaRPr lang="en-US"/>
           </a:p>
@@ -698,7 +710,7 @@
           <a:p>
             <a:fld id="{0283B9DD-0668-4CE0-8EBF-AD684D6040CD}" type="datetimeFigureOut">
               <a:rPr lang="en-US" smtClean="0"/>
-              <a:t>4/21/2022</a:t>
+              <a:t>4/26/2022</a:t>
             </a:fld>
             <a:endParaRPr lang="en-US"/>
           </a:p>
@@ -896,7 +908,7 @@
           <a:p>
             <a:fld id="{0283B9DD-0668-4CE0-8EBF-AD684D6040CD}" type="datetimeFigureOut">
               <a:rPr lang="en-US" smtClean="0"/>
-              <a:t>4/21/2022</a:t>
+              <a:t>4/26/2022</a:t>
             </a:fld>
             <a:endParaRPr lang="en-US"/>
           </a:p>
@@ -1171,7 +1183,7 @@
           <a:p>
             <a:fld id="{0283B9DD-0668-4CE0-8EBF-AD684D6040CD}" type="datetimeFigureOut">
               <a:rPr lang="en-US" smtClean="0"/>
-              <a:t>4/21/2022</a:t>
+              <a:t>4/26/2022</a:t>
             </a:fld>
             <a:endParaRPr lang="en-US"/>
           </a:p>
@@ -1436,7 +1448,7 @@
           <a:p>
             <a:fld id="{0283B9DD-0668-4CE0-8EBF-AD684D6040CD}" type="datetimeFigureOut">
               <a:rPr lang="en-US" smtClean="0"/>
-              <a:t>4/21/2022</a:t>
+              <a:t>4/26/2022</a:t>
             </a:fld>
             <a:endParaRPr lang="en-US"/>
           </a:p>
@@ -1848,7 +1860,7 @@
           <a:p>
             <a:fld id="{0283B9DD-0668-4CE0-8EBF-AD684D6040CD}" type="datetimeFigureOut">
               <a:rPr lang="en-US" smtClean="0"/>
-              <a:t>4/21/2022</a:t>
+              <a:t>4/26/2022</a:t>
             </a:fld>
             <a:endParaRPr lang="en-US"/>
           </a:p>
@@ -1989,7 +2001,7 @@
           <a:p>
             <a:fld id="{0283B9DD-0668-4CE0-8EBF-AD684D6040CD}" type="datetimeFigureOut">
               <a:rPr lang="en-US" smtClean="0"/>
-              <a:t>4/21/2022</a:t>
+              <a:t>4/26/2022</a:t>
             </a:fld>
             <a:endParaRPr lang="en-US"/>
           </a:p>
@@ -2102,7 +2114,7 @@
           <a:p>
             <a:fld id="{0283B9DD-0668-4CE0-8EBF-AD684D6040CD}" type="datetimeFigureOut">
               <a:rPr lang="en-US" smtClean="0"/>
-              <a:t>4/21/2022</a:t>
+              <a:t>4/26/2022</a:t>
             </a:fld>
             <a:endParaRPr lang="en-US"/>
           </a:p>
@@ -2413,7 +2425,7 @@
           <a:p>
             <a:fld id="{0283B9DD-0668-4CE0-8EBF-AD684D6040CD}" type="datetimeFigureOut">
               <a:rPr lang="en-US" smtClean="0"/>
-              <a:t>4/21/2022</a:t>
+              <a:t>4/26/2022</a:t>
             </a:fld>
             <a:endParaRPr lang="en-US"/>
           </a:p>
@@ -2701,7 +2713,7 @@
           <a:p>
             <a:fld id="{0283B9DD-0668-4CE0-8EBF-AD684D6040CD}" type="datetimeFigureOut">
               <a:rPr lang="en-US" smtClean="0"/>
-              <a:t>4/21/2022</a:t>
+              <a:t>4/26/2022</a:t>
             </a:fld>
             <a:endParaRPr lang="en-US"/>
           </a:p>
@@ -2942,7 +2954,7 @@
           <a:p>
             <a:fld id="{0283B9DD-0668-4CE0-8EBF-AD684D6040CD}" type="datetimeFigureOut">
               <a:rPr lang="en-US" smtClean="0"/>
-              <a:t>4/21/2022</a:t>
+              <a:t>4/26/2022</a:t>
             </a:fld>
             <a:endParaRPr lang="en-US"/>
           </a:p>
@@ -3374,7 +3386,7 @@
         <p:spPr>
           <a:xfrm>
             <a:off x="996462" y="926123"/>
-            <a:ext cx="5990492" cy="3693319"/>
+            <a:ext cx="5990492" cy="2031325"/>
           </a:xfrm>
           <a:prstGeom prst="rect">
             <a:avLst/>
@@ -3387,61 +3399,10 @@
           </a:bodyPr>
           <a:lstStyle/>
           <a:p>
-            <a:pPr marL="285750" indent="-285750">
-              <a:buFont typeface="Arial" panose="020B0604020202020204" pitchFamily="34" charset="0"/>
-              <a:buChar char="•"/>
-            </a:pPr>
             <a:r>
               <a:rPr lang="en-US" dirty="0"/>
-              <a:t>Imagine an aspiring pilot Claire, </a:t>
+              <a:t>TO DO</a:t>
             </a:r>
-          </a:p>
-          <a:p>
-            <a:pPr marL="285750" indent="-285750">
-              <a:buFont typeface="Arial" panose="020B0604020202020204" pitchFamily="34" charset="0"/>
-              <a:buChar char="•"/>
-            </a:pPr>
-            <a:r>
-              <a:rPr lang="en-US" dirty="0"/>
-              <a:t>Pilot trying to say stuff but with lots of background noise</a:t>
-            </a:r>
-          </a:p>
-          <a:p>
-            <a:pPr marL="285750" indent="-285750">
-              <a:buFont typeface="Arial" panose="020B0604020202020204" pitchFamily="34" charset="0"/>
-              <a:buChar char="•"/>
-            </a:pPr>
-            <a:r>
-              <a:rPr lang="en-US" dirty="0"/>
-              <a:t>Pilot trying to say stuff but overlapping voices</a:t>
-            </a:r>
-          </a:p>
-          <a:p>
-            <a:pPr marL="285750" indent="-285750">
-              <a:buFont typeface="Arial" panose="020B0604020202020204" pitchFamily="34" charset="0"/>
-              <a:buChar char="•"/>
-            </a:pPr>
-            <a:r>
-              <a:rPr lang="en-US" dirty="0"/>
-              <a:t>How is she supposed to review her flights for training?</a:t>
-            </a:r>
-          </a:p>
-          <a:p>
-            <a:pPr marL="285750" indent="-285750">
-              <a:buFont typeface="Arial" panose="020B0604020202020204" pitchFamily="34" charset="0"/>
-              <a:buChar char="•"/>
-            </a:pPr>
-            <a:r>
-              <a:rPr lang="en-US" dirty="0"/>
-              <a:t>What if there was a way to clear up the noise in the audio and separate all of the voices?</a:t>
-            </a:r>
-          </a:p>
-          <a:p>
-            <a:pPr marL="285750" indent="-285750">
-              <a:buFont typeface="Arial" panose="020B0604020202020204" pitchFamily="34" charset="0"/>
-              <a:buChar char="•"/>
-            </a:pPr>
-            <a:endParaRPr lang="en-US" dirty="0"/>
           </a:p>
           <a:p>
             <a:pPr marL="285750" indent="-285750">
@@ -10210,7 +10171,7 @@
                 <a:latin typeface="Aharoni" panose="02010803020104030203" pitchFamily="2" charset="-79"/>
                 <a:cs typeface="Aharoni" panose="02010803020104030203" pitchFamily="2" charset="-79"/>
               </a:rPr>
-              <a:t>is able to remove machine whir and split audio of over FIVE overlapping voices into an individual voice stream</a:t>
+              <a:t>is able to remove machine whir and split audio of two overlapping voices into individual voice streams</a:t>
             </a:r>
           </a:p>
         </p:txBody>
@@ -10347,7 +10308,7 @@
                 <a:latin typeface="Aharoni" panose="02010803020104030203" pitchFamily="2" charset="-79"/>
                 <a:cs typeface="Aharoni" panose="02010803020104030203" pitchFamily="2" charset="-79"/>
               </a:rPr>
-              <a:t>is able to remove machine whir and split audio of over FIVE overlapping voices into an individual voice stream</a:t>
+              <a:t>is able to remove machine whir and split audio of two overlapping voices into individual voice streams</a:t>
             </a:r>
           </a:p>
         </p:txBody>
@@ -10993,6 +10954,168 @@
           </a:p>
         </p:txBody>
       </p:sp>
+      <p:pic>
+        <p:nvPicPr>
+          <p:cNvPr id="5" name="Graphic 4" descr="Pilot female outline">
+            <a:extLst>
+              <a:ext uri="{FF2B5EF4-FFF2-40B4-BE49-F238E27FC236}">
+                <a16:creationId xmlns:a16="http://schemas.microsoft.com/office/drawing/2014/main" id="{61989030-0E1D-4FDF-80ED-877ACF76B49D}"/>
+              </a:ext>
+            </a:extLst>
+          </p:cNvPr>
+          <p:cNvPicPr>
+            <a:picLocks noChangeAspect="1"/>
+          </p:cNvPicPr>
+          <p:nvPr/>
+        </p:nvPicPr>
+        <p:blipFill>
+          <a:blip r:embed="rId2">
+            <a:extLst>
+              <a:ext uri="{28A0092B-C50C-407E-A947-70E740481C1C}">
+                <a14:useLocalDpi xmlns:a14="http://schemas.microsoft.com/office/drawing/2010/main" val="0"/>
+              </a:ext>
+              <a:ext uri="{96DAC541-7B7A-43D3-8B79-37D633B846F1}">
+                <asvg:svgBlip xmlns:asvg="http://schemas.microsoft.com/office/drawing/2016/SVG/main" r:embed="rId3"/>
+              </a:ext>
+            </a:extLst>
+          </a:blip>
+          <a:stretch>
+            <a:fillRect/>
+          </a:stretch>
+        </p:blipFill>
+        <p:spPr>
+          <a:xfrm>
+            <a:off x="-2872012" y="1594466"/>
+            <a:ext cx="2862266" cy="2862266"/>
+          </a:xfrm>
+          <a:prstGeom prst="rect">
+            <a:avLst/>
+          </a:prstGeom>
+        </p:spPr>
+      </p:pic>
+      <p:pic>
+        <p:nvPicPr>
+          <p:cNvPr id="6" name="Graphic 5" descr="Pilot male outline">
+            <a:extLst>
+              <a:ext uri="{FF2B5EF4-FFF2-40B4-BE49-F238E27FC236}">
+                <a16:creationId xmlns:a16="http://schemas.microsoft.com/office/drawing/2014/main" id="{2670DFBF-3BCB-4D25-8E17-F1FCD9845A8C}"/>
+              </a:ext>
+            </a:extLst>
+          </p:cNvPr>
+          <p:cNvPicPr>
+            <a:picLocks noChangeAspect="1"/>
+          </p:cNvPicPr>
+          <p:nvPr/>
+        </p:nvPicPr>
+        <p:blipFill>
+          <a:blip r:embed="rId4">
+            <a:extLst>
+              <a:ext uri="{28A0092B-C50C-407E-A947-70E740481C1C}">
+                <a14:useLocalDpi xmlns:a14="http://schemas.microsoft.com/office/drawing/2010/main" val="0"/>
+              </a:ext>
+              <a:ext uri="{96DAC541-7B7A-43D3-8B79-37D633B846F1}">
+                <asvg:svgBlip xmlns:asvg="http://schemas.microsoft.com/office/drawing/2016/SVG/main" r:embed="rId5"/>
+              </a:ext>
+            </a:extLst>
+          </a:blip>
+          <a:stretch>
+            <a:fillRect/>
+          </a:stretch>
+        </p:blipFill>
+        <p:spPr>
+          <a:xfrm>
+            <a:off x="12201757" y="1594466"/>
+            <a:ext cx="2862266" cy="2862266"/>
+          </a:xfrm>
+          <a:prstGeom prst="rect">
+            <a:avLst/>
+          </a:prstGeom>
+        </p:spPr>
+      </p:pic>
+      <p:sp>
+        <p:nvSpPr>
+          <p:cNvPr id="7" name="TextBox 6">
+            <a:extLst>
+              <a:ext uri="{FF2B5EF4-FFF2-40B4-BE49-F238E27FC236}">
+                <a16:creationId xmlns:a16="http://schemas.microsoft.com/office/drawing/2014/main" id="{85F12078-22F1-43B5-8E26-D59DCB51C5B7}"/>
+              </a:ext>
+            </a:extLst>
+          </p:cNvPr>
+          <p:cNvSpPr txBox="1"/>
+          <p:nvPr/>
+        </p:nvSpPr>
+        <p:spPr>
+          <a:xfrm>
+            <a:off x="1550539" y="8092088"/>
+            <a:ext cx="9071429" cy="646331"/>
+          </a:xfrm>
+          <a:prstGeom prst="rect">
+            <a:avLst/>
+          </a:prstGeom>
+          <a:noFill/>
+        </p:spPr>
+        <p:txBody>
+          <a:bodyPr wrap="square" rtlCol="0">
+            <a:spAutoFit/>
+          </a:bodyPr>
+          <a:lstStyle/>
+          <a:p>
+            <a:pPr algn="ctr"/>
+            <a:r>
+              <a:rPr lang="en-US" sz="3600" dirty="0">
+                <a:solidFill>
+                  <a:schemeClr val="bg1"/>
+                </a:solidFill>
+                <a:latin typeface="Aharoni" panose="02010803020104030203" pitchFamily="2" charset="-79"/>
+                <a:cs typeface="Aharoni" panose="02010803020104030203" pitchFamily="2" charset="-79"/>
+              </a:rPr>
+              <a:t>to begin,</a:t>
+            </a:r>
+          </a:p>
+        </p:txBody>
+      </p:sp>
+      <p:sp>
+        <p:nvSpPr>
+          <p:cNvPr id="8" name="TextBox 7">
+            <a:extLst>
+              <a:ext uri="{FF2B5EF4-FFF2-40B4-BE49-F238E27FC236}">
+                <a16:creationId xmlns:a16="http://schemas.microsoft.com/office/drawing/2014/main" id="{6F24038F-4A1E-43EB-BA63-DEF7FC32F869}"/>
+              </a:ext>
+            </a:extLst>
+          </p:cNvPr>
+          <p:cNvSpPr txBox="1"/>
+          <p:nvPr/>
+        </p:nvSpPr>
+        <p:spPr>
+          <a:xfrm>
+            <a:off x="-9746" y="8680715"/>
+            <a:ext cx="12192000" cy="646331"/>
+          </a:xfrm>
+          <a:prstGeom prst="rect">
+            <a:avLst/>
+          </a:prstGeom>
+          <a:noFill/>
+        </p:spPr>
+        <p:txBody>
+          <a:bodyPr wrap="square" rtlCol="0">
+            <a:spAutoFit/>
+          </a:bodyPr>
+          <a:lstStyle/>
+          <a:p>
+            <a:pPr algn="ctr"/>
+            <a:r>
+              <a:rPr lang="en-US" sz="3600" dirty="0">
+                <a:solidFill>
+                  <a:schemeClr val="bg1"/>
+                </a:solidFill>
+                <a:latin typeface="Aharoni" panose="02010803020104030203" pitchFamily="2" charset="-79"/>
+                <a:cs typeface="Aharoni" panose="02010803020104030203" pitchFamily="2" charset="-79"/>
+              </a:rPr>
+              <a:t>the pilots will talk into their microphone</a:t>
+            </a:r>
+          </a:p>
+        </p:txBody>
+      </p:sp>
     </p:spTree>
     <p:extLst>
       <p:ext uri="{BB962C8B-B14F-4D97-AF65-F5344CB8AC3E}">
@@ -11005,10 +11128,10 @@
   </p:clrMapOvr>
   <mc:AlternateContent xmlns:mc="http://schemas.openxmlformats.org/markup-compatibility/2006" xmlns:p14="http://schemas.microsoft.com/office/powerpoint/2010/main">
     <mc:Choice Requires="p14">
-      <p:transition p14:dur="10" advClick="0" advTm="3000"/>
+      <p:transition p14:dur="10" advClick="0" advTm="4000"/>
     </mc:Choice>
     <mc:Fallback xmlns="">
-      <p:transition advClick="0" advTm="3000"/>
+      <p:transition advClick="0" advTm="4000"/>
     </mc:Fallback>
   </mc:AlternateContent>
   <p:timing>
@@ -11212,10 +11335,250 @@
           </a:p>
         </p:txBody>
       </p:sp>
+      <p:pic>
+        <p:nvPicPr>
+          <p:cNvPr id="10" name="Graphic 9" descr="Pilot female outline">
+            <a:extLst>
+              <a:ext uri="{FF2B5EF4-FFF2-40B4-BE49-F238E27FC236}">
+                <a16:creationId xmlns:a16="http://schemas.microsoft.com/office/drawing/2014/main" id="{D95788D5-C84A-4332-A177-FEDE16F248F6}"/>
+              </a:ext>
+            </a:extLst>
+          </p:cNvPr>
+          <p:cNvPicPr>
+            <a:picLocks noChangeAspect="1"/>
+          </p:cNvPicPr>
+          <p:nvPr/>
+        </p:nvPicPr>
+        <p:blipFill>
+          <a:blip r:embed="rId2">
+            <a:extLst>
+              <a:ext uri="{28A0092B-C50C-407E-A947-70E740481C1C}">
+                <a14:useLocalDpi xmlns:a14="http://schemas.microsoft.com/office/drawing/2010/main" val="0"/>
+              </a:ext>
+              <a:ext uri="{96DAC541-7B7A-43D3-8B79-37D633B846F1}">
+                <asvg:svgBlip xmlns:asvg="http://schemas.microsoft.com/office/drawing/2016/SVG/main" r:embed="rId3"/>
+              </a:ext>
+            </a:extLst>
+          </a:blip>
+          <a:stretch>
+            <a:fillRect/>
+          </a:stretch>
+        </p:blipFill>
+        <p:spPr>
+          <a:xfrm>
+            <a:off x="-2872012" y="1594466"/>
+            <a:ext cx="2862266" cy="2862266"/>
+          </a:xfrm>
+          <a:prstGeom prst="rect">
+            <a:avLst/>
+          </a:prstGeom>
+        </p:spPr>
+      </p:pic>
+      <p:pic>
+        <p:nvPicPr>
+          <p:cNvPr id="11" name="Graphic 10" descr="Pilot male outline">
+            <a:extLst>
+              <a:ext uri="{FF2B5EF4-FFF2-40B4-BE49-F238E27FC236}">
+                <a16:creationId xmlns:a16="http://schemas.microsoft.com/office/drawing/2014/main" id="{0D7432C3-BE2C-43A0-A3E6-2327329F2699}"/>
+              </a:ext>
+            </a:extLst>
+          </p:cNvPr>
+          <p:cNvPicPr>
+            <a:picLocks noChangeAspect="1"/>
+          </p:cNvPicPr>
+          <p:nvPr/>
+        </p:nvPicPr>
+        <p:blipFill>
+          <a:blip r:embed="rId4">
+            <a:extLst>
+              <a:ext uri="{28A0092B-C50C-407E-A947-70E740481C1C}">
+                <a14:useLocalDpi xmlns:a14="http://schemas.microsoft.com/office/drawing/2010/main" val="0"/>
+              </a:ext>
+              <a:ext uri="{96DAC541-7B7A-43D3-8B79-37D633B846F1}">
+                <asvg:svgBlip xmlns:asvg="http://schemas.microsoft.com/office/drawing/2016/SVG/main" r:embed="rId5"/>
+              </a:ext>
+            </a:extLst>
+          </a:blip>
+          <a:stretch>
+            <a:fillRect/>
+          </a:stretch>
+        </p:blipFill>
+        <p:spPr>
+          <a:xfrm>
+            <a:off x="12201757" y="1594466"/>
+            <a:ext cx="2862266" cy="2862266"/>
+          </a:xfrm>
+          <a:prstGeom prst="rect">
+            <a:avLst/>
+          </a:prstGeom>
+        </p:spPr>
+      </p:pic>
+      <p:sp>
+        <p:nvSpPr>
+          <p:cNvPr id="12" name="TextBox 11">
+            <a:extLst>
+              <a:ext uri="{FF2B5EF4-FFF2-40B4-BE49-F238E27FC236}">
+                <a16:creationId xmlns:a16="http://schemas.microsoft.com/office/drawing/2014/main" id="{931D8A87-3BB4-4386-A8CB-FBB1474B6CEF}"/>
+              </a:ext>
+            </a:extLst>
+          </p:cNvPr>
+          <p:cNvSpPr txBox="1"/>
+          <p:nvPr/>
+        </p:nvSpPr>
+        <p:spPr>
+          <a:xfrm>
+            <a:off x="1550539" y="2782669"/>
+            <a:ext cx="9071429" cy="646331"/>
+          </a:xfrm>
+          <a:prstGeom prst="rect">
+            <a:avLst/>
+          </a:prstGeom>
+          <a:noFill/>
+        </p:spPr>
+        <p:txBody>
+          <a:bodyPr wrap="square" rtlCol="0">
+            <a:spAutoFit/>
+          </a:bodyPr>
+          <a:lstStyle/>
+          <a:p>
+            <a:pPr algn="ctr"/>
+            <a:r>
+              <a:rPr lang="en-US" sz="3600" dirty="0">
+                <a:solidFill>
+                  <a:schemeClr val="bg1"/>
+                </a:solidFill>
+                <a:latin typeface="Aharoni" panose="02010803020104030203" pitchFamily="2" charset="-79"/>
+                <a:cs typeface="Aharoni" panose="02010803020104030203" pitchFamily="2" charset="-79"/>
+              </a:rPr>
+              <a:t>to begin,</a:t>
+            </a:r>
+          </a:p>
+        </p:txBody>
+      </p:sp>
+      <p:sp>
+        <p:nvSpPr>
+          <p:cNvPr id="14" name="TextBox 13">
+            <a:extLst>
+              <a:ext uri="{FF2B5EF4-FFF2-40B4-BE49-F238E27FC236}">
+                <a16:creationId xmlns:a16="http://schemas.microsoft.com/office/drawing/2014/main" id="{1D3A903C-DA0E-4AA4-A2AD-D57F6029C110}"/>
+              </a:ext>
+            </a:extLst>
+          </p:cNvPr>
+          <p:cNvSpPr txBox="1"/>
+          <p:nvPr/>
+        </p:nvSpPr>
+        <p:spPr>
+          <a:xfrm>
+            <a:off x="-9746" y="3371296"/>
+            <a:ext cx="12192000" cy="646331"/>
+          </a:xfrm>
+          <a:prstGeom prst="rect">
+            <a:avLst/>
+          </a:prstGeom>
+          <a:noFill/>
+        </p:spPr>
+        <p:txBody>
+          <a:bodyPr wrap="square" rtlCol="0">
+            <a:spAutoFit/>
+          </a:bodyPr>
+          <a:lstStyle/>
+          <a:p>
+            <a:pPr algn="ctr"/>
+            <a:r>
+              <a:rPr lang="en-US" sz="3600" dirty="0">
+                <a:solidFill>
+                  <a:schemeClr val="bg1"/>
+                </a:solidFill>
+                <a:latin typeface="Aharoni" panose="02010803020104030203" pitchFamily="2" charset="-79"/>
+                <a:cs typeface="Aharoni" panose="02010803020104030203" pitchFamily="2" charset="-79"/>
+              </a:rPr>
+              <a:t>the pilots will talk into their microphone</a:t>
+            </a:r>
+          </a:p>
+        </p:txBody>
+      </p:sp>
+      <p:pic>
+        <p:nvPicPr>
+          <p:cNvPr id="15" name="Graphic 14" descr="Radio microphone with solid fill">
+            <a:extLst>
+              <a:ext uri="{FF2B5EF4-FFF2-40B4-BE49-F238E27FC236}">
+                <a16:creationId xmlns:a16="http://schemas.microsoft.com/office/drawing/2014/main" id="{74776A66-B8E5-4D20-B9F0-5BFB08D78FD7}"/>
+              </a:ext>
+            </a:extLst>
+          </p:cNvPr>
+          <p:cNvPicPr>
+            <a:picLocks noChangeAspect="1"/>
+          </p:cNvPicPr>
+          <p:nvPr/>
+        </p:nvPicPr>
+        <p:blipFill>
+          <a:blip r:embed="rId6">
+            <a:extLst>
+              <a:ext uri="{28A0092B-C50C-407E-A947-70E740481C1C}">
+                <a14:useLocalDpi xmlns:a14="http://schemas.microsoft.com/office/drawing/2010/main" val="0"/>
+              </a:ext>
+              <a:ext uri="{96DAC541-7B7A-43D3-8B79-37D633B846F1}">
+                <asvg:svgBlip xmlns:asvg="http://schemas.microsoft.com/office/drawing/2016/SVG/main" r:embed="rId7"/>
+              </a:ext>
+            </a:extLst>
+          </a:blip>
+          <a:stretch>
+            <a:fillRect/>
+          </a:stretch>
+        </p:blipFill>
+        <p:spPr>
+          <a:xfrm>
+            <a:off x="-1060020" y="2182208"/>
+            <a:ext cx="180429" cy="180429"/>
+          </a:xfrm>
+          <a:prstGeom prst="rect">
+            <a:avLst/>
+          </a:prstGeom>
+        </p:spPr>
+      </p:pic>
+      <p:pic>
+        <p:nvPicPr>
+          <p:cNvPr id="16" name="Graphic 15" descr="Radio microphone with solid fill">
+            <a:extLst>
+              <a:ext uri="{FF2B5EF4-FFF2-40B4-BE49-F238E27FC236}">
+                <a16:creationId xmlns:a16="http://schemas.microsoft.com/office/drawing/2014/main" id="{09D8E97D-925E-40B0-9396-6D17D90C222F}"/>
+              </a:ext>
+            </a:extLst>
+          </p:cNvPr>
+          <p:cNvPicPr>
+            <a:picLocks noChangeAspect="1"/>
+          </p:cNvPicPr>
+          <p:nvPr/>
+        </p:nvPicPr>
+        <p:blipFill>
+          <a:blip r:embed="rId6">
+            <a:extLst>
+              <a:ext uri="{28A0092B-C50C-407E-A947-70E740481C1C}">
+                <a14:useLocalDpi xmlns:a14="http://schemas.microsoft.com/office/drawing/2010/main" val="0"/>
+              </a:ext>
+              <a:ext uri="{96DAC541-7B7A-43D3-8B79-37D633B846F1}">
+                <asvg:svgBlip xmlns:asvg="http://schemas.microsoft.com/office/drawing/2016/SVG/main" r:embed="rId7"/>
+              </a:ext>
+            </a:extLst>
+          </a:blip>
+          <a:stretch>
+            <a:fillRect/>
+          </a:stretch>
+        </p:blipFill>
+        <p:spPr>
+          <a:xfrm>
+            <a:off x="13071592" y="2182207"/>
+            <a:ext cx="180429" cy="180429"/>
+          </a:xfrm>
+          <a:prstGeom prst="rect">
+            <a:avLst/>
+          </a:prstGeom>
+        </p:spPr>
+      </p:pic>
     </p:spTree>
     <p:extLst>
       <p:ext uri="{BB962C8B-B14F-4D97-AF65-F5344CB8AC3E}">
-        <p14:creationId xmlns:p14="http://schemas.microsoft.com/office/powerpoint/2010/main" val="4056523090"/>
+        <p14:creationId xmlns:p14="http://schemas.microsoft.com/office/powerpoint/2010/main" val="54904652"/>
       </p:ext>
     </p:extLst>
   </p:cSld>
@@ -11224,12 +11587,12 @@
   </p:clrMapOvr>
   <mc:AlternateContent xmlns:mc="http://schemas.openxmlformats.org/markup-compatibility/2006" xmlns:p159="http://schemas.microsoft.com/office/powerpoint/2015/09/main">
     <mc:Choice Requires="p159">
-      <p:transition xmlns:p14="http://schemas.microsoft.com/office/powerpoint/2010/main" spd="slow" p14:dur="2000" advClick="0" advTm="2000">
+      <p:transition xmlns:p14="http://schemas.microsoft.com/office/powerpoint/2010/main" spd="slow" p14:dur="3000" advClick="0" advTm="3000">
         <p159:morph option="byObject"/>
       </p:transition>
     </mc:Choice>
     <mc:Fallback xmlns="">
-      <p:transition spd="slow" advClick="0" advTm="2000">
+      <p:transition spd="slow" advClick="0" advTm="3000">
         <p:fade/>
       </p:transition>
     </mc:Fallback>
@@ -11243,7 +11606,10 @@
     <p:bg>
       <p:bgPr>
         <a:solidFill>
-          <a:srgbClr val="AEC2E6"/>
+          <a:schemeClr val="accent1">
+            <a:lumMod val="60000"/>
+            <a:lumOff val="40000"/>
+          </a:schemeClr>
         </a:solidFill>
         <a:effectLst/>
       </p:bgPr>
@@ -11262,24 +11628,309 @@
           <a:chExt cx="0" cy="0"/>
         </a:xfrm>
       </p:grpSpPr>
+      <p:sp>
+        <p:nvSpPr>
+          <p:cNvPr id="4" name="TextBox 3">
+            <a:extLst>
+              <a:ext uri="{FF2B5EF4-FFF2-40B4-BE49-F238E27FC236}">
+                <a16:creationId xmlns:a16="http://schemas.microsoft.com/office/drawing/2014/main" id="{60CCF407-4712-4749-B620-F0905B845195}"/>
+              </a:ext>
+            </a:extLst>
+          </p:cNvPr>
+          <p:cNvSpPr txBox="1"/>
+          <p:nvPr/>
+        </p:nvSpPr>
+        <p:spPr>
+          <a:xfrm>
+            <a:off x="-10519423" y="3105834"/>
+            <a:ext cx="9071429" cy="646331"/>
+          </a:xfrm>
+          <a:prstGeom prst="rect">
+            <a:avLst/>
+          </a:prstGeom>
+          <a:noFill/>
+        </p:spPr>
+        <p:txBody>
+          <a:bodyPr wrap="square" rtlCol="0">
+            <a:spAutoFit/>
+          </a:bodyPr>
+          <a:lstStyle/>
+          <a:p>
+            <a:pPr algn="ctr"/>
+            <a:r>
+              <a:rPr lang="en-US" sz="3600" dirty="0">
+                <a:solidFill>
+                  <a:schemeClr val="bg1"/>
+                </a:solidFill>
+                <a:latin typeface="Aharoni" panose="02010803020104030203" pitchFamily="2" charset="-79"/>
+                <a:cs typeface="Aharoni" panose="02010803020104030203" pitchFamily="2" charset="-79"/>
+              </a:rPr>
+              <a:t>so how does it work?</a:t>
+            </a:r>
+          </a:p>
+        </p:txBody>
+      </p:sp>
+      <p:sp>
+        <p:nvSpPr>
+          <p:cNvPr id="3" name="TextBox 2">
+            <a:extLst>
+              <a:ext uri="{FF2B5EF4-FFF2-40B4-BE49-F238E27FC236}">
+                <a16:creationId xmlns:a16="http://schemas.microsoft.com/office/drawing/2014/main" id="{932C2553-C5FA-4FE5-BD17-07986AC2A5B8}"/>
+              </a:ext>
+            </a:extLst>
+          </p:cNvPr>
+          <p:cNvSpPr txBox="1"/>
+          <p:nvPr/>
+        </p:nvSpPr>
+        <p:spPr>
+          <a:xfrm>
+            <a:off x="16359482" y="3567499"/>
+            <a:ext cx="3093945" cy="369332"/>
+          </a:xfrm>
+          <a:prstGeom prst="rect">
+            <a:avLst/>
+          </a:prstGeom>
+          <a:noFill/>
+        </p:spPr>
+        <p:txBody>
+          <a:bodyPr wrap="square" rtlCol="0">
+            <a:spAutoFit/>
+          </a:bodyPr>
+          <a:lstStyle/>
+          <a:p>
+            <a:pPr algn="ctr"/>
+            <a:r>
+              <a:rPr lang="en-US" dirty="0">
+                <a:solidFill>
+                  <a:schemeClr val="bg1"/>
+                </a:solidFill>
+                <a:latin typeface="Abadi Extra Light" panose="020B0204020104020204" pitchFamily="34" charset="0"/>
+                <a:cs typeface="Arial" panose="020B0604020202020204" pitchFamily="34" charset="0"/>
+              </a:rPr>
+              <a:t>we’re so glad you asked</a:t>
+            </a:r>
+          </a:p>
+        </p:txBody>
+      </p:sp>
+      <p:sp>
+        <p:nvSpPr>
+          <p:cNvPr id="6" name="TextBox 5">
+            <a:extLst>
+              <a:ext uri="{FF2B5EF4-FFF2-40B4-BE49-F238E27FC236}">
+                <a16:creationId xmlns:a16="http://schemas.microsoft.com/office/drawing/2014/main" id="{62E3230B-B2A2-4180-A058-7940B7FA4A8D}"/>
+              </a:ext>
+            </a:extLst>
+          </p:cNvPr>
+          <p:cNvSpPr txBox="1"/>
+          <p:nvPr/>
+        </p:nvSpPr>
+        <p:spPr>
+          <a:xfrm>
+            <a:off x="1560285" y="5074516"/>
+            <a:ext cx="9071429" cy="646331"/>
+          </a:xfrm>
+          <a:prstGeom prst="rect">
+            <a:avLst/>
+          </a:prstGeom>
+          <a:noFill/>
+        </p:spPr>
+        <p:txBody>
+          <a:bodyPr wrap="square" rtlCol="0">
+            <a:spAutoFit/>
+          </a:bodyPr>
+          <a:lstStyle/>
+          <a:p>
+            <a:pPr algn="ctr"/>
+            <a:r>
+              <a:rPr lang="en-US" sz="3600" dirty="0">
+                <a:solidFill>
+                  <a:schemeClr val="bg1"/>
+                </a:solidFill>
+                <a:latin typeface="Aharoni" panose="02010803020104030203" pitchFamily="2" charset="-79"/>
+                <a:cs typeface="Aharoni" panose="02010803020104030203" pitchFamily="2" charset="-79"/>
+              </a:rPr>
+              <a:t>to begin,</a:t>
+            </a:r>
+          </a:p>
+        </p:txBody>
+      </p:sp>
+      <p:pic>
+        <p:nvPicPr>
+          <p:cNvPr id="7" name="Graphic 6" descr="Pilot female outline">
+            <a:extLst>
+              <a:ext uri="{FF2B5EF4-FFF2-40B4-BE49-F238E27FC236}">
+                <a16:creationId xmlns:a16="http://schemas.microsoft.com/office/drawing/2014/main" id="{CAB54800-7D34-40AC-95C5-7EB1E1D982E6}"/>
+              </a:ext>
+            </a:extLst>
+          </p:cNvPr>
+          <p:cNvPicPr>
+            <a:picLocks noChangeAspect="1"/>
+          </p:cNvPicPr>
+          <p:nvPr/>
+        </p:nvPicPr>
+        <p:blipFill>
+          <a:blip r:embed="rId2">
+            <a:extLst>
+              <a:ext uri="{28A0092B-C50C-407E-A947-70E740481C1C}">
+                <a14:useLocalDpi xmlns:a14="http://schemas.microsoft.com/office/drawing/2010/main" val="0"/>
+              </a:ext>
+              <a:ext uri="{96DAC541-7B7A-43D3-8B79-37D633B846F1}">
+                <asvg:svgBlip xmlns:asvg="http://schemas.microsoft.com/office/drawing/2016/SVG/main" r:embed="rId3"/>
+              </a:ext>
+            </a:extLst>
+          </a:blip>
+          <a:stretch>
+            <a:fillRect/>
+          </a:stretch>
+        </p:blipFill>
+        <p:spPr>
+          <a:xfrm>
+            <a:off x="706770" y="1594466"/>
+            <a:ext cx="2862266" cy="2862266"/>
+          </a:xfrm>
+          <a:prstGeom prst="rect">
+            <a:avLst/>
+          </a:prstGeom>
+        </p:spPr>
+      </p:pic>
+      <p:pic>
+        <p:nvPicPr>
+          <p:cNvPr id="20" name="Graphic 19" descr="Pilot male outline">
+            <a:extLst>
+              <a:ext uri="{FF2B5EF4-FFF2-40B4-BE49-F238E27FC236}">
+                <a16:creationId xmlns:a16="http://schemas.microsoft.com/office/drawing/2014/main" id="{0F12EA7A-15A2-47EB-9A35-B40CFACAA96B}"/>
+              </a:ext>
+            </a:extLst>
+          </p:cNvPr>
+          <p:cNvPicPr>
+            <a:picLocks noChangeAspect="1"/>
+          </p:cNvPicPr>
+          <p:nvPr/>
+        </p:nvPicPr>
+        <p:blipFill>
+          <a:blip r:embed="rId4">
+            <a:extLst>
+              <a:ext uri="{28A0092B-C50C-407E-A947-70E740481C1C}">
+                <a14:useLocalDpi xmlns:a14="http://schemas.microsoft.com/office/drawing/2010/main" val="0"/>
+              </a:ext>
+              <a:ext uri="{96DAC541-7B7A-43D3-8B79-37D633B846F1}">
+                <asvg:svgBlip xmlns:asvg="http://schemas.microsoft.com/office/drawing/2016/SVG/main" r:embed="rId5"/>
+              </a:ext>
+            </a:extLst>
+          </a:blip>
+          <a:stretch>
+            <a:fillRect/>
+          </a:stretch>
+        </p:blipFill>
+        <p:spPr>
+          <a:xfrm>
+            <a:off x="8622966" y="1594466"/>
+            <a:ext cx="2862266" cy="2862266"/>
+          </a:xfrm>
+          <a:prstGeom prst="rect">
+            <a:avLst/>
+          </a:prstGeom>
+        </p:spPr>
+      </p:pic>
+      <p:pic>
+        <p:nvPicPr>
+          <p:cNvPr id="25" name="Graphic 24" descr="Radio microphone with solid fill">
+            <a:extLst>
+              <a:ext uri="{FF2B5EF4-FFF2-40B4-BE49-F238E27FC236}">
+                <a16:creationId xmlns:a16="http://schemas.microsoft.com/office/drawing/2014/main" id="{C1F99137-A4F5-4785-A8DC-6A3F83E53AB2}"/>
+              </a:ext>
+            </a:extLst>
+          </p:cNvPr>
+          <p:cNvPicPr>
+            <a:picLocks noChangeAspect="1"/>
+          </p:cNvPicPr>
+          <p:nvPr/>
+        </p:nvPicPr>
+        <p:blipFill>
+          <a:blip r:embed="rId6">
+            <a:extLst>
+              <a:ext uri="{28A0092B-C50C-407E-A947-70E740481C1C}">
+                <a14:useLocalDpi xmlns:a14="http://schemas.microsoft.com/office/drawing/2010/main" val="0"/>
+              </a:ext>
+              <a:ext uri="{96DAC541-7B7A-43D3-8B79-37D633B846F1}">
+                <asvg:svgBlip xmlns:asvg="http://schemas.microsoft.com/office/drawing/2016/SVG/main" r:embed="rId7"/>
+              </a:ext>
+            </a:extLst>
+          </a:blip>
+          <a:stretch>
+            <a:fillRect/>
+          </a:stretch>
+        </p:blipFill>
+        <p:spPr>
+          <a:xfrm>
+            <a:off x="2523073" y="2270261"/>
+            <a:ext cx="180429" cy="180429"/>
+          </a:xfrm>
+          <a:prstGeom prst="rect">
+            <a:avLst/>
+          </a:prstGeom>
+        </p:spPr>
+      </p:pic>
+      <p:sp>
+        <p:nvSpPr>
+          <p:cNvPr id="28" name="TextBox 27">
+            <a:extLst>
+              <a:ext uri="{FF2B5EF4-FFF2-40B4-BE49-F238E27FC236}">
+                <a16:creationId xmlns:a16="http://schemas.microsoft.com/office/drawing/2014/main" id="{1721BD83-FECF-4714-AC18-C1FD588E2061}"/>
+              </a:ext>
+            </a:extLst>
+          </p:cNvPr>
+          <p:cNvSpPr txBox="1"/>
+          <p:nvPr/>
+        </p:nvSpPr>
+        <p:spPr>
+          <a:xfrm>
+            <a:off x="0" y="5663143"/>
+            <a:ext cx="12192000" cy="646331"/>
+          </a:xfrm>
+          <a:prstGeom prst="rect">
+            <a:avLst/>
+          </a:prstGeom>
+          <a:noFill/>
+        </p:spPr>
+        <p:txBody>
+          <a:bodyPr wrap="square" rtlCol="0">
+            <a:spAutoFit/>
+          </a:bodyPr>
+          <a:lstStyle/>
+          <a:p>
+            <a:pPr algn="ctr"/>
+            <a:r>
+              <a:rPr lang="en-US" sz="3600" dirty="0">
+                <a:solidFill>
+                  <a:schemeClr val="bg1"/>
+                </a:solidFill>
+                <a:latin typeface="Aharoni" panose="02010803020104030203" pitchFamily="2" charset="-79"/>
+                <a:cs typeface="Aharoni" panose="02010803020104030203" pitchFamily="2" charset="-79"/>
+              </a:rPr>
+              <a:t>the pilots will talk into their microphone</a:t>
+            </a:r>
+          </a:p>
+        </p:txBody>
+      </p:sp>
     </p:spTree>
     <p:extLst>
       <p:ext uri="{BB962C8B-B14F-4D97-AF65-F5344CB8AC3E}">
-        <p14:creationId xmlns:p14="http://schemas.microsoft.com/office/powerpoint/2010/main" val="1530252317"/>
+        <p14:creationId xmlns:p14="http://schemas.microsoft.com/office/powerpoint/2010/main" val="744070312"/>
       </p:ext>
     </p:extLst>
   </p:cSld>
   <p:clrMapOvr>
     <a:masterClrMapping/>
   </p:clrMapOvr>
-  <mc:AlternateContent xmlns:mc="http://schemas.openxmlformats.org/markup-compatibility/2006">
-    <mc:Choice xmlns:p159="http://schemas.microsoft.com/office/powerpoint/2015/09/main" Requires="p159">
-      <p:transition xmlns:p14="http://schemas.microsoft.com/office/powerpoint/2010/main" spd="slow" p14:dur="2000" advClick="0" advTm="2000">
+  <mc:AlternateContent xmlns:mc="http://schemas.openxmlformats.org/markup-compatibility/2006" xmlns:p159="http://schemas.microsoft.com/office/powerpoint/2015/09/main">
+    <mc:Choice Requires="p159">
+      <p:transition xmlns:p14="http://schemas.microsoft.com/office/powerpoint/2010/main" spd="slow" p14:dur="1500" advClick="0" advTm="1000">
         <p159:morph option="byObject"/>
       </p:transition>
     </mc:Choice>
-    <mc:Fallback>
-      <p:transition spd="slow" advClick="0" advTm="2000">
+    <mc:Fallback xmlns="">
+      <p:transition spd="slow" advClick="0" advTm="1000">
         <p:fade/>
       </p:transition>
     </mc:Fallback>
@@ -11293,7 +11944,10 @@
     <p:bg>
       <p:bgPr>
         <a:solidFill>
-          <a:srgbClr val="718FA7"/>
+          <a:schemeClr val="accent1">
+            <a:lumMod val="60000"/>
+            <a:lumOff val="40000"/>
+          </a:schemeClr>
         </a:solidFill>
         <a:effectLst/>
       </p:bgPr>
@@ -11312,12 +11966,725 @@
           <a:chExt cx="0" cy="0"/>
         </a:xfrm>
       </p:grpSpPr>
+      <p:sp>
+        <p:nvSpPr>
+          <p:cNvPr id="4" name="TextBox 3">
+            <a:extLst>
+              <a:ext uri="{FF2B5EF4-FFF2-40B4-BE49-F238E27FC236}">
+                <a16:creationId xmlns:a16="http://schemas.microsoft.com/office/drawing/2014/main" id="{60CCF407-4712-4749-B620-F0905B845195}"/>
+              </a:ext>
+            </a:extLst>
+          </p:cNvPr>
+          <p:cNvSpPr txBox="1"/>
+          <p:nvPr/>
+        </p:nvSpPr>
+        <p:spPr>
+          <a:xfrm>
+            <a:off x="-10519423" y="3105834"/>
+            <a:ext cx="9071429" cy="646331"/>
+          </a:xfrm>
+          <a:prstGeom prst="rect">
+            <a:avLst/>
+          </a:prstGeom>
+          <a:noFill/>
+        </p:spPr>
+        <p:txBody>
+          <a:bodyPr wrap="square" rtlCol="0">
+            <a:spAutoFit/>
+          </a:bodyPr>
+          <a:lstStyle/>
+          <a:p>
+            <a:pPr algn="ctr"/>
+            <a:r>
+              <a:rPr lang="en-US" sz="3600" dirty="0">
+                <a:solidFill>
+                  <a:schemeClr val="bg1"/>
+                </a:solidFill>
+                <a:latin typeface="Aharoni" panose="02010803020104030203" pitchFamily="2" charset="-79"/>
+                <a:cs typeface="Aharoni" panose="02010803020104030203" pitchFamily="2" charset="-79"/>
+              </a:rPr>
+              <a:t>so how does it work?</a:t>
+            </a:r>
+          </a:p>
+        </p:txBody>
+      </p:sp>
+      <p:sp>
+        <p:nvSpPr>
+          <p:cNvPr id="3" name="TextBox 2">
+            <a:extLst>
+              <a:ext uri="{FF2B5EF4-FFF2-40B4-BE49-F238E27FC236}">
+                <a16:creationId xmlns:a16="http://schemas.microsoft.com/office/drawing/2014/main" id="{932C2553-C5FA-4FE5-BD17-07986AC2A5B8}"/>
+              </a:ext>
+            </a:extLst>
+          </p:cNvPr>
+          <p:cNvSpPr txBox="1"/>
+          <p:nvPr/>
+        </p:nvSpPr>
+        <p:spPr>
+          <a:xfrm>
+            <a:off x="16359482" y="3567499"/>
+            <a:ext cx="3093945" cy="369332"/>
+          </a:xfrm>
+          <a:prstGeom prst="rect">
+            <a:avLst/>
+          </a:prstGeom>
+          <a:noFill/>
+        </p:spPr>
+        <p:txBody>
+          <a:bodyPr wrap="square" rtlCol="0">
+            <a:spAutoFit/>
+          </a:bodyPr>
+          <a:lstStyle/>
+          <a:p>
+            <a:pPr algn="ctr"/>
+            <a:r>
+              <a:rPr lang="en-US" dirty="0">
+                <a:solidFill>
+                  <a:schemeClr val="bg1"/>
+                </a:solidFill>
+                <a:latin typeface="Abadi Extra Light" panose="020B0204020104020204" pitchFamily="34" charset="0"/>
+                <a:cs typeface="Arial" panose="020B0604020202020204" pitchFamily="34" charset="0"/>
+              </a:rPr>
+              <a:t>we’re so glad you asked</a:t>
+            </a:r>
+          </a:p>
+        </p:txBody>
+      </p:sp>
+      <p:sp>
+        <p:nvSpPr>
+          <p:cNvPr id="6" name="TextBox 5">
+            <a:extLst>
+              <a:ext uri="{FF2B5EF4-FFF2-40B4-BE49-F238E27FC236}">
+                <a16:creationId xmlns:a16="http://schemas.microsoft.com/office/drawing/2014/main" id="{62E3230B-B2A2-4180-A058-7940B7FA4A8D}"/>
+              </a:ext>
+            </a:extLst>
+          </p:cNvPr>
+          <p:cNvSpPr txBox="1"/>
+          <p:nvPr/>
+        </p:nvSpPr>
+        <p:spPr>
+          <a:xfrm>
+            <a:off x="1560285" y="5074516"/>
+            <a:ext cx="9071429" cy="646331"/>
+          </a:xfrm>
+          <a:prstGeom prst="rect">
+            <a:avLst/>
+          </a:prstGeom>
+          <a:noFill/>
+        </p:spPr>
+        <p:txBody>
+          <a:bodyPr wrap="square" rtlCol="0">
+            <a:spAutoFit/>
+          </a:bodyPr>
+          <a:lstStyle/>
+          <a:p>
+            <a:pPr algn="ctr"/>
+            <a:r>
+              <a:rPr lang="en-US" sz="3600" dirty="0">
+                <a:solidFill>
+                  <a:schemeClr val="bg1"/>
+                </a:solidFill>
+                <a:latin typeface="Aharoni" panose="02010803020104030203" pitchFamily="2" charset="-79"/>
+                <a:cs typeface="Aharoni" panose="02010803020104030203" pitchFamily="2" charset="-79"/>
+              </a:rPr>
+              <a:t>to begin,</a:t>
+            </a:r>
+          </a:p>
+        </p:txBody>
+      </p:sp>
+      <p:pic>
+        <p:nvPicPr>
+          <p:cNvPr id="7" name="Graphic 6" descr="Pilot female outline">
+            <a:extLst>
+              <a:ext uri="{FF2B5EF4-FFF2-40B4-BE49-F238E27FC236}">
+                <a16:creationId xmlns:a16="http://schemas.microsoft.com/office/drawing/2014/main" id="{CAB54800-7D34-40AC-95C5-7EB1E1D982E6}"/>
+              </a:ext>
+            </a:extLst>
+          </p:cNvPr>
+          <p:cNvPicPr>
+            <a:picLocks noChangeAspect="1"/>
+          </p:cNvPicPr>
+          <p:nvPr/>
+        </p:nvPicPr>
+        <p:blipFill>
+          <a:blip r:embed="rId2">
+            <a:extLst>
+              <a:ext uri="{28A0092B-C50C-407E-A947-70E740481C1C}">
+                <a14:useLocalDpi xmlns:a14="http://schemas.microsoft.com/office/drawing/2010/main" val="0"/>
+              </a:ext>
+              <a:ext uri="{96DAC541-7B7A-43D3-8B79-37D633B846F1}">
+                <asvg:svgBlip xmlns:asvg="http://schemas.microsoft.com/office/drawing/2016/SVG/main" r:embed="rId3"/>
+              </a:ext>
+            </a:extLst>
+          </a:blip>
+          <a:stretch>
+            <a:fillRect/>
+          </a:stretch>
+        </p:blipFill>
+        <p:spPr>
+          <a:xfrm>
+            <a:off x="706770" y="1594466"/>
+            <a:ext cx="2862266" cy="2862266"/>
+          </a:xfrm>
+          <a:prstGeom prst="rect">
+            <a:avLst/>
+          </a:prstGeom>
+        </p:spPr>
+      </p:pic>
+      <p:pic>
+        <p:nvPicPr>
+          <p:cNvPr id="8" name="Graphic 7" descr="Radio microphone with solid fill">
+            <a:extLst>
+              <a:ext uri="{FF2B5EF4-FFF2-40B4-BE49-F238E27FC236}">
+                <a16:creationId xmlns:a16="http://schemas.microsoft.com/office/drawing/2014/main" id="{AF08CCA4-99E9-4EF5-AEE0-71836FEA3B2C}"/>
+              </a:ext>
+            </a:extLst>
+          </p:cNvPr>
+          <p:cNvPicPr>
+            <a:picLocks noChangeAspect="1"/>
+          </p:cNvPicPr>
+          <p:nvPr/>
+        </p:nvPicPr>
+        <p:blipFill>
+          <a:blip r:embed="rId4">
+            <a:extLst>
+              <a:ext uri="{28A0092B-C50C-407E-A947-70E740481C1C}">
+                <a14:useLocalDpi xmlns:a14="http://schemas.microsoft.com/office/drawing/2010/main" val="0"/>
+              </a:ext>
+              <a:ext uri="{96DAC541-7B7A-43D3-8B79-37D633B846F1}">
+                <asvg:svgBlip xmlns:asvg="http://schemas.microsoft.com/office/drawing/2016/SVG/main" r:embed="rId5"/>
+              </a:ext>
+            </a:extLst>
+          </a:blip>
+          <a:stretch>
+            <a:fillRect/>
+          </a:stretch>
+        </p:blipFill>
+        <p:spPr>
+          <a:xfrm>
+            <a:off x="5525583" y="2535416"/>
+            <a:ext cx="1140835" cy="1140835"/>
+          </a:xfrm>
+          <a:prstGeom prst="rect">
+            <a:avLst/>
+          </a:prstGeom>
+        </p:spPr>
+      </p:pic>
+      <p:pic>
+        <p:nvPicPr>
+          <p:cNvPr id="20" name="Graphic 19" descr="Pilot male outline">
+            <a:extLst>
+              <a:ext uri="{FF2B5EF4-FFF2-40B4-BE49-F238E27FC236}">
+                <a16:creationId xmlns:a16="http://schemas.microsoft.com/office/drawing/2014/main" id="{0F12EA7A-15A2-47EB-9A35-B40CFACAA96B}"/>
+              </a:ext>
+            </a:extLst>
+          </p:cNvPr>
+          <p:cNvPicPr>
+            <a:picLocks noChangeAspect="1"/>
+          </p:cNvPicPr>
+          <p:nvPr/>
+        </p:nvPicPr>
+        <p:blipFill>
+          <a:blip r:embed="rId6">
+            <a:extLst>
+              <a:ext uri="{28A0092B-C50C-407E-A947-70E740481C1C}">
+                <a14:useLocalDpi xmlns:a14="http://schemas.microsoft.com/office/drawing/2010/main" val="0"/>
+              </a:ext>
+              <a:ext uri="{96DAC541-7B7A-43D3-8B79-37D633B846F1}">
+                <asvg:svgBlip xmlns:asvg="http://schemas.microsoft.com/office/drawing/2016/SVG/main" r:embed="rId7"/>
+              </a:ext>
+            </a:extLst>
+          </a:blip>
+          <a:stretch>
+            <a:fillRect/>
+          </a:stretch>
+        </p:blipFill>
+        <p:spPr>
+          <a:xfrm>
+            <a:off x="8622966" y="1594466"/>
+            <a:ext cx="2862266" cy="2862266"/>
+          </a:xfrm>
+          <a:prstGeom prst="rect">
+            <a:avLst/>
+          </a:prstGeom>
+        </p:spPr>
+      </p:pic>
+      <p:sp>
+        <p:nvSpPr>
+          <p:cNvPr id="10" name="TextBox 9">
+            <a:extLst>
+              <a:ext uri="{FF2B5EF4-FFF2-40B4-BE49-F238E27FC236}">
+                <a16:creationId xmlns:a16="http://schemas.microsoft.com/office/drawing/2014/main" id="{C076F468-D391-4110-8FB0-E50A05449E9E}"/>
+              </a:ext>
+            </a:extLst>
+          </p:cNvPr>
+          <p:cNvSpPr txBox="1"/>
+          <p:nvPr/>
+        </p:nvSpPr>
+        <p:spPr>
+          <a:xfrm>
+            <a:off x="0" y="5663143"/>
+            <a:ext cx="12192000" cy="646331"/>
+          </a:xfrm>
+          <a:prstGeom prst="rect">
+            <a:avLst/>
+          </a:prstGeom>
+          <a:noFill/>
+        </p:spPr>
+        <p:txBody>
+          <a:bodyPr wrap="square" rtlCol="0">
+            <a:spAutoFit/>
+          </a:bodyPr>
+          <a:lstStyle/>
+          <a:p>
+            <a:pPr algn="ctr"/>
+            <a:r>
+              <a:rPr lang="en-US" sz="3600" dirty="0">
+                <a:solidFill>
+                  <a:schemeClr val="bg1"/>
+                </a:solidFill>
+                <a:latin typeface="Aharoni" panose="02010803020104030203" pitchFamily="2" charset="-79"/>
+                <a:cs typeface="Aharoni" panose="02010803020104030203" pitchFamily="2" charset="-79"/>
+              </a:rPr>
+              <a:t>the pilots will talk into their microphone</a:t>
+            </a:r>
+          </a:p>
+        </p:txBody>
+      </p:sp>
+    </p:spTree>
+    <p:extLst>
+      <p:ext uri="{BB962C8B-B14F-4D97-AF65-F5344CB8AC3E}">
+        <p14:creationId xmlns:p14="http://schemas.microsoft.com/office/powerpoint/2010/main" val="253630575"/>
+      </p:ext>
+    </p:extLst>
+  </p:cSld>
+  <p:clrMapOvr>
+    <a:masterClrMapping/>
+  </p:clrMapOvr>
+  <mc:AlternateContent xmlns:mc="http://schemas.openxmlformats.org/markup-compatibility/2006" xmlns:p159="http://schemas.microsoft.com/office/powerpoint/2015/09/main">
+    <mc:Choice Requires="p159">
+      <p:transition spd="slow" advClick="0" advTm="1000">
+        <p159:morph option="byObject"/>
+      </p:transition>
+    </mc:Choice>
+    <mc:Fallback xmlns="">
+      <p:transition spd="slow" advClick="0" advTm="1000">
+        <p:fade/>
+      </p:transition>
+    </mc:Fallback>
+  </mc:AlternateContent>
+</p:sld>
+</file>
+
+<file path=ppt/slides/slide35.xml><?xml version="1.0" encoding="utf-8"?>
+<p:sld xmlns:a="http://schemas.openxmlformats.org/drawingml/2006/main" xmlns:r="http://schemas.openxmlformats.org/officeDocument/2006/relationships" xmlns:p="http://schemas.openxmlformats.org/presentationml/2006/main">
+  <p:cSld>
+    <p:bg>
+      <p:bgPr>
+        <a:solidFill>
+          <a:schemeClr val="accent1">
+            <a:lumMod val="60000"/>
+            <a:lumOff val="40000"/>
+          </a:schemeClr>
+        </a:solidFill>
+        <a:effectLst/>
+      </p:bgPr>
+    </p:bg>
+    <p:spTree>
+      <p:nvGrpSpPr>
+        <p:cNvPr id="1" name=""/>
+        <p:cNvGrpSpPr/>
+        <p:nvPr/>
+      </p:nvGrpSpPr>
+      <p:grpSpPr>
+        <a:xfrm>
+          <a:off x="0" y="0"/>
+          <a:ext cx="0" cy="0"/>
+          <a:chOff x="0" y="0"/>
+          <a:chExt cx="0" cy="0"/>
+        </a:xfrm>
+      </p:grpSpPr>
+      <p:sp>
+        <p:nvSpPr>
+          <p:cNvPr id="4" name="TextBox 3">
+            <a:extLst>
+              <a:ext uri="{FF2B5EF4-FFF2-40B4-BE49-F238E27FC236}">
+                <a16:creationId xmlns:a16="http://schemas.microsoft.com/office/drawing/2014/main" id="{60CCF407-4712-4749-B620-F0905B845195}"/>
+              </a:ext>
+            </a:extLst>
+          </p:cNvPr>
+          <p:cNvSpPr txBox="1"/>
+          <p:nvPr/>
+        </p:nvSpPr>
+        <p:spPr>
+          <a:xfrm>
+            <a:off x="-10519423" y="3105834"/>
+            <a:ext cx="9071429" cy="646331"/>
+          </a:xfrm>
+          <a:prstGeom prst="rect">
+            <a:avLst/>
+          </a:prstGeom>
+          <a:noFill/>
+        </p:spPr>
+        <p:txBody>
+          <a:bodyPr wrap="square" rtlCol="0">
+            <a:spAutoFit/>
+          </a:bodyPr>
+          <a:lstStyle/>
+          <a:p>
+            <a:pPr algn="ctr"/>
+            <a:r>
+              <a:rPr lang="en-US" sz="3600" dirty="0">
+                <a:solidFill>
+                  <a:schemeClr val="bg1"/>
+                </a:solidFill>
+                <a:latin typeface="Aharoni" panose="02010803020104030203" pitchFamily="2" charset="-79"/>
+                <a:cs typeface="Aharoni" panose="02010803020104030203" pitchFamily="2" charset="-79"/>
+              </a:rPr>
+              <a:t>so how does it work?</a:t>
+            </a:r>
+          </a:p>
+        </p:txBody>
+      </p:sp>
+      <p:sp>
+        <p:nvSpPr>
+          <p:cNvPr id="3" name="TextBox 2">
+            <a:extLst>
+              <a:ext uri="{FF2B5EF4-FFF2-40B4-BE49-F238E27FC236}">
+                <a16:creationId xmlns:a16="http://schemas.microsoft.com/office/drawing/2014/main" id="{932C2553-C5FA-4FE5-BD17-07986AC2A5B8}"/>
+              </a:ext>
+            </a:extLst>
+          </p:cNvPr>
+          <p:cNvSpPr txBox="1"/>
+          <p:nvPr/>
+        </p:nvSpPr>
+        <p:spPr>
+          <a:xfrm>
+            <a:off x="16359482" y="3567499"/>
+            <a:ext cx="3093945" cy="369332"/>
+          </a:xfrm>
+          <a:prstGeom prst="rect">
+            <a:avLst/>
+          </a:prstGeom>
+          <a:noFill/>
+        </p:spPr>
+        <p:txBody>
+          <a:bodyPr wrap="square" rtlCol="0">
+            <a:spAutoFit/>
+          </a:bodyPr>
+          <a:lstStyle/>
+          <a:p>
+            <a:pPr algn="ctr"/>
+            <a:r>
+              <a:rPr lang="en-US" dirty="0">
+                <a:solidFill>
+                  <a:schemeClr val="bg1"/>
+                </a:solidFill>
+                <a:latin typeface="Abadi Extra Light" panose="020B0204020104020204" pitchFamily="34" charset="0"/>
+                <a:cs typeface="Arial" panose="020B0604020202020204" pitchFamily="34" charset="0"/>
+              </a:rPr>
+              <a:t>we’re so glad you asked</a:t>
+            </a:r>
+          </a:p>
+        </p:txBody>
+      </p:sp>
+      <p:sp>
+        <p:nvSpPr>
+          <p:cNvPr id="6" name="TextBox 5">
+            <a:extLst>
+              <a:ext uri="{FF2B5EF4-FFF2-40B4-BE49-F238E27FC236}">
+                <a16:creationId xmlns:a16="http://schemas.microsoft.com/office/drawing/2014/main" id="{62E3230B-B2A2-4180-A058-7940B7FA4A8D}"/>
+              </a:ext>
+            </a:extLst>
+          </p:cNvPr>
+          <p:cNvSpPr txBox="1"/>
+          <p:nvPr/>
+        </p:nvSpPr>
+        <p:spPr>
+          <a:xfrm>
+            <a:off x="1560285" y="5074516"/>
+            <a:ext cx="9071429" cy="646331"/>
+          </a:xfrm>
+          <a:prstGeom prst="rect">
+            <a:avLst/>
+          </a:prstGeom>
+          <a:noFill/>
+        </p:spPr>
+        <p:txBody>
+          <a:bodyPr wrap="square" rtlCol="0">
+            <a:spAutoFit/>
+          </a:bodyPr>
+          <a:lstStyle/>
+          <a:p>
+            <a:pPr algn="ctr"/>
+            <a:r>
+              <a:rPr lang="en-US" sz="3600" dirty="0">
+                <a:solidFill>
+                  <a:schemeClr val="bg1"/>
+                </a:solidFill>
+                <a:latin typeface="Aharoni" panose="02010803020104030203" pitchFamily="2" charset="-79"/>
+                <a:cs typeface="Aharoni" panose="02010803020104030203" pitchFamily="2" charset="-79"/>
+              </a:rPr>
+              <a:t>to begin,</a:t>
+            </a:r>
+          </a:p>
+        </p:txBody>
+      </p:sp>
+      <p:pic>
+        <p:nvPicPr>
+          <p:cNvPr id="7" name="Graphic 6" descr="Pilot female outline">
+            <a:extLst>
+              <a:ext uri="{FF2B5EF4-FFF2-40B4-BE49-F238E27FC236}">
+                <a16:creationId xmlns:a16="http://schemas.microsoft.com/office/drawing/2014/main" id="{CAB54800-7D34-40AC-95C5-7EB1E1D982E6}"/>
+              </a:ext>
+            </a:extLst>
+          </p:cNvPr>
+          <p:cNvPicPr>
+            <a:picLocks noChangeAspect="1"/>
+          </p:cNvPicPr>
+          <p:nvPr/>
+        </p:nvPicPr>
+        <p:blipFill>
+          <a:blip r:embed="rId2">
+            <a:extLst>
+              <a:ext uri="{28A0092B-C50C-407E-A947-70E740481C1C}">
+                <a14:useLocalDpi xmlns:a14="http://schemas.microsoft.com/office/drawing/2010/main" val="0"/>
+              </a:ext>
+              <a:ext uri="{96DAC541-7B7A-43D3-8B79-37D633B846F1}">
+                <asvg:svgBlip xmlns:asvg="http://schemas.microsoft.com/office/drawing/2016/SVG/main" r:embed="rId3"/>
+              </a:ext>
+            </a:extLst>
+          </a:blip>
+          <a:stretch>
+            <a:fillRect/>
+          </a:stretch>
+        </p:blipFill>
+        <p:spPr>
+          <a:xfrm>
+            <a:off x="706770" y="1594466"/>
+            <a:ext cx="2862266" cy="2862266"/>
+          </a:xfrm>
+          <a:prstGeom prst="rect">
+            <a:avLst/>
+          </a:prstGeom>
+        </p:spPr>
+      </p:pic>
+      <p:sp>
+        <p:nvSpPr>
+          <p:cNvPr id="9" name="TextBox 8">
+            <a:extLst>
+              <a:ext uri="{FF2B5EF4-FFF2-40B4-BE49-F238E27FC236}">
+                <a16:creationId xmlns:a16="http://schemas.microsoft.com/office/drawing/2014/main" id="{CA11A9E4-2DD5-4FA3-85C7-FAB017408DCC}"/>
+              </a:ext>
+            </a:extLst>
+          </p:cNvPr>
+          <p:cNvSpPr txBox="1"/>
+          <p:nvPr/>
+        </p:nvSpPr>
+        <p:spPr>
+          <a:xfrm>
+            <a:off x="0" y="5663143"/>
+            <a:ext cx="12192000" cy="646331"/>
+          </a:xfrm>
+          <a:prstGeom prst="rect">
+            <a:avLst/>
+          </a:prstGeom>
+          <a:noFill/>
+        </p:spPr>
+        <p:txBody>
+          <a:bodyPr wrap="square" rtlCol="0">
+            <a:spAutoFit/>
+          </a:bodyPr>
+          <a:lstStyle/>
+          <a:p>
+            <a:pPr algn="ctr"/>
+            <a:r>
+              <a:rPr lang="en-US" sz="3600" dirty="0">
+                <a:solidFill>
+                  <a:schemeClr val="bg1"/>
+                </a:solidFill>
+                <a:latin typeface="Aharoni" panose="02010803020104030203" pitchFamily="2" charset="-79"/>
+                <a:cs typeface="Aharoni" panose="02010803020104030203" pitchFamily="2" charset="-79"/>
+              </a:rPr>
+              <a:t>the pilots will talk into their microphone</a:t>
+            </a:r>
+          </a:p>
+        </p:txBody>
+      </p:sp>
+      <p:cxnSp>
+        <p:nvCxnSpPr>
+          <p:cNvPr id="14" name="Straight Connector 13">
+            <a:extLst>
+              <a:ext uri="{FF2B5EF4-FFF2-40B4-BE49-F238E27FC236}">
+                <a16:creationId xmlns:a16="http://schemas.microsoft.com/office/drawing/2014/main" id="{05778D2E-3024-4F81-A90C-8FE3CB8469CA}"/>
+              </a:ext>
+            </a:extLst>
+          </p:cNvPr>
+          <p:cNvCxnSpPr>
+            <a:cxnSpLocks/>
+          </p:cNvCxnSpPr>
+          <p:nvPr/>
+        </p:nvCxnSpPr>
+        <p:spPr>
+          <a:xfrm>
+            <a:off x="3025323" y="3022408"/>
+            <a:ext cx="1080544" cy="234698"/>
+          </a:xfrm>
+          <a:prstGeom prst="line">
+            <a:avLst/>
+          </a:prstGeom>
+          <a:ln w="76200">
+            <a:solidFill>
+              <a:schemeClr val="bg1"/>
+            </a:solidFill>
+          </a:ln>
+        </p:spPr>
+        <p:style>
+          <a:lnRef idx="1">
+            <a:schemeClr val="accent1"/>
+          </a:lnRef>
+          <a:fillRef idx="0">
+            <a:schemeClr val="accent1"/>
+          </a:fillRef>
+          <a:effectRef idx="0">
+            <a:schemeClr val="accent1"/>
+          </a:effectRef>
+          <a:fontRef idx="minor">
+            <a:schemeClr val="tx1"/>
+          </a:fontRef>
+        </p:style>
+      </p:cxnSp>
+      <p:cxnSp>
+        <p:nvCxnSpPr>
+          <p:cNvPr id="15" name="Straight Connector 14">
+            <a:extLst>
+              <a:ext uri="{FF2B5EF4-FFF2-40B4-BE49-F238E27FC236}">
+                <a16:creationId xmlns:a16="http://schemas.microsoft.com/office/drawing/2014/main" id="{ECD140FE-F753-4B5E-BE45-991C83603325}"/>
+              </a:ext>
+            </a:extLst>
+          </p:cNvPr>
+          <p:cNvCxnSpPr>
+            <a:cxnSpLocks/>
+          </p:cNvCxnSpPr>
+          <p:nvPr/>
+        </p:nvCxnSpPr>
+        <p:spPr>
+          <a:xfrm flipV="1">
+            <a:off x="2991218" y="2145428"/>
+            <a:ext cx="1114649" cy="237055"/>
+          </a:xfrm>
+          <a:prstGeom prst="line">
+            <a:avLst/>
+          </a:prstGeom>
+          <a:ln w="76200">
+            <a:solidFill>
+              <a:schemeClr val="bg1"/>
+            </a:solidFill>
+          </a:ln>
+        </p:spPr>
+        <p:style>
+          <a:lnRef idx="1">
+            <a:schemeClr val="accent1"/>
+          </a:lnRef>
+          <a:fillRef idx="0">
+            <a:schemeClr val="accent1"/>
+          </a:fillRef>
+          <a:effectRef idx="0">
+            <a:schemeClr val="accent1"/>
+          </a:effectRef>
+          <a:fontRef idx="minor">
+            <a:schemeClr val="tx1"/>
+          </a:fontRef>
+        </p:style>
+      </p:cxnSp>
+      <p:cxnSp>
+        <p:nvCxnSpPr>
+          <p:cNvPr id="16" name="Straight Connector 15">
+            <a:extLst>
+              <a:ext uri="{FF2B5EF4-FFF2-40B4-BE49-F238E27FC236}">
+                <a16:creationId xmlns:a16="http://schemas.microsoft.com/office/drawing/2014/main" id="{78EA8943-B2C1-4C0F-A599-1CF9CB3F7A78}"/>
+              </a:ext>
+            </a:extLst>
+          </p:cNvPr>
+          <p:cNvCxnSpPr>
+            <a:cxnSpLocks/>
+          </p:cNvCxnSpPr>
+          <p:nvPr/>
+        </p:nvCxnSpPr>
+        <p:spPr>
+          <a:xfrm>
+            <a:off x="3011711" y="2702444"/>
+            <a:ext cx="1114649" cy="1"/>
+          </a:xfrm>
+          <a:prstGeom prst="line">
+            <a:avLst/>
+          </a:prstGeom>
+          <a:ln w="76200">
+            <a:solidFill>
+              <a:schemeClr val="bg1"/>
+            </a:solidFill>
+          </a:ln>
+        </p:spPr>
+        <p:style>
+          <a:lnRef idx="1">
+            <a:schemeClr val="accent1"/>
+          </a:lnRef>
+          <a:fillRef idx="0">
+            <a:schemeClr val="accent1"/>
+          </a:fillRef>
+          <a:effectRef idx="0">
+            <a:schemeClr val="accent1"/>
+          </a:effectRef>
+          <a:fontRef idx="minor">
+            <a:schemeClr val="tx1"/>
+          </a:fontRef>
+        </p:style>
+      </p:cxnSp>
+      <p:pic>
+        <p:nvPicPr>
+          <p:cNvPr id="20" name="Graphic 19" descr="Pilot male outline">
+            <a:extLst>
+              <a:ext uri="{FF2B5EF4-FFF2-40B4-BE49-F238E27FC236}">
+                <a16:creationId xmlns:a16="http://schemas.microsoft.com/office/drawing/2014/main" id="{0F12EA7A-15A2-47EB-9A35-B40CFACAA96B}"/>
+              </a:ext>
+            </a:extLst>
+          </p:cNvPr>
+          <p:cNvPicPr>
+            <a:picLocks noChangeAspect="1"/>
+          </p:cNvPicPr>
+          <p:nvPr/>
+        </p:nvPicPr>
+        <p:blipFill>
+          <a:blip r:embed="rId4">
+            <a:extLst>
+              <a:ext uri="{28A0092B-C50C-407E-A947-70E740481C1C}">
+                <a14:useLocalDpi xmlns:a14="http://schemas.microsoft.com/office/drawing/2010/main" val="0"/>
+              </a:ext>
+              <a:ext uri="{96DAC541-7B7A-43D3-8B79-37D633B846F1}">
+                <asvg:svgBlip xmlns:asvg="http://schemas.microsoft.com/office/drawing/2016/SVG/main" r:embed="rId5"/>
+              </a:ext>
+            </a:extLst>
+          </a:blip>
+          <a:stretch>
+            <a:fillRect/>
+          </a:stretch>
+        </p:blipFill>
+        <p:spPr>
+          <a:xfrm>
+            <a:off x="8622966" y="1594466"/>
+            <a:ext cx="2862266" cy="2862266"/>
+          </a:xfrm>
+          <a:prstGeom prst="rect">
+            <a:avLst/>
+          </a:prstGeom>
+        </p:spPr>
+      </p:pic>
       <p:grpSp>
         <p:nvGrpSpPr>
-          <p:cNvPr id="9" name="Group 8">
-            <a:extLst>
-              <a:ext uri="{FF2B5EF4-FFF2-40B4-BE49-F238E27FC236}">
-                <a16:creationId xmlns:a16="http://schemas.microsoft.com/office/drawing/2014/main" id="{D308DB25-9B7C-455F-999D-FC99100D02E2}"/>
+          <p:cNvPr id="24" name="Group 23">
+            <a:extLst>
+              <a:ext uri="{FF2B5EF4-FFF2-40B4-BE49-F238E27FC236}">
+                <a16:creationId xmlns:a16="http://schemas.microsoft.com/office/drawing/2014/main" id="{8465F19A-72B3-46C8-969C-2A42AB6B699C}"/>
               </a:ext>
             </a:extLst>
           </p:cNvPr>
@@ -11325,114 +12692,149 @@
           <p:nvPr/>
         </p:nvGrpSpPr>
         <p:grpSpPr>
-          <a:xfrm>
-            <a:off x="0" y="532190"/>
-            <a:ext cx="6752778" cy="6891466"/>
-            <a:chOff x="2041172" y="0"/>
-            <a:chExt cx="8100391" cy="6891466"/>
+          <a:xfrm rot="10800000">
+            <a:off x="8086135" y="2140045"/>
+            <a:ext cx="1135142" cy="1111678"/>
+            <a:chOff x="3384860" y="3575238"/>
+            <a:chExt cx="1135142" cy="1111678"/>
           </a:xfrm>
         </p:grpSpPr>
-        <p:pic>
-          <p:nvPicPr>
-            <p:cNvPr id="7" name="Graphic 6" descr="Take Off with solid fill">
+        <p:cxnSp>
+          <p:nvCxnSpPr>
+            <p:cNvPr id="21" name="Straight Connector 20">
               <a:extLst>
                 <a:ext uri="{FF2B5EF4-FFF2-40B4-BE49-F238E27FC236}">
-                  <a16:creationId xmlns:a16="http://schemas.microsoft.com/office/drawing/2014/main" id="{EC95EBD2-9506-45EE-881E-B3345AE18CE1}"/>
+                  <a16:creationId xmlns:a16="http://schemas.microsoft.com/office/drawing/2014/main" id="{51B23717-BE98-4C5F-9C8C-0E1AA084E8C9}"/>
                 </a:ext>
               </a:extLst>
             </p:cNvPr>
-            <p:cNvPicPr>
-              <a:picLocks noChangeAspect="1"/>
-            </p:cNvPicPr>
+            <p:cNvCxnSpPr>
+              <a:cxnSpLocks/>
+            </p:cNvCxnSpPr>
             <p:nvPr/>
-          </p:nvPicPr>
-          <p:blipFill>
-            <a:blip r:embed="rId2">
-              <a:extLst>
-                <a:ext uri="{28A0092B-C50C-407E-A947-70E740481C1C}">
-                  <a14:useLocalDpi xmlns:a14="http://schemas.microsoft.com/office/drawing/2010/main" val="0"/>
-                </a:ext>
-                <a:ext uri="{96DAC541-7B7A-43D3-8B79-37D633B846F1}">
-                  <asvg:svgBlip xmlns:asvg="http://schemas.microsoft.com/office/drawing/2016/SVG/main" r:embed="rId3"/>
-                </a:ext>
-              </a:extLst>
-            </a:blip>
-            <a:stretch>
-              <a:fillRect/>
-            </a:stretch>
-          </p:blipFill>
+          </p:nvCxnSpPr>
           <p:spPr>
             <a:xfrm>
-              <a:off x="3250097" y="0"/>
-              <a:ext cx="6891466" cy="6891466"/>
+              <a:off x="3418965" y="4452218"/>
+              <a:ext cx="1080544" cy="234698"/>
             </a:xfrm>
-            <a:prstGeom prst="rect">
+            <a:prstGeom prst="line">
               <a:avLst/>
             </a:prstGeom>
-          </p:spPr>
-        </p:pic>
-        <p:sp>
-          <p:nvSpPr>
-            <p:cNvPr id="8" name="Rectangle 7">
-              <a:extLst>
-                <a:ext uri="{FF2B5EF4-FFF2-40B4-BE49-F238E27FC236}">
-                  <a16:creationId xmlns:a16="http://schemas.microsoft.com/office/drawing/2014/main" id="{DAB1E710-7C30-4725-96B1-15A8F9C9E50C}"/>
-                </a:ext>
-              </a:extLst>
-            </p:cNvPr>
-            <p:cNvSpPr/>
-            <p:nvPr/>
-          </p:nvSpPr>
-          <p:spPr>
-            <a:xfrm>
-              <a:off x="2041172" y="4699180"/>
-              <a:ext cx="8100391" cy="1093304"/>
-            </a:xfrm>
-            <a:prstGeom prst="rect">
-              <a:avLst/>
-            </a:prstGeom>
-            <a:solidFill>
-              <a:schemeClr val="accent1">
-                <a:lumMod val="60000"/>
-                <a:lumOff val="40000"/>
-              </a:schemeClr>
-            </a:solidFill>
-            <a:ln>
-              <a:noFill/>
+            <a:ln w="76200">
+              <a:solidFill>
+                <a:schemeClr val="bg1"/>
+              </a:solidFill>
             </a:ln>
           </p:spPr>
           <p:style>
-            <a:lnRef idx="2">
-              <a:schemeClr val="accent1">
-                <a:shade val="50000"/>
-              </a:schemeClr>
+            <a:lnRef idx="1">
+              <a:schemeClr val="accent1"/>
             </a:lnRef>
-            <a:fillRef idx="1">
+            <a:fillRef idx="0">
               <a:schemeClr val="accent1"/>
             </a:fillRef>
             <a:effectRef idx="0">
               <a:schemeClr val="accent1"/>
             </a:effectRef>
             <a:fontRef idx="minor">
-              <a:schemeClr val="lt1"/>
+              <a:schemeClr val="tx1"/>
             </a:fontRef>
           </p:style>
-          <p:txBody>
-            <a:bodyPr rtlCol="0" anchor="ctr"/>
-            <a:lstStyle/>
-            <a:p>
-              <a:pPr algn="ctr"/>
-              <a:endParaRPr lang="en-US" dirty="0"/>
-            </a:p>
-          </p:txBody>
-        </p:sp>
+        </p:cxnSp>
+        <p:cxnSp>
+          <p:nvCxnSpPr>
+            <p:cNvPr id="22" name="Straight Connector 21">
+              <a:extLst>
+                <a:ext uri="{FF2B5EF4-FFF2-40B4-BE49-F238E27FC236}">
+                  <a16:creationId xmlns:a16="http://schemas.microsoft.com/office/drawing/2014/main" id="{6557CF42-509D-4A6F-B4CF-7FD5DCF8076E}"/>
+                </a:ext>
+              </a:extLst>
+            </p:cNvPr>
+            <p:cNvCxnSpPr>
+              <a:cxnSpLocks/>
+            </p:cNvCxnSpPr>
+            <p:nvPr/>
+          </p:nvCxnSpPr>
+          <p:spPr>
+            <a:xfrm flipV="1">
+              <a:off x="3384860" y="3575238"/>
+              <a:ext cx="1114649" cy="237055"/>
+            </a:xfrm>
+            <a:prstGeom prst="line">
+              <a:avLst/>
+            </a:prstGeom>
+            <a:ln w="76200">
+              <a:solidFill>
+                <a:schemeClr val="bg1"/>
+              </a:solidFill>
+            </a:ln>
+          </p:spPr>
+          <p:style>
+            <a:lnRef idx="1">
+              <a:schemeClr val="accent1"/>
+            </a:lnRef>
+            <a:fillRef idx="0">
+              <a:schemeClr val="accent1"/>
+            </a:fillRef>
+            <a:effectRef idx="0">
+              <a:schemeClr val="accent1"/>
+            </a:effectRef>
+            <a:fontRef idx="minor">
+              <a:schemeClr val="tx1"/>
+            </a:fontRef>
+          </p:style>
+        </p:cxnSp>
+        <p:cxnSp>
+          <p:nvCxnSpPr>
+            <p:cNvPr id="23" name="Straight Connector 22">
+              <a:extLst>
+                <a:ext uri="{FF2B5EF4-FFF2-40B4-BE49-F238E27FC236}">
+                  <a16:creationId xmlns:a16="http://schemas.microsoft.com/office/drawing/2014/main" id="{4A35DC4B-8DCB-4345-9802-6A203A9E4092}"/>
+                </a:ext>
+              </a:extLst>
+            </p:cNvPr>
+            <p:cNvCxnSpPr>
+              <a:cxnSpLocks/>
+            </p:cNvCxnSpPr>
+            <p:nvPr/>
+          </p:nvCxnSpPr>
+          <p:spPr>
+            <a:xfrm>
+              <a:off x="3405353" y="4132254"/>
+              <a:ext cx="1114649" cy="1"/>
+            </a:xfrm>
+            <a:prstGeom prst="line">
+              <a:avLst/>
+            </a:prstGeom>
+            <a:ln w="76200">
+              <a:solidFill>
+                <a:schemeClr val="bg1"/>
+              </a:solidFill>
+            </a:ln>
+          </p:spPr>
+          <p:style>
+            <a:lnRef idx="1">
+              <a:schemeClr val="accent1"/>
+            </a:lnRef>
+            <a:fillRef idx="0">
+              <a:schemeClr val="accent1"/>
+            </a:fillRef>
+            <a:effectRef idx="0">
+              <a:schemeClr val="accent1"/>
+            </a:effectRef>
+            <a:fontRef idx="minor">
+              <a:schemeClr val="tx1"/>
+            </a:fontRef>
+          </p:style>
+        </p:cxnSp>
       </p:grpSp>
       <p:pic>
         <p:nvPicPr>
-          <p:cNvPr id="5" name="Graphic 4" descr="Pilot male with solid fill">
-            <a:extLst>
-              <a:ext uri="{FF2B5EF4-FFF2-40B4-BE49-F238E27FC236}">
-                <a16:creationId xmlns:a16="http://schemas.microsoft.com/office/drawing/2014/main" id="{314F57A4-9C25-4AF8-BA41-F205CF96FC65}"/>
+          <p:cNvPr id="17" name="Graphic 16" descr="Radio microphone with solid fill">
+            <a:extLst>
+              <a:ext uri="{FF2B5EF4-FFF2-40B4-BE49-F238E27FC236}">
+                <a16:creationId xmlns:a16="http://schemas.microsoft.com/office/drawing/2014/main" id="{1C7C0EB9-4D63-4742-A526-845FEE20E15E}"/>
               </a:ext>
             </a:extLst>
           </p:cNvPr>
@@ -11442,13 +12844,13 @@
           <p:nvPr/>
         </p:nvPicPr>
         <p:blipFill>
-          <a:blip r:embed="rId4">
+          <a:blip r:embed="rId6">
             <a:extLst>
               <a:ext uri="{28A0092B-C50C-407E-A947-70E740481C1C}">
                 <a14:useLocalDpi xmlns:a14="http://schemas.microsoft.com/office/drawing/2010/main" val="0"/>
               </a:ext>
               <a:ext uri="{96DAC541-7B7A-43D3-8B79-37D633B846F1}">
-                <asvg:svgBlip xmlns:asvg="http://schemas.microsoft.com/office/drawing/2016/SVG/main" r:embed="rId5"/>
+                <asvg:svgBlip xmlns:asvg="http://schemas.microsoft.com/office/drawing/2016/SVG/main" r:embed="rId7"/>
               </a:ext>
             </a:extLst>
           </a:blip>
@@ -11458,20 +12860,73 @@
         </p:blipFill>
         <p:spPr>
           <a:xfrm>
-            <a:off x="7548309" y="1579233"/>
-            <a:ext cx="2862266" cy="2862266"/>
+            <a:off x="5525583" y="2535416"/>
+            <a:ext cx="1140835" cy="1140835"/>
           </a:xfrm>
           <a:prstGeom prst="rect">
             <a:avLst/>
           </a:prstGeom>
         </p:spPr>
       </p:pic>
+    </p:spTree>
+    <p:extLst>
+      <p:ext uri="{BB962C8B-B14F-4D97-AF65-F5344CB8AC3E}">
+        <p14:creationId xmlns:p14="http://schemas.microsoft.com/office/powerpoint/2010/main" val="290717866"/>
+      </p:ext>
+    </p:extLst>
+  </p:cSld>
+  <p:clrMapOvr>
+    <a:masterClrMapping/>
+  </p:clrMapOvr>
+  <mc:AlternateContent xmlns:mc="http://schemas.openxmlformats.org/markup-compatibility/2006" xmlns:p159="http://schemas.microsoft.com/office/powerpoint/2015/09/main">
+    <mc:Choice Requires="p159">
+      <p:transition xmlns:p14="http://schemas.microsoft.com/office/powerpoint/2010/main" spd="slow" p14:dur="1500" advClick="0" advTm="2000">
+        <p159:morph option="byObject"/>
+      </p:transition>
+    </mc:Choice>
+    <mc:Fallback xmlns="">
+      <p:transition spd="slow" advClick="0" advTm="2000">
+        <p:fade/>
+      </p:transition>
+    </mc:Fallback>
+  </mc:AlternateContent>
+</p:sld>
+</file>
+
+<file path=ppt/slides/slide36.xml><?xml version="1.0" encoding="utf-8"?>
+<p:sld xmlns:a="http://schemas.openxmlformats.org/drawingml/2006/main" xmlns:r="http://schemas.openxmlformats.org/officeDocument/2006/relationships" xmlns:p="http://schemas.openxmlformats.org/presentationml/2006/main">
+  <p:cSld>
+    <p:bg>
+      <p:bgPr>
+        <a:solidFill>
+          <a:schemeClr val="accent1">
+            <a:lumMod val="60000"/>
+            <a:lumOff val="40000"/>
+          </a:schemeClr>
+        </a:solidFill>
+        <a:effectLst/>
+      </p:bgPr>
+    </p:bg>
+    <p:spTree>
+      <p:nvGrpSpPr>
+        <p:cNvPr id="1" name=""/>
+        <p:cNvGrpSpPr/>
+        <p:nvPr/>
+      </p:nvGrpSpPr>
+      <p:grpSpPr>
+        <a:xfrm>
+          <a:off x="0" y="0"/>
+          <a:ext cx="0" cy="0"/>
+          <a:chOff x="0" y="0"/>
+          <a:chExt cx="0" cy="0"/>
+        </a:xfrm>
+      </p:grpSpPr>
       <p:sp>
         <p:nvSpPr>
-          <p:cNvPr id="6" name="TextBox 5">
-            <a:extLst>
-              <a:ext uri="{FF2B5EF4-FFF2-40B4-BE49-F238E27FC236}">
-                <a16:creationId xmlns:a16="http://schemas.microsoft.com/office/drawing/2014/main" id="{E066A848-CF5D-480F-8F56-C3C4CC105B64}"/>
+          <p:cNvPr id="4" name="TextBox 3">
+            <a:extLst>
+              <a:ext uri="{FF2B5EF4-FFF2-40B4-BE49-F238E27FC236}">
+                <a16:creationId xmlns:a16="http://schemas.microsoft.com/office/drawing/2014/main" id="{60CCF407-4712-4749-B620-F0905B845195}"/>
               </a:ext>
             </a:extLst>
           </p:cNvPr>
@@ -11480,8 +12935,8 @@
         </p:nvSpPr>
         <p:spPr>
           <a:xfrm>
-            <a:off x="2055818" y="4802778"/>
-            <a:ext cx="8080363" cy="1323439"/>
+            <a:off x="-10519423" y="3105834"/>
+            <a:ext cx="9071429" cy="646331"/>
           </a:xfrm>
           <a:prstGeom prst="rect">
             <a:avLst/>
@@ -11495,42 +12950,25 @@
           <a:lstStyle/>
           <a:p>
             <a:pPr algn="ctr"/>
-            <a:endParaRPr lang="en-US" sz="4000" dirty="0">
-              <a:solidFill>
-                <a:schemeClr val="bg1"/>
-              </a:solidFill>
-              <a:latin typeface="Aharoni" panose="02010803020104030203" pitchFamily="2" charset="-79"/>
-              <a:cs typeface="Aharoni" panose="02010803020104030203" pitchFamily="2" charset="-79"/>
-            </a:endParaRPr>
-          </a:p>
-          <a:p>
-            <a:pPr algn="ctr"/>
             <a:r>
-              <a:rPr lang="en-US" sz="4000" dirty="0">
+              <a:rPr lang="en-US" sz="3600" dirty="0">
                 <a:solidFill>
                   <a:schemeClr val="bg1"/>
                 </a:solidFill>
                 <a:latin typeface="Aharoni" panose="02010803020104030203" pitchFamily="2" charset="-79"/>
                 <a:cs typeface="Aharoni" panose="02010803020104030203" pitchFamily="2" charset="-79"/>
               </a:rPr>
-              <a:t>steven is a pilot in training</a:t>
+              <a:t>so how does it work?</a:t>
             </a:r>
-            <a:endParaRPr lang="en-US" sz="3600" dirty="0">
-              <a:solidFill>
-                <a:schemeClr val="bg1"/>
-              </a:solidFill>
-              <a:latin typeface="Aharoni" panose="02010803020104030203" pitchFamily="2" charset="-79"/>
-              <a:cs typeface="Aharoni" panose="02010803020104030203" pitchFamily="2" charset="-79"/>
-            </a:endParaRPr>
           </a:p>
         </p:txBody>
       </p:sp>
       <p:sp>
         <p:nvSpPr>
-          <p:cNvPr id="11" name="TextBox 10">
-            <a:extLst>
-              <a:ext uri="{FF2B5EF4-FFF2-40B4-BE49-F238E27FC236}">
-                <a16:creationId xmlns:a16="http://schemas.microsoft.com/office/drawing/2014/main" id="{210E829D-2D84-4963-B1D1-A1D1830155BF}"/>
+          <p:cNvPr id="3" name="TextBox 2">
+            <a:extLst>
+              <a:ext uri="{FF2B5EF4-FFF2-40B4-BE49-F238E27FC236}">
+                <a16:creationId xmlns:a16="http://schemas.microsoft.com/office/drawing/2014/main" id="{932C2553-C5FA-4FE5-BD17-07986AC2A5B8}"/>
               </a:ext>
             </a:extLst>
           </p:cNvPr>
@@ -11539,8 +12977,8 @@
         </p:nvSpPr>
         <p:spPr>
           <a:xfrm>
-            <a:off x="2055818" y="4802778"/>
-            <a:ext cx="8080363" cy="707886"/>
+            <a:off x="16359482" y="3567499"/>
+            <a:ext cx="3093945" cy="369332"/>
           </a:xfrm>
           <a:prstGeom prst="rect">
             <a:avLst/>
@@ -11555,29 +12993,678 @@
           <a:p>
             <a:pPr algn="ctr"/>
             <a:r>
-              <a:rPr lang="en-US" sz="4000" dirty="0">
+              <a:rPr lang="en-US" dirty="0">
+                <a:solidFill>
+                  <a:schemeClr val="bg1"/>
+                </a:solidFill>
+                <a:latin typeface="Abadi Extra Light" panose="020B0204020104020204" pitchFamily="34" charset="0"/>
+                <a:cs typeface="Arial" panose="020B0604020202020204" pitchFamily="34" charset="0"/>
+              </a:rPr>
+              <a:t>we’re so glad you asked</a:t>
+            </a:r>
+          </a:p>
+        </p:txBody>
+      </p:sp>
+      <p:sp>
+        <p:nvSpPr>
+          <p:cNvPr id="6" name="TextBox 5">
+            <a:extLst>
+              <a:ext uri="{FF2B5EF4-FFF2-40B4-BE49-F238E27FC236}">
+                <a16:creationId xmlns:a16="http://schemas.microsoft.com/office/drawing/2014/main" id="{62E3230B-B2A2-4180-A058-7940B7FA4A8D}"/>
+              </a:ext>
+            </a:extLst>
+          </p:cNvPr>
+          <p:cNvSpPr txBox="1"/>
+          <p:nvPr/>
+        </p:nvSpPr>
+        <p:spPr>
+          <a:xfrm>
+            <a:off x="1560285" y="5074516"/>
+            <a:ext cx="9071429" cy="646331"/>
+          </a:xfrm>
+          <a:prstGeom prst="rect">
+            <a:avLst/>
+          </a:prstGeom>
+          <a:noFill/>
+        </p:spPr>
+        <p:txBody>
+          <a:bodyPr wrap="square" rtlCol="0">
+            <a:spAutoFit/>
+          </a:bodyPr>
+          <a:lstStyle/>
+          <a:p>
+            <a:pPr algn="ctr"/>
+            <a:r>
+              <a:rPr lang="en-US" sz="3600" dirty="0">
                 <a:solidFill>
                   <a:schemeClr val="bg1"/>
                 </a:solidFill>
                 <a:latin typeface="Aharoni" panose="02010803020104030203" pitchFamily="2" charset="-79"/>
                 <a:cs typeface="Aharoni" panose="02010803020104030203" pitchFamily="2" charset="-79"/>
               </a:rPr>
-              <a:t>this is steven</a:t>
+              <a:t>to begin,</a:t>
             </a:r>
-            <a:endParaRPr lang="en-US" sz="3600" dirty="0">
-              <a:solidFill>
-                <a:schemeClr val="bg1"/>
-              </a:solidFill>
-              <a:latin typeface="Aharoni" panose="02010803020104030203" pitchFamily="2" charset="-79"/>
-              <a:cs typeface="Aharoni" panose="02010803020104030203" pitchFamily="2" charset="-79"/>
-            </a:endParaRPr>
           </a:p>
         </p:txBody>
       </p:sp>
+      <p:pic>
+        <p:nvPicPr>
+          <p:cNvPr id="7" name="Graphic 6" descr="Pilot female outline">
+            <a:extLst>
+              <a:ext uri="{FF2B5EF4-FFF2-40B4-BE49-F238E27FC236}">
+                <a16:creationId xmlns:a16="http://schemas.microsoft.com/office/drawing/2014/main" id="{CAB54800-7D34-40AC-95C5-7EB1E1D982E6}"/>
+              </a:ext>
+            </a:extLst>
+          </p:cNvPr>
+          <p:cNvPicPr>
+            <a:picLocks noChangeAspect="1"/>
+          </p:cNvPicPr>
+          <p:nvPr/>
+        </p:nvPicPr>
+        <p:blipFill>
+          <a:blip r:embed="rId2">
+            <a:extLst>
+              <a:ext uri="{28A0092B-C50C-407E-A947-70E740481C1C}">
+                <a14:useLocalDpi xmlns:a14="http://schemas.microsoft.com/office/drawing/2010/main" val="0"/>
+              </a:ext>
+              <a:ext uri="{96DAC541-7B7A-43D3-8B79-37D633B846F1}">
+                <asvg:svgBlip xmlns:asvg="http://schemas.microsoft.com/office/drawing/2016/SVG/main" r:embed="rId3"/>
+              </a:ext>
+            </a:extLst>
+          </a:blip>
+          <a:stretch>
+            <a:fillRect/>
+          </a:stretch>
+        </p:blipFill>
+        <p:spPr>
+          <a:xfrm>
+            <a:off x="706770" y="1594466"/>
+            <a:ext cx="2862266" cy="2862266"/>
+          </a:xfrm>
+          <a:prstGeom prst="rect">
+            <a:avLst/>
+          </a:prstGeom>
+        </p:spPr>
+      </p:pic>
+      <p:sp>
+        <p:nvSpPr>
+          <p:cNvPr id="9" name="TextBox 8">
+            <a:extLst>
+              <a:ext uri="{FF2B5EF4-FFF2-40B4-BE49-F238E27FC236}">
+                <a16:creationId xmlns:a16="http://schemas.microsoft.com/office/drawing/2014/main" id="{CA11A9E4-2DD5-4FA3-85C7-FAB017408DCC}"/>
+              </a:ext>
+            </a:extLst>
+          </p:cNvPr>
+          <p:cNvSpPr txBox="1"/>
+          <p:nvPr/>
+        </p:nvSpPr>
+        <p:spPr>
+          <a:xfrm>
+            <a:off x="0" y="5663143"/>
+            <a:ext cx="12192000" cy="646331"/>
+          </a:xfrm>
+          <a:prstGeom prst="rect">
+            <a:avLst/>
+          </a:prstGeom>
+          <a:noFill/>
+        </p:spPr>
+        <p:txBody>
+          <a:bodyPr wrap="square" rtlCol="0">
+            <a:spAutoFit/>
+          </a:bodyPr>
+          <a:lstStyle/>
+          <a:p>
+            <a:pPr algn="ctr"/>
+            <a:r>
+              <a:rPr lang="en-US" sz="3600" dirty="0">
+                <a:solidFill>
+                  <a:schemeClr val="bg1"/>
+                </a:solidFill>
+                <a:latin typeface="Aharoni" panose="02010803020104030203" pitchFamily="2" charset="-79"/>
+                <a:cs typeface="Aharoni" panose="02010803020104030203" pitchFamily="2" charset="-79"/>
+              </a:rPr>
+              <a:t>the pilots will talk into their microphone</a:t>
+            </a:r>
+          </a:p>
+        </p:txBody>
+      </p:sp>
+      <p:pic>
+        <p:nvPicPr>
+          <p:cNvPr id="20" name="Graphic 19" descr="Pilot male outline">
+            <a:extLst>
+              <a:ext uri="{FF2B5EF4-FFF2-40B4-BE49-F238E27FC236}">
+                <a16:creationId xmlns:a16="http://schemas.microsoft.com/office/drawing/2014/main" id="{0F12EA7A-15A2-47EB-9A35-B40CFACAA96B}"/>
+              </a:ext>
+            </a:extLst>
+          </p:cNvPr>
+          <p:cNvPicPr>
+            <a:picLocks noChangeAspect="1"/>
+          </p:cNvPicPr>
+          <p:nvPr/>
+        </p:nvPicPr>
+        <p:blipFill>
+          <a:blip r:embed="rId4">
+            <a:extLst>
+              <a:ext uri="{28A0092B-C50C-407E-A947-70E740481C1C}">
+                <a14:useLocalDpi xmlns:a14="http://schemas.microsoft.com/office/drawing/2010/main" val="0"/>
+              </a:ext>
+              <a:ext uri="{96DAC541-7B7A-43D3-8B79-37D633B846F1}">
+                <asvg:svgBlip xmlns:asvg="http://schemas.microsoft.com/office/drawing/2016/SVG/main" r:embed="rId5"/>
+              </a:ext>
+            </a:extLst>
+          </a:blip>
+          <a:stretch>
+            <a:fillRect/>
+          </a:stretch>
+        </p:blipFill>
+        <p:spPr>
+          <a:xfrm>
+            <a:off x="8622966" y="1594466"/>
+            <a:ext cx="2862266" cy="2862266"/>
+          </a:xfrm>
+          <a:prstGeom prst="rect">
+            <a:avLst/>
+          </a:prstGeom>
+        </p:spPr>
+      </p:pic>
+      <p:pic>
+        <p:nvPicPr>
+          <p:cNvPr id="10" name="Graphic 9" descr="Radio microphone with solid fill">
+            <a:extLst>
+              <a:ext uri="{FF2B5EF4-FFF2-40B4-BE49-F238E27FC236}">
+                <a16:creationId xmlns:a16="http://schemas.microsoft.com/office/drawing/2014/main" id="{9F0950A0-B221-404A-A4F3-21B6645690D3}"/>
+              </a:ext>
+            </a:extLst>
+          </p:cNvPr>
+          <p:cNvPicPr>
+            <a:picLocks noChangeAspect="1"/>
+          </p:cNvPicPr>
+          <p:nvPr/>
+        </p:nvPicPr>
+        <p:blipFill>
+          <a:blip r:embed="rId6">
+            <a:extLst>
+              <a:ext uri="{28A0092B-C50C-407E-A947-70E740481C1C}">
+                <a14:useLocalDpi xmlns:a14="http://schemas.microsoft.com/office/drawing/2010/main" val="0"/>
+              </a:ext>
+              <a:ext uri="{96DAC541-7B7A-43D3-8B79-37D633B846F1}">
+                <asvg:svgBlip xmlns:asvg="http://schemas.microsoft.com/office/drawing/2016/SVG/main" r:embed="rId7"/>
+              </a:ext>
+            </a:extLst>
+          </a:blip>
+          <a:stretch>
+            <a:fillRect/>
+          </a:stretch>
+        </p:blipFill>
+        <p:spPr>
+          <a:xfrm>
+            <a:off x="5525583" y="2535416"/>
+            <a:ext cx="1140835" cy="1140835"/>
+          </a:xfrm>
+          <a:prstGeom prst="rect">
+            <a:avLst/>
+          </a:prstGeom>
+        </p:spPr>
+      </p:pic>
     </p:spTree>
     <p:extLst>
       <p:ext uri="{BB962C8B-B14F-4D97-AF65-F5344CB8AC3E}">
-        <p14:creationId xmlns:p14="http://schemas.microsoft.com/office/powerpoint/2010/main" val="899151421"/>
+        <p14:creationId xmlns:p14="http://schemas.microsoft.com/office/powerpoint/2010/main" val="1116740418"/>
+      </p:ext>
+    </p:extLst>
+  </p:cSld>
+  <p:clrMapOvr>
+    <a:masterClrMapping/>
+  </p:clrMapOvr>
+  <mc:AlternateContent xmlns:mc="http://schemas.openxmlformats.org/markup-compatibility/2006" xmlns:p159="http://schemas.microsoft.com/office/powerpoint/2015/09/main">
+    <mc:Choice Requires="p159">
+      <p:transition xmlns:p14="http://schemas.microsoft.com/office/powerpoint/2010/main" p14:dur="10" advClick="0" advTm="0">
+        <p159:morph option="byObject"/>
+      </p:transition>
+    </mc:Choice>
+    <mc:Fallback xmlns="">
+      <p:transition advClick="0" advTm="0">
+        <p:fade/>
+      </p:transition>
+    </mc:Fallback>
+  </mc:AlternateContent>
+</p:sld>
+</file>
+
+<file path=ppt/slides/slide37.xml><?xml version="1.0" encoding="utf-8"?>
+<p:sld xmlns:a="http://schemas.openxmlformats.org/drawingml/2006/main" xmlns:r="http://schemas.openxmlformats.org/officeDocument/2006/relationships" xmlns:p="http://schemas.openxmlformats.org/presentationml/2006/main">
+  <p:cSld>
+    <p:bg>
+      <p:bgPr>
+        <a:solidFill>
+          <a:schemeClr val="accent1">
+            <a:lumMod val="60000"/>
+            <a:lumOff val="40000"/>
+          </a:schemeClr>
+        </a:solidFill>
+        <a:effectLst/>
+      </p:bgPr>
+    </p:bg>
+    <p:spTree>
+      <p:nvGrpSpPr>
+        <p:cNvPr id="1" name=""/>
+        <p:cNvGrpSpPr/>
+        <p:nvPr/>
+      </p:nvGrpSpPr>
+      <p:grpSpPr>
+        <a:xfrm>
+          <a:off x="0" y="0"/>
+          <a:ext cx="0" cy="0"/>
+          <a:chOff x="0" y="0"/>
+          <a:chExt cx="0" cy="0"/>
+        </a:xfrm>
+      </p:grpSpPr>
+      <p:sp>
+        <p:nvSpPr>
+          <p:cNvPr id="4" name="TextBox 3">
+            <a:extLst>
+              <a:ext uri="{FF2B5EF4-FFF2-40B4-BE49-F238E27FC236}">
+                <a16:creationId xmlns:a16="http://schemas.microsoft.com/office/drawing/2014/main" id="{60CCF407-4712-4749-B620-F0905B845195}"/>
+              </a:ext>
+            </a:extLst>
+          </p:cNvPr>
+          <p:cNvSpPr txBox="1"/>
+          <p:nvPr/>
+        </p:nvSpPr>
+        <p:spPr>
+          <a:xfrm>
+            <a:off x="-10519423" y="3105834"/>
+            <a:ext cx="9071429" cy="646331"/>
+          </a:xfrm>
+          <a:prstGeom prst="rect">
+            <a:avLst/>
+          </a:prstGeom>
+          <a:noFill/>
+        </p:spPr>
+        <p:txBody>
+          <a:bodyPr wrap="square" rtlCol="0">
+            <a:spAutoFit/>
+          </a:bodyPr>
+          <a:lstStyle/>
+          <a:p>
+            <a:pPr algn="ctr"/>
+            <a:r>
+              <a:rPr lang="en-US" sz="3600" dirty="0">
+                <a:solidFill>
+                  <a:schemeClr val="bg1"/>
+                </a:solidFill>
+                <a:latin typeface="Aharoni" panose="02010803020104030203" pitchFamily="2" charset="-79"/>
+                <a:cs typeface="Aharoni" panose="02010803020104030203" pitchFamily="2" charset="-79"/>
+              </a:rPr>
+              <a:t>so how does it work?</a:t>
+            </a:r>
+          </a:p>
+        </p:txBody>
+      </p:sp>
+      <p:sp>
+        <p:nvSpPr>
+          <p:cNvPr id="3" name="TextBox 2">
+            <a:extLst>
+              <a:ext uri="{FF2B5EF4-FFF2-40B4-BE49-F238E27FC236}">
+                <a16:creationId xmlns:a16="http://schemas.microsoft.com/office/drawing/2014/main" id="{932C2553-C5FA-4FE5-BD17-07986AC2A5B8}"/>
+              </a:ext>
+            </a:extLst>
+          </p:cNvPr>
+          <p:cNvSpPr txBox="1"/>
+          <p:nvPr/>
+        </p:nvSpPr>
+        <p:spPr>
+          <a:xfrm>
+            <a:off x="16359482" y="3567499"/>
+            <a:ext cx="3093945" cy="369332"/>
+          </a:xfrm>
+          <a:prstGeom prst="rect">
+            <a:avLst/>
+          </a:prstGeom>
+          <a:noFill/>
+        </p:spPr>
+        <p:txBody>
+          <a:bodyPr wrap="square" rtlCol="0">
+            <a:spAutoFit/>
+          </a:bodyPr>
+          <a:lstStyle/>
+          <a:p>
+            <a:pPr algn="ctr"/>
+            <a:r>
+              <a:rPr lang="en-US" dirty="0">
+                <a:solidFill>
+                  <a:schemeClr val="bg1"/>
+                </a:solidFill>
+                <a:latin typeface="Abadi Extra Light" panose="020B0204020104020204" pitchFamily="34" charset="0"/>
+                <a:cs typeface="Arial" panose="020B0604020202020204" pitchFamily="34" charset="0"/>
+              </a:rPr>
+              <a:t>we’re so glad you asked</a:t>
+            </a:r>
+          </a:p>
+        </p:txBody>
+      </p:sp>
+      <p:pic>
+        <p:nvPicPr>
+          <p:cNvPr id="7" name="Graphic 6" descr="Pilot female outline">
+            <a:extLst>
+              <a:ext uri="{FF2B5EF4-FFF2-40B4-BE49-F238E27FC236}">
+                <a16:creationId xmlns:a16="http://schemas.microsoft.com/office/drawing/2014/main" id="{CAB54800-7D34-40AC-95C5-7EB1E1D982E6}"/>
+              </a:ext>
+            </a:extLst>
+          </p:cNvPr>
+          <p:cNvPicPr>
+            <a:picLocks noChangeAspect="1"/>
+          </p:cNvPicPr>
+          <p:nvPr/>
+        </p:nvPicPr>
+        <p:blipFill>
+          <a:blip r:embed="rId2">
+            <a:extLst>
+              <a:ext uri="{28A0092B-C50C-407E-A947-70E740481C1C}">
+                <a14:useLocalDpi xmlns:a14="http://schemas.microsoft.com/office/drawing/2010/main" val="0"/>
+              </a:ext>
+              <a:ext uri="{96DAC541-7B7A-43D3-8B79-37D633B846F1}">
+                <asvg:svgBlip xmlns:asvg="http://schemas.microsoft.com/office/drawing/2016/SVG/main" r:embed="rId3"/>
+              </a:ext>
+            </a:extLst>
+          </a:blip>
+          <a:stretch>
+            <a:fillRect/>
+          </a:stretch>
+        </p:blipFill>
+        <p:spPr>
+          <a:xfrm>
+            <a:off x="-3098749" y="1594466"/>
+            <a:ext cx="2862266" cy="2862266"/>
+          </a:xfrm>
+          <a:prstGeom prst="rect">
+            <a:avLst/>
+          </a:prstGeom>
+        </p:spPr>
+      </p:pic>
+      <p:pic>
+        <p:nvPicPr>
+          <p:cNvPr id="20" name="Graphic 19" descr="Pilot male outline">
+            <a:extLst>
+              <a:ext uri="{FF2B5EF4-FFF2-40B4-BE49-F238E27FC236}">
+                <a16:creationId xmlns:a16="http://schemas.microsoft.com/office/drawing/2014/main" id="{0F12EA7A-15A2-47EB-9A35-B40CFACAA96B}"/>
+              </a:ext>
+            </a:extLst>
+          </p:cNvPr>
+          <p:cNvPicPr>
+            <a:picLocks noChangeAspect="1"/>
+          </p:cNvPicPr>
+          <p:nvPr/>
+        </p:nvPicPr>
+        <p:blipFill>
+          <a:blip r:embed="rId4">
+            <a:extLst>
+              <a:ext uri="{28A0092B-C50C-407E-A947-70E740481C1C}">
+                <a14:useLocalDpi xmlns:a14="http://schemas.microsoft.com/office/drawing/2010/main" val="0"/>
+              </a:ext>
+              <a:ext uri="{96DAC541-7B7A-43D3-8B79-37D633B846F1}">
+                <asvg:svgBlip xmlns:asvg="http://schemas.microsoft.com/office/drawing/2016/SVG/main" r:embed="rId5"/>
+              </a:ext>
+            </a:extLst>
+          </a:blip>
+          <a:stretch>
+            <a:fillRect/>
+          </a:stretch>
+        </p:blipFill>
+        <p:spPr>
+          <a:xfrm>
+            <a:off x="12388139" y="1594466"/>
+            <a:ext cx="2862266" cy="2862266"/>
+          </a:xfrm>
+          <a:prstGeom prst="rect">
+            <a:avLst/>
+          </a:prstGeom>
+        </p:spPr>
+      </p:pic>
+      <p:sp>
+        <p:nvSpPr>
+          <p:cNvPr id="28" name="TextBox 27">
+            <a:extLst>
+              <a:ext uri="{FF2B5EF4-FFF2-40B4-BE49-F238E27FC236}">
+                <a16:creationId xmlns:a16="http://schemas.microsoft.com/office/drawing/2014/main" id="{B28C2D86-A44A-42C1-98DB-6950D5BDFDF4}"/>
+              </a:ext>
+            </a:extLst>
+          </p:cNvPr>
+          <p:cNvSpPr txBox="1"/>
+          <p:nvPr/>
+        </p:nvSpPr>
+        <p:spPr>
+          <a:xfrm>
+            <a:off x="1560285" y="5074516"/>
+            <a:ext cx="9071429" cy="646331"/>
+          </a:xfrm>
+          <a:prstGeom prst="rect">
+            <a:avLst/>
+          </a:prstGeom>
+          <a:noFill/>
+        </p:spPr>
+        <p:txBody>
+          <a:bodyPr wrap="square" rtlCol="0">
+            <a:spAutoFit/>
+          </a:bodyPr>
+          <a:lstStyle/>
+          <a:p>
+            <a:pPr algn="ctr"/>
+            <a:r>
+              <a:rPr lang="en-US" sz="3600" dirty="0">
+                <a:solidFill>
+                  <a:schemeClr val="bg1"/>
+                </a:solidFill>
+                <a:latin typeface="Aharoni" panose="02010803020104030203" pitchFamily="2" charset="-79"/>
+                <a:cs typeface="Aharoni" panose="02010803020104030203" pitchFamily="2" charset="-79"/>
+              </a:rPr>
+              <a:t>to begin,</a:t>
+            </a:r>
+          </a:p>
+        </p:txBody>
+      </p:sp>
+      <p:sp>
+        <p:nvSpPr>
+          <p:cNvPr id="29" name="TextBox 28">
+            <a:extLst>
+              <a:ext uri="{FF2B5EF4-FFF2-40B4-BE49-F238E27FC236}">
+                <a16:creationId xmlns:a16="http://schemas.microsoft.com/office/drawing/2014/main" id="{F45D83E0-F8E7-4D12-B915-65782902443A}"/>
+              </a:ext>
+            </a:extLst>
+          </p:cNvPr>
+          <p:cNvSpPr txBox="1"/>
+          <p:nvPr/>
+        </p:nvSpPr>
+        <p:spPr>
+          <a:xfrm>
+            <a:off x="0" y="5663143"/>
+            <a:ext cx="12192000" cy="646331"/>
+          </a:xfrm>
+          <a:prstGeom prst="rect">
+            <a:avLst/>
+          </a:prstGeom>
+          <a:noFill/>
+        </p:spPr>
+        <p:txBody>
+          <a:bodyPr wrap="square" rtlCol="0">
+            <a:spAutoFit/>
+          </a:bodyPr>
+          <a:lstStyle/>
+          <a:p>
+            <a:pPr algn="ctr"/>
+            <a:r>
+              <a:rPr lang="en-US" sz="3600" dirty="0">
+                <a:solidFill>
+                  <a:schemeClr val="bg1"/>
+                </a:solidFill>
+                <a:latin typeface="Aharoni" panose="02010803020104030203" pitchFamily="2" charset="-79"/>
+                <a:cs typeface="Aharoni" panose="02010803020104030203" pitchFamily="2" charset="-79"/>
+              </a:rPr>
+              <a:t>the pilots will talk into their microphone</a:t>
+            </a:r>
+          </a:p>
+        </p:txBody>
+      </p:sp>
+      <p:pic>
+        <p:nvPicPr>
+          <p:cNvPr id="11" name="Graphic 10" descr="Radio microphone with solid fill">
+            <a:extLst>
+              <a:ext uri="{FF2B5EF4-FFF2-40B4-BE49-F238E27FC236}">
+                <a16:creationId xmlns:a16="http://schemas.microsoft.com/office/drawing/2014/main" id="{E1787213-710C-4A29-AA9E-29C535B2B37E}"/>
+              </a:ext>
+            </a:extLst>
+          </p:cNvPr>
+          <p:cNvPicPr>
+            <a:picLocks noChangeAspect="1"/>
+          </p:cNvPicPr>
+          <p:nvPr/>
+        </p:nvPicPr>
+        <p:blipFill>
+          <a:blip r:embed="rId6">
+            <a:extLst>
+              <a:ext uri="{28A0092B-C50C-407E-A947-70E740481C1C}">
+                <a14:useLocalDpi xmlns:a14="http://schemas.microsoft.com/office/drawing/2010/main" val="0"/>
+              </a:ext>
+              <a:ext uri="{96DAC541-7B7A-43D3-8B79-37D633B846F1}">
+                <asvg:svgBlip xmlns:asvg="http://schemas.microsoft.com/office/drawing/2016/SVG/main" r:embed="rId7"/>
+              </a:ext>
+            </a:extLst>
+          </a:blip>
+          <a:stretch>
+            <a:fillRect/>
+          </a:stretch>
+        </p:blipFill>
+        <p:spPr>
+          <a:xfrm>
+            <a:off x="5525583" y="2535416"/>
+            <a:ext cx="1140835" cy="1140835"/>
+          </a:xfrm>
+          <a:prstGeom prst="rect">
+            <a:avLst/>
+          </a:prstGeom>
+        </p:spPr>
+      </p:pic>
+      <p:pic>
+        <p:nvPicPr>
+          <p:cNvPr id="12" name="Graphic 11" descr="Voice with solid fill">
+            <a:extLst>
+              <a:ext uri="{FF2B5EF4-FFF2-40B4-BE49-F238E27FC236}">
+                <a16:creationId xmlns:a16="http://schemas.microsoft.com/office/drawing/2014/main" id="{F42B3A59-A2B4-4E81-A23B-CA6B88DB9B2C}"/>
+              </a:ext>
+            </a:extLst>
+          </p:cNvPr>
+          <p:cNvPicPr>
+            <a:picLocks noChangeAspect="1"/>
+          </p:cNvPicPr>
+          <p:nvPr/>
+        </p:nvPicPr>
+        <p:blipFill>
+          <a:blip r:embed="rId8">
+            <a:extLst>
+              <a:ext uri="{28A0092B-C50C-407E-A947-70E740481C1C}">
+                <a14:useLocalDpi xmlns:a14="http://schemas.microsoft.com/office/drawing/2010/main" val="0"/>
+              </a:ext>
+              <a:ext uri="{96DAC541-7B7A-43D3-8B79-37D633B846F1}">
+                <asvg:svgBlip xmlns:asvg="http://schemas.microsoft.com/office/drawing/2016/SVG/main" r:embed="rId9"/>
+              </a:ext>
+            </a:extLst>
+          </a:blip>
+          <a:stretch>
+            <a:fillRect/>
+          </a:stretch>
+        </p:blipFill>
+        <p:spPr>
+          <a:xfrm>
+            <a:off x="6027855" y="2600865"/>
+            <a:ext cx="156243" cy="156243"/>
+          </a:xfrm>
+          <a:prstGeom prst="rect">
+            <a:avLst/>
+          </a:prstGeom>
+        </p:spPr>
+      </p:pic>
+      <p:pic>
+        <p:nvPicPr>
+          <p:cNvPr id="14" name="Graphic 13" descr="Arrow Right with solid fill">
+            <a:extLst>
+              <a:ext uri="{FF2B5EF4-FFF2-40B4-BE49-F238E27FC236}">
+                <a16:creationId xmlns:a16="http://schemas.microsoft.com/office/drawing/2014/main" id="{C28E3EB8-5F6C-48DC-A01C-8DBBCCA0752D}"/>
+              </a:ext>
+            </a:extLst>
+          </p:cNvPr>
+          <p:cNvPicPr>
+            <a:picLocks noChangeAspect="1"/>
+          </p:cNvPicPr>
+          <p:nvPr/>
+        </p:nvPicPr>
+        <p:blipFill>
+          <a:blip r:embed="rId10">
+            <a:extLst>
+              <a:ext uri="{28A0092B-C50C-407E-A947-70E740481C1C}">
+                <a14:useLocalDpi xmlns:a14="http://schemas.microsoft.com/office/drawing/2010/main" val="0"/>
+              </a:ext>
+              <a:ext uri="{96DAC541-7B7A-43D3-8B79-37D633B846F1}">
+                <asvg:svgBlip xmlns:asvg="http://schemas.microsoft.com/office/drawing/2016/SVG/main" r:embed="rId11"/>
+              </a:ext>
+            </a:extLst>
+          </a:blip>
+          <a:stretch>
+            <a:fillRect/>
+          </a:stretch>
+        </p:blipFill>
+        <p:spPr>
+          <a:xfrm>
+            <a:off x="6027855" y="2620818"/>
+            <a:ext cx="136290" cy="136290"/>
+          </a:xfrm>
+          <a:prstGeom prst="rect">
+            <a:avLst/>
+          </a:prstGeom>
+        </p:spPr>
+      </p:pic>
+      <p:pic>
+        <p:nvPicPr>
+          <p:cNvPr id="15" name="Graphic 14" descr="Voice outline">
+            <a:extLst>
+              <a:ext uri="{FF2B5EF4-FFF2-40B4-BE49-F238E27FC236}">
+                <a16:creationId xmlns:a16="http://schemas.microsoft.com/office/drawing/2014/main" id="{79252133-1609-480F-A976-873CC85FE739}"/>
+              </a:ext>
+            </a:extLst>
+          </p:cNvPr>
+          <p:cNvPicPr>
+            <a:picLocks noChangeAspect="1"/>
+          </p:cNvPicPr>
+          <p:nvPr/>
+        </p:nvPicPr>
+        <p:blipFill>
+          <a:blip r:embed="rId12">
+            <a:extLst>
+              <a:ext uri="{28A0092B-C50C-407E-A947-70E740481C1C}">
+                <a14:useLocalDpi xmlns:a14="http://schemas.microsoft.com/office/drawing/2010/main" val="0"/>
+              </a:ext>
+              <a:ext uri="{96DAC541-7B7A-43D3-8B79-37D633B846F1}">
+                <asvg:svgBlip xmlns:asvg="http://schemas.microsoft.com/office/drawing/2016/SVG/main" r:embed="rId13"/>
+              </a:ext>
+            </a:extLst>
+          </a:blip>
+          <a:stretch>
+            <a:fillRect/>
+          </a:stretch>
+        </p:blipFill>
+        <p:spPr>
+          <a:xfrm>
+            <a:off x="5998088" y="2598941"/>
+            <a:ext cx="195821" cy="158167"/>
+          </a:xfrm>
+          <a:prstGeom prst="rect">
+            <a:avLst/>
+          </a:prstGeom>
+        </p:spPr>
+      </p:pic>
+    </p:spTree>
+    <p:extLst>
+      <p:ext uri="{BB962C8B-B14F-4D97-AF65-F5344CB8AC3E}">
+        <p14:creationId xmlns:p14="http://schemas.microsoft.com/office/powerpoint/2010/main" val="1420917326"/>
       </p:ext>
     </p:extLst>
   </p:cSld>
@@ -11585,11 +13672,530 @@
     <a:masterClrMapping/>
   </p:clrMapOvr>
   <mc:AlternateContent xmlns:mc="http://schemas.openxmlformats.org/markup-compatibility/2006">
-    <mc:Choice xmlns:p14="http://schemas.microsoft.com/office/powerpoint/2010/main" Requires="p14">
-      <p:transition p14:dur="0" advClick="0" advTm="2000"/>
+    <mc:Choice xmlns:p159="http://schemas.microsoft.com/office/powerpoint/2015/09/main" Requires="p159">
+      <p:transition xmlns:p14="http://schemas.microsoft.com/office/powerpoint/2010/main" spd="slow" p14:dur="2000" advClick="0" advTm="500">
+        <p159:morph option="byObject"/>
+      </p:transition>
     </mc:Choice>
     <mc:Fallback>
-      <p:transition advClick="0" advTm="2000"/>
+      <p:transition spd="slow" advClick="0" advTm="500">
+        <p:fade/>
+      </p:transition>
+    </mc:Fallback>
+  </mc:AlternateContent>
+</p:sld>
+</file>
+
+<file path=ppt/slides/slide38.xml><?xml version="1.0" encoding="utf-8"?>
+<p:sld xmlns:a="http://schemas.openxmlformats.org/drawingml/2006/main" xmlns:r="http://schemas.openxmlformats.org/officeDocument/2006/relationships" xmlns:p="http://schemas.openxmlformats.org/presentationml/2006/main">
+  <p:cSld>
+    <p:bg>
+      <p:bgPr>
+        <a:solidFill>
+          <a:schemeClr val="accent1">
+            <a:lumMod val="60000"/>
+            <a:lumOff val="40000"/>
+          </a:schemeClr>
+        </a:solidFill>
+        <a:effectLst/>
+      </p:bgPr>
+    </p:bg>
+    <p:spTree>
+      <p:nvGrpSpPr>
+        <p:cNvPr id="1" name=""/>
+        <p:cNvGrpSpPr/>
+        <p:nvPr/>
+      </p:nvGrpSpPr>
+      <p:grpSpPr>
+        <a:xfrm>
+          <a:off x="0" y="0"/>
+          <a:ext cx="0" cy="0"/>
+          <a:chOff x="0" y="0"/>
+          <a:chExt cx="0" cy="0"/>
+        </a:xfrm>
+      </p:grpSpPr>
+      <p:sp>
+        <p:nvSpPr>
+          <p:cNvPr id="6" name="TextBox 5">
+            <a:extLst>
+              <a:ext uri="{FF2B5EF4-FFF2-40B4-BE49-F238E27FC236}">
+                <a16:creationId xmlns:a16="http://schemas.microsoft.com/office/drawing/2014/main" id="{62E3230B-B2A2-4180-A058-7940B7FA4A8D}"/>
+              </a:ext>
+            </a:extLst>
+          </p:cNvPr>
+          <p:cNvSpPr txBox="1"/>
+          <p:nvPr/>
+        </p:nvSpPr>
+        <p:spPr>
+          <a:xfrm>
+            <a:off x="1560285" y="5074516"/>
+            <a:ext cx="9071429" cy="1200329"/>
+          </a:xfrm>
+          <a:prstGeom prst="rect">
+            <a:avLst/>
+          </a:prstGeom>
+          <a:noFill/>
+        </p:spPr>
+        <p:txBody>
+          <a:bodyPr wrap="square" rtlCol="0">
+            <a:spAutoFit/>
+          </a:bodyPr>
+          <a:lstStyle/>
+          <a:p>
+            <a:pPr algn="ctr"/>
+            <a:r>
+              <a:rPr lang="en-US" sz="3600" dirty="0">
+                <a:solidFill>
+                  <a:schemeClr val="bg1"/>
+                </a:solidFill>
+                <a:latin typeface="Aharoni" panose="02010803020104030203" pitchFamily="2" charset="-79"/>
+                <a:cs typeface="Aharoni" panose="02010803020104030203" pitchFamily="2" charset="-79"/>
+              </a:rPr>
+              <a:t>the audio will be recorded</a:t>
+            </a:r>
+          </a:p>
+          <a:p>
+            <a:pPr algn="ctr"/>
+            <a:r>
+              <a:rPr lang="en-US" sz="3600" dirty="0">
+                <a:solidFill>
+                  <a:schemeClr val="bg1"/>
+                </a:solidFill>
+                <a:latin typeface="Aharoni" panose="02010803020104030203" pitchFamily="2" charset="-79"/>
+                <a:cs typeface="Aharoni" panose="02010803020104030203" pitchFamily="2" charset="-79"/>
+              </a:rPr>
+              <a:t>and saved as a .wav file</a:t>
+            </a:r>
+          </a:p>
+        </p:txBody>
+      </p:sp>
+      <p:pic>
+        <p:nvPicPr>
+          <p:cNvPr id="8" name="Graphic 7" descr="Radio microphone with solid fill">
+            <a:extLst>
+              <a:ext uri="{FF2B5EF4-FFF2-40B4-BE49-F238E27FC236}">
+                <a16:creationId xmlns:a16="http://schemas.microsoft.com/office/drawing/2014/main" id="{AF08CCA4-99E9-4EF5-AEE0-71836FEA3B2C}"/>
+              </a:ext>
+            </a:extLst>
+          </p:cNvPr>
+          <p:cNvPicPr>
+            <a:picLocks noChangeAspect="1"/>
+          </p:cNvPicPr>
+          <p:nvPr/>
+        </p:nvPicPr>
+        <p:blipFill>
+          <a:blip r:embed="rId2">
+            <a:extLst>
+              <a:ext uri="{28A0092B-C50C-407E-A947-70E740481C1C}">
+                <a14:useLocalDpi xmlns:a14="http://schemas.microsoft.com/office/drawing/2010/main" val="0"/>
+              </a:ext>
+              <a:ext uri="{96DAC541-7B7A-43D3-8B79-37D633B846F1}">
+                <asvg:svgBlip xmlns:asvg="http://schemas.microsoft.com/office/drawing/2016/SVG/main" r:embed="rId3"/>
+              </a:ext>
+            </a:extLst>
+          </a:blip>
+          <a:stretch>
+            <a:fillRect/>
+          </a:stretch>
+        </p:blipFill>
+        <p:spPr>
+          <a:xfrm>
+            <a:off x="3073291" y="2535415"/>
+            <a:ext cx="1140835" cy="1140835"/>
+          </a:xfrm>
+          <a:prstGeom prst="rect">
+            <a:avLst/>
+          </a:prstGeom>
+        </p:spPr>
+      </p:pic>
+      <p:pic>
+        <p:nvPicPr>
+          <p:cNvPr id="11" name="Graphic 10" descr="Voice with solid fill">
+            <a:extLst>
+              <a:ext uri="{FF2B5EF4-FFF2-40B4-BE49-F238E27FC236}">
+                <a16:creationId xmlns:a16="http://schemas.microsoft.com/office/drawing/2014/main" id="{89250E07-601C-49ED-8F77-F3AEFFAD47FD}"/>
+              </a:ext>
+            </a:extLst>
+          </p:cNvPr>
+          <p:cNvPicPr>
+            <a:picLocks noChangeAspect="1"/>
+          </p:cNvPicPr>
+          <p:nvPr/>
+        </p:nvPicPr>
+        <p:blipFill>
+          <a:blip r:embed="rId4">
+            <a:extLst>
+              <a:ext uri="{28A0092B-C50C-407E-A947-70E740481C1C}">
+                <a14:useLocalDpi xmlns:a14="http://schemas.microsoft.com/office/drawing/2010/main" val="0"/>
+              </a:ext>
+              <a:ext uri="{96DAC541-7B7A-43D3-8B79-37D633B846F1}">
+                <asvg:svgBlip xmlns:asvg="http://schemas.microsoft.com/office/drawing/2016/SVG/main" r:embed="rId5"/>
+              </a:ext>
+            </a:extLst>
+          </a:blip>
+          <a:stretch>
+            <a:fillRect/>
+          </a:stretch>
+        </p:blipFill>
+        <p:spPr>
+          <a:xfrm>
+            <a:off x="7977872" y="2264027"/>
+            <a:ext cx="1683610" cy="1683610"/>
+          </a:xfrm>
+          <a:prstGeom prst="rect">
+            <a:avLst/>
+          </a:prstGeom>
+        </p:spPr>
+      </p:pic>
+      <p:pic>
+        <p:nvPicPr>
+          <p:cNvPr id="19" name="Graphic 18" descr="Arrow Right with solid fill">
+            <a:extLst>
+              <a:ext uri="{FF2B5EF4-FFF2-40B4-BE49-F238E27FC236}">
+                <a16:creationId xmlns:a16="http://schemas.microsoft.com/office/drawing/2014/main" id="{63B30B57-5F98-4C27-B055-5E5E2C0A9067}"/>
+              </a:ext>
+            </a:extLst>
+          </p:cNvPr>
+          <p:cNvPicPr>
+            <a:picLocks noChangeAspect="1"/>
+          </p:cNvPicPr>
+          <p:nvPr/>
+        </p:nvPicPr>
+        <p:blipFill>
+          <a:blip r:embed="rId6">
+            <a:extLst>
+              <a:ext uri="{28A0092B-C50C-407E-A947-70E740481C1C}">
+                <a14:useLocalDpi xmlns:a14="http://schemas.microsoft.com/office/drawing/2010/main" val="0"/>
+              </a:ext>
+              <a:ext uri="{96DAC541-7B7A-43D3-8B79-37D633B846F1}">
+                <asvg:svgBlip xmlns:asvg="http://schemas.microsoft.com/office/drawing/2016/SVG/main" r:embed="rId7"/>
+              </a:ext>
+            </a:extLst>
+          </a:blip>
+          <a:stretch>
+            <a:fillRect/>
+          </a:stretch>
+        </p:blipFill>
+        <p:spPr>
+          <a:xfrm>
+            <a:off x="5638799" y="2648632"/>
+            <a:ext cx="914400" cy="914400"/>
+          </a:xfrm>
+          <a:prstGeom prst="rect">
+            <a:avLst/>
+          </a:prstGeom>
+        </p:spPr>
+      </p:pic>
+      <p:pic>
+        <p:nvPicPr>
+          <p:cNvPr id="10" name="Graphic 9" descr="Voice outline">
+            <a:extLst>
+              <a:ext uri="{FF2B5EF4-FFF2-40B4-BE49-F238E27FC236}">
+                <a16:creationId xmlns:a16="http://schemas.microsoft.com/office/drawing/2014/main" id="{B03F9A6C-C429-4671-8996-C9B068185515}"/>
+              </a:ext>
+            </a:extLst>
+          </p:cNvPr>
+          <p:cNvPicPr>
+            <a:picLocks noChangeAspect="1"/>
+          </p:cNvPicPr>
+          <p:nvPr/>
+        </p:nvPicPr>
+        <p:blipFill>
+          <a:blip r:embed="rId8">
+            <a:extLst>
+              <a:ext uri="{28A0092B-C50C-407E-A947-70E740481C1C}">
+                <a14:useLocalDpi xmlns:a14="http://schemas.microsoft.com/office/drawing/2010/main" val="0"/>
+              </a:ext>
+              <a:ext uri="{96DAC541-7B7A-43D3-8B79-37D633B846F1}">
+                <asvg:svgBlip xmlns:asvg="http://schemas.microsoft.com/office/drawing/2016/SVG/main" r:embed="rId9"/>
+              </a:ext>
+            </a:extLst>
+          </a:blip>
+          <a:stretch>
+            <a:fillRect/>
+          </a:stretch>
+        </p:blipFill>
+        <p:spPr>
+          <a:xfrm>
+            <a:off x="7949906" y="2405207"/>
+            <a:ext cx="1723933" cy="1392437"/>
+          </a:xfrm>
+          <a:prstGeom prst="rect">
+            <a:avLst/>
+          </a:prstGeom>
+        </p:spPr>
+      </p:pic>
+    </p:spTree>
+    <p:extLst>
+      <p:ext uri="{BB962C8B-B14F-4D97-AF65-F5344CB8AC3E}">
+        <p14:creationId xmlns:p14="http://schemas.microsoft.com/office/powerpoint/2010/main" val="720630862"/>
+      </p:ext>
+    </p:extLst>
+  </p:cSld>
+  <p:clrMapOvr>
+    <a:masterClrMapping/>
+  </p:clrMapOvr>
+  <mc:AlternateContent xmlns:mc="http://schemas.openxmlformats.org/markup-compatibility/2006">
+    <mc:Choice xmlns:p159="http://schemas.microsoft.com/office/powerpoint/2015/09/main" Requires="p159">
+      <p:transition xmlns:p14="http://schemas.microsoft.com/office/powerpoint/2010/main" spd="slow" p14:dur="2000" advClick="0" advTm="3000">
+        <p159:morph option="byObject"/>
+      </p:transition>
+    </mc:Choice>
+    <mc:Fallback>
+      <p:transition spd="slow" advClick="0" advTm="3000">
+        <p:fade/>
+      </p:transition>
+    </mc:Fallback>
+  </mc:AlternateContent>
+</p:sld>
+</file>
+
+<file path=ppt/slides/slide39.xml><?xml version="1.0" encoding="utf-8"?>
+<p:sld xmlns:a="http://schemas.openxmlformats.org/drawingml/2006/main" xmlns:r="http://schemas.openxmlformats.org/officeDocument/2006/relationships" xmlns:p="http://schemas.openxmlformats.org/presentationml/2006/main">
+  <p:cSld>
+    <p:bg>
+      <p:bgPr>
+        <a:solidFill>
+          <a:schemeClr val="accent1">
+            <a:lumMod val="60000"/>
+            <a:lumOff val="40000"/>
+          </a:schemeClr>
+        </a:solidFill>
+        <a:effectLst/>
+      </p:bgPr>
+    </p:bg>
+    <p:spTree>
+      <p:nvGrpSpPr>
+        <p:cNvPr id="1" name=""/>
+        <p:cNvGrpSpPr/>
+        <p:nvPr/>
+      </p:nvGrpSpPr>
+      <p:grpSpPr>
+        <a:xfrm>
+          <a:off x="0" y="0"/>
+          <a:ext cx="0" cy="0"/>
+          <a:chOff x="0" y="0"/>
+          <a:chExt cx="0" cy="0"/>
+        </a:xfrm>
+      </p:grpSpPr>
+      <p:sp>
+        <p:nvSpPr>
+          <p:cNvPr id="6" name="TextBox 5">
+            <a:extLst>
+              <a:ext uri="{FF2B5EF4-FFF2-40B4-BE49-F238E27FC236}">
+                <a16:creationId xmlns:a16="http://schemas.microsoft.com/office/drawing/2014/main" id="{62E3230B-B2A2-4180-A058-7940B7FA4A8D}"/>
+              </a:ext>
+            </a:extLst>
+          </p:cNvPr>
+          <p:cNvSpPr txBox="1"/>
+          <p:nvPr/>
+        </p:nvSpPr>
+        <p:spPr>
+          <a:xfrm>
+            <a:off x="1560285" y="5074516"/>
+            <a:ext cx="9071429" cy="1200329"/>
+          </a:xfrm>
+          <a:prstGeom prst="rect">
+            <a:avLst/>
+          </a:prstGeom>
+          <a:noFill/>
+        </p:spPr>
+        <p:txBody>
+          <a:bodyPr wrap="square" rtlCol="0">
+            <a:spAutoFit/>
+          </a:bodyPr>
+          <a:lstStyle/>
+          <a:p>
+            <a:pPr algn="ctr"/>
+            <a:r>
+              <a:rPr lang="en-US" sz="3600" dirty="0">
+                <a:solidFill>
+                  <a:schemeClr val="bg1"/>
+                </a:solidFill>
+                <a:latin typeface="Aharoni" panose="02010803020104030203" pitchFamily="2" charset="-79"/>
+                <a:cs typeface="Aharoni" panose="02010803020104030203" pitchFamily="2" charset="-79"/>
+              </a:rPr>
+              <a:t>this audio will then be passed through different steps of post processing</a:t>
+            </a:r>
+          </a:p>
+        </p:txBody>
+      </p:sp>
+      <p:pic>
+        <p:nvPicPr>
+          <p:cNvPr id="8" name="Graphic 7" descr="Radio microphone with solid fill">
+            <a:extLst>
+              <a:ext uri="{FF2B5EF4-FFF2-40B4-BE49-F238E27FC236}">
+                <a16:creationId xmlns:a16="http://schemas.microsoft.com/office/drawing/2014/main" id="{AF08CCA4-99E9-4EF5-AEE0-71836FEA3B2C}"/>
+              </a:ext>
+            </a:extLst>
+          </p:cNvPr>
+          <p:cNvPicPr>
+            <a:picLocks noChangeAspect="1"/>
+          </p:cNvPicPr>
+          <p:nvPr/>
+        </p:nvPicPr>
+        <p:blipFill>
+          <a:blip r:embed="rId2">
+            <a:extLst>
+              <a:ext uri="{28A0092B-C50C-407E-A947-70E740481C1C}">
+                <a14:useLocalDpi xmlns:a14="http://schemas.microsoft.com/office/drawing/2010/main" val="0"/>
+              </a:ext>
+              <a:ext uri="{96DAC541-7B7A-43D3-8B79-37D633B846F1}">
+                <asvg:svgBlip xmlns:asvg="http://schemas.microsoft.com/office/drawing/2016/SVG/main" r:embed="rId3"/>
+              </a:ext>
+            </a:extLst>
+          </a:blip>
+          <a:stretch>
+            <a:fillRect/>
+          </a:stretch>
+        </p:blipFill>
+        <p:spPr>
+          <a:xfrm>
+            <a:off x="-3623343" y="2535415"/>
+            <a:ext cx="1140835" cy="1140835"/>
+          </a:xfrm>
+          <a:prstGeom prst="rect">
+            <a:avLst/>
+          </a:prstGeom>
+        </p:spPr>
+      </p:pic>
+      <p:pic>
+        <p:nvPicPr>
+          <p:cNvPr id="11" name="Graphic 10" descr="Voice with solid fill">
+            <a:extLst>
+              <a:ext uri="{FF2B5EF4-FFF2-40B4-BE49-F238E27FC236}">
+                <a16:creationId xmlns:a16="http://schemas.microsoft.com/office/drawing/2014/main" id="{89250E07-601C-49ED-8F77-F3AEFFAD47FD}"/>
+              </a:ext>
+            </a:extLst>
+          </p:cNvPr>
+          <p:cNvPicPr>
+            <a:picLocks noChangeAspect="1"/>
+          </p:cNvPicPr>
+          <p:nvPr/>
+        </p:nvPicPr>
+        <p:blipFill>
+          <a:blip r:embed="rId4">
+            <a:extLst>
+              <a:ext uri="{28A0092B-C50C-407E-A947-70E740481C1C}">
+                <a14:useLocalDpi xmlns:a14="http://schemas.microsoft.com/office/drawing/2010/main" val="0"/>
+              </a:ext>
+              <a:ext uri="{96DAC541-7B7A-43D3-8B79-37D633B846F1}">
+                <asvg:svgBlip xmlns:asvg="http://schemas.microsoft.com/office/drawing/2016/SVG/main" r:embed="rId5"/>
+              </a:ext>
+            </a:extLst>
+          </a:blip>
+          <a:stretch>
+            <a:fillRect/>
+          </a:stretch>
+        </p:blipFill>
+        <p:spPr>
+          <a:xfrm>
+            <a:off x="4565079" y="1574912"/>
+            <a:ext cx="3061840" cy="3061840"/>
+          </a:xfrm>
+          <a:prstGeom prst="rect">
+            <a:avLst/>
+          </a:prstGeom>
+        </p:spPr>
+      </p:pic>
+      <p:pic>
+        <p:nvPicPr>
+          <p:cNvPr id="19" name="Graphic 18" descr="Arrow Right with solid fill">
+            <a:extLst>
+              <a:ext uri="{FF2B5EF4-FFF2-40B4-BE49-F238E27FC236}">
+                <a16:creationId xmlns:a16="http://schemas.microsoft.com/office/drawing/2014/main" id="{63B30B57-5F98-4C27-B055-5E5E2C0A9067}"/>
+              </a:ext>
+            </a:extLst>
+          </p:cNvPr>
+          <p:cNvPicPr>
+            <a:picLocks noChangeAspect="1"/>
+          </p:cNvPicPr>
+          <p:nvPr/>
+        </p:nvPicPr>
+        <p:blipFill>
+          <a:blip r:embed="rId6">
+            <a:extLst>
+              <a:ext uri="{28A0092B-C50C-407E-A947-70E740481C1C}">
+                <a14:useLocalDpi xmlns:a14="http://schemas.microsoft.com/office/drawing/2010/main" val="0"/>
+              </a:ext>
+              <a:ext uri="{96DAC541-7B7A-43D3-8B79-37D633B846F1}">
+                <asvg:svgBlip xmlns:asvg="http://schemas.microsoft.com/office/drawing/2016/SVG/main" r:embed="rId7"/>
+              </a:ext>
+            </a:extLst>
+          </a:blip>
+          <a:stretch>
+            <a:fillRect/>
+          </a:stretch>
+        </p:blipFill>
+        <p:spPr>
+          <a:xfrm>
+            <a:off x="-1057835" y="2648632"/>
+            <a:ext cx="914400" cy="914400"/>
+          </a:xfrm>
+          <a:prstGeom prst="rect">
+            <a:avLst/>
+          </a:prstGeom>
+        </p:spPr>
+      </p:pic>
+      <p:pic>
+        <p:nvPicPr>
+          <p:cNvPr id="7" name="Graphic 6" descr="Voice outline">
+            <a:extLst>
+              <a:ext uri="{FF2B5EF4-FFF2-40B4-BE49-F238E27FC236}">
+                <a16:creationId xmlns:a16="http://schemas.microsoft.com/office/drawing/2014/main" id="{743246B8-4830-4298-9F97-ACBEB221F6D3}"/>
+              </a:ext>
+            </a:extLst>
+          </p:cNvPr>
+          <p:cNvPicPr>
+            <a:picLocks noChangeAspect="1"/>
+          </p:cNvPicPr>
+          <p:nvPr/>
+        </p:nvPicPr>
+        <p:blipFill>
+          <a:blip r:embed="rId8">
+            <a:extLst>
+              <a:ext uri="{28A0092B-C50C-407E-A947-70E740481C1C}">
+                <a14:useLocalDpi xmlns:a14="http://schemas.microsoft.com/office/drawing/2010/main" val="0"/>
+              </a:ext>
+              <a:ext uri="{96DAC541-7B7A-43D3-8B79-37D633B846F1}">
+                <asvg:svgBlip xmlns:asvg="http://schemas.microsoft.com/office/drawing/2016/SVG/main" r:embed="rId9"/>
+              </a:ext>
+            </a:extLst>
+          </a:blip>
+          <a:stretch>
+            <a:fillRect/>
+          </a:stretch>
+        </p:blipFill>
+        <p:spPr>
+          <a:xfrm>
+            <a:off x="4592885" y="1821820"/>
+            <a:ext cx="3061840" cy="2563509"/>
+          </a:xfrm>
+          <a:prstGeom prst="rect">
+            <a:avLst/>
+          </a:prstGeom>
+        </p:spPr>
+      </p:pic>
+    </p:spTree>
+    <p:extLst>
+      <p:ext uri="{BB962C8B-B14F-4D97-AF65-F5344CB8AC3E}">
+        <p14:creationId xmlns:p14="http://schemas.microsoft.com/office/powerpoint/2010/main" val="2393532472"/>
+      </p:ext>
+    </p:extLst>
+  </p:cSld>
+  <p:clrMapOvr>
+    <a:masterClrMapping/>
+  </p:clrMapOvr>
+  <mc:AlternateContent xmlns:mc="http://schemas.openxmlformats.org/markup-compatibility/2006">
+    <mc:Choice xmlns:p159="http://schemas.microsoft.com/office/powerpoint/2015/09/main" Requires="p159">
+      <p:transition xmlns:p14="http://schemas.microsoft.com/office/powerpoint/2010/main" spd="slow" p14:dur="2000" advClick="0" advTm="4000">
+        <p159:morph option="byObject"/>
+      </p:transition>
+    </mc:Choice>
+    <mc:Fallback>
+      <p:transition spd="slow" advClick="0" advTm="4000">
+        <p:fade/>
+      </p:transition>
     </mc:Fallback>
   </mc:AlternateContent>
 </p:sld>
@@ -11816,6 +14422,1554 @@
     </mc:Choice>
     <mc:Fallback xmlns="">
       <p:transition advClick="0" advTm="0"/>
+    </mc:Fallback>
+  </mc:AlternateContent>
+</p:sld>
+</file>
+
+<file path=ppt/slides/slide40.xml><?xml version="1.0" encoding="utf-8"?>
+<p:sld xmlns:a="http://schemas.openxmlformats.org/drawingml/2006/main" xmlns:r="http://schemas.openxmlformats.org/officeDocument/2006/relationships" xmlns:p="http://schemas.openxmlformats.org/presentationml/2006/main">
+  <p:cSld>
+    <p:bg>
+      <p:bgPr>
+        <a:solidFill>
+          <a:schemeClr val="accent1">
+            <a:lumMod val="60000"/>
+            <a:lumOff val="40000"/>
+          </a:schemeClr>
+        </a:solidFill>
+        <a:effectLst/>
+      </p:bgPr>
+    </p:bg>
+    <p:spTree>
+      <p:nvGrpSpPr>
+        <p:cNvPr id="1" name=""/>
+        <p:cNvGrpSpPr/>
+        <p:nvPr/>
+      </p:nvGrpSpPr>
+      <p:grpSpPr>
+        <a:xfrm>
+          <a:off x="0" y="0"/>
+          <a:ext cx="0" cy="0"/>
+          <a:chOff x="0" y="0"/>
+          <a:chExt cx="0" cy="0"/>
+        </a:xfrm>
+      </p:grpSpPr>
+      <p:pic>
+        <p:nvPicPr>
+          <p:cNvPr id="11" name="Graphic 10" descr="Voice with solid fill">
+            <a:extLst>
+              <a:ext uri="{FF2B5EF4-FFF2-40B4-BE49-F238E27FC236}">
+                <a16:creationId xmlns:a16="http://schemas.microsoft.com/office/drawing/2014/main" id="{89250E07-601C-49ED-8F77-F3AEFFAD47FD}"/>
+              </a:ext>
+            </a:extLst>
+          </p:cNvPr>
+          <p:cNvPicPr>
+            <a:picLocks noChangeAspect="1"/>
+          </p:cNvPicPr>
+          <p:nvPr/>
+        </p:nvPicPr>
+        <p:blipFill>
+          <a:blip r:embed="rId2">
+            <a:extLst>
+              <a:ext uri="{28A0092B-C50C-407E-A947-70E740481C1C}">
+                <a14:useLocalDpi xmlns:a14="http://schemas.microsoft.com/office/drawing/2010/main" val="0"/>
+              </a:ext>
+              <a:ext uri="{96DAC541-7B7A-43D3-8B79-37D633B846F1}">
+                <asvg:svgBlip xmlns:asvg="http://schemas.microsoft.com/office/drawing/2016/SVG/main" r:embed="rId3"/>
+              </a:ext>
+            </a:extLst>
+          </a:blip>
+          <a:stretch>
+            <a:fillRect/>
+          </a:stretch>
+        </p:blipFill>
+        <p:spPr>
+          <a:xfrm>
+            <a:off x="2227825" y="2435423"/>
+            <a:ext cx="1987154" cy="1987154"/>
+          </a:xfrm>
+          <a:prstGeom prst="rect">
+            <a:avLst/>
+          </a:prstGeom>
+        </p:spPr>
+      </p:pic>
+      <p:pic>
+        <p:nvPicPr>
+          <p:cNvPr id="3" name="Graphic 2" descr="Voice outline">
+            <a:extLst>
+              <a:ext uri="{FF2B5EF4-FFF2-40B4-BE49-F238E27FC236}">
+                <a16:creationId xmlns:a16="http://schemas.microsoft.com/office/drawing/2014/main" id="{1C66D44B-595A-489A-B197-ADDC9BBEE1E4}"/>
+              </a:ext>
+            </a:extLst>
+          </p:cNvPr>
+          <p:cNvPicPr>
+            <a:picLocks noChangeAspect="1"/>
+          </p:cNvPicPr>
+          <p:nvPr/>
+        </p:nvPicPr>
+        <p:blipFill>
+          <a:blip r:embed="rId4">
+            <a:extLst>
+              <a:ext uri="{28A0092B-C50C-407E-A947-70E740481C1C}">
+                <a14:useLocalDpi xmlns:a14="http://schemas.microsoft.com/office/drawing/2010/main" val="0"/>
+              </a:ext>
+              <a:ext uri="{96DAC541-7B7A-43D3-8B79-37D633B846F1}">
+                <asvg:svgBlip xmlns:asvg="http://schemas.microsoft.com/office/drawing/2016/SVG/main" r:embed="rId5"/>
+              </a:ext>
+            </a:extLst>
+          </a:blip>
+          <a:stretch>
+            <a:fillRect/>
+          </a:stretch>
+        </p:blipFill>
+        <p:spPr>
+          <a:xfrm>
+            <a:off x="2220009" y="2595652"/>
+            <a:ext cx="1987154" cy="1663734"/>
+          </a:xfrm>
+          <a:prstGeom prst="rect">
+            <a:avLst/>
+          </a:prstGeom>
+        </p:spPr>
+      </p:pic>
+      <p:sp>
+        <p:nvSpPr>
+          <p:cNvPr id="9" name="TextBox 8">
+            <a:extLst>
+              <a:ext uri="{FF2B5EF4-FFF2-40B4-BE49-F238E27FC236}">
+                <a16:creationId xmlns:a16="http://schemas.microsoft.com/office/drawing/2014/main" id="{82B62603-BAA5-49CA-96A8-3F7729D21926}"/>
+              </a:ext>
+            </a:extLst>
+          </p:cNvPr>
+          <p:cNvSpPr txBox="1"/>
+          <p:nvPr/>
+        </p:nvSpPr>
+        <p:spPr>
+          <a:xfrm>
+            <a:off x="3941873" y="1129324"/>
+            <a:ext cx="4308253" cy="1200329"/>
+          </a:xfrm>
+          <a:prstGeom prst="rect">
+            <a:avLst/>
+          </a:prstGeom>
+          <a:noFill/>
+        </p:spPr>
+        <p:txBody>
+          <a:bodyPr wrap="square" rtlCol="0">
+            <a:spAutoFit/>
+          </a:bodyPr>
+          <a:lstStyle/>
+          <a:p>
+            <a:pPr algn="ctr"/>
+            <a:r>
+              <a:rPr lang="en-US" sz="3600" dirty="0">
+                <a:solidFill>
+                  <a:schemeClr val="bg1"/>
+                </a:solidFill>
+                <a:latin typeface="Aharoni" panose="02010803020104030203" pitchFamily="2" charset="-79"/>
+                <a:cs typeface="Aharoni" panose="02010803020104030203" pitchFamily="2" charset="-79"/>
+              </a:rPr>
+              <a:t>the first step is noise filtering</a:t>
+            </a:r>
+          </a:p>
+        </p:txBody>
+      </p:sp>
+      <p:sp>
+        <p:nvSpPr>
+          <p:cNvPr id="10" name="TextBox 9">
+            <a:extLst>
+              <a:ext uri="{FF2B5EF4-FFF2-40B4-BE49-F238E27FC236}">
+                <a16:creationId xmlns:a16="http://schemas.microsoft.com/office/drawing/2014/main" id="{5F18840A-6B8C-4D25-B590-FB66AB1A4A6F}"/>
+              </a:ext>
+            </a:extLst>
+          </p:cNvPr>
+          <p:cNvSpPr txBox="1"/>
+          <p:nvPr/>
+        </p:nvSpPr>
+        <p:spPr>
+          <a:xfrm>
+            <a:off x="2214776" y="6982887"/>
+            <a:ext cx="7762445" cy="1200329"/>
+          </a:xfrm>
+          <a:prstGeom prst="rect">
+            <a:avLst/>
+          </a:prstGeom>
+          <a:noFill/>
+        </p:spPr>
+        <p:txBody>
+          <a:bodyPr wrap="square" rtlCol="0">
+            <a:spAutoFit/>
+          </a:bodyPr>
+          <a:lstStyle/>
+          <a:p>
+            <a:pPr algn="ctr"/>
+            <a:r>
+              <a:rPr lang="en-US" sz="3600" dirty="0">
+                <a:solidFill>
+                  <a:schemeClr val="bg1"/>
+                </a:solidFill>
+                <a:latin typeface="Aharoni" panose="02010803020104030203" pitchFamily="2" charset="-79"/>
+                <a:cs typeface="Aharoni" panose="02010803020104030203" pitchFamily="2" charset="-79"/>
+              </a:rPr>
+              <a:t>this step removes audio that isn’t in the human frequency range</a:t>
+            </a:r>
+          </a:p>
+        </p:txBody>
+      </p:sp>
+    </p:spTree>
+    <p:extLst>
+      <p:ext uri="{BB962C8B-B14F-4D97-AF65-F5344CB8AC3E}">
+        <p14:creationId xmlns:p14="http://schemas.microsoft.com/office/powerpoint/2010/main" val="733215322"/>
+      </p:ext>
+    </p:extLst>
+  </p:cSld>
+  <p:clrMapOvr>
+    <a:masterClrMapping/>
+  </p:clrMapOvr>
+  <mc:AlternateContent xmlns:mc="http://schemas.openxmlformats.org/markup-compatibility/2006">
+    <mc:Choice xmlns:p159="http://schemas.microsoft.com/office/powerpoint/2015/09/main" Requires="p159">
+      <p:transition xmlns:p14="http://schemas.microsoft.com/office/powerpoint/2010/main" spd="slow" p14:dur="2000" advClick="0" advTm="2000">
+        <p159:morph option="byObject"/>
+      </p:transition>
+    </mc:Choice>
+    <mc:Fallback>
+      <p:transition spd="slow" advClick="0" advTm="2000">
+        <p:fade/>
+      </p:transition>
+    </mc:Fallback>
+  </mc:AlternateContent>
+</p:sld>
+</file>
+
+<file path=ppt/slides/slide41.xml><?xml version="1.0" encoding="utf-8"?>
+<p:sld xmlns:a="http://schemas.openxmlformats.org/drawingml/2006/main" xmlns:r="http://schemas.openxmlformats.org/officeDocument/2006/relationships" xmlns:p="http://schemas.openxmlformats.org/presentationml/2006/main">
+  <p:cSld>
+    <p:bg>
+      <p:bgPr>
+        <a:solidFill>
+          <a:schemeClr val="accent1">
+            <a:lumMod val="60000"/>
+            <a:lumOff val="40000"/>
+          </a:schemeClr>
+        </a:solidFill>
+        <a:effectLst/>
+      </p:bgPr>
+    </p:bg>
+    <p:spTree>
+      <p:nvGrpSpPr>
+        <p:cNvPr id="1" name=""/>
+        <p:cNvGrpSpPr/>
+        <p:nvPr/>
+      </p:nvGrpSpPr>
+      <p:grpSpPr>
+        <a:xfrm>
+          <a:off x="0" y="0"/>
+          <a:ext cx="0" cy="0"/>
+          <a:chOff x="0" y="0"/>
+          <a:chExt cx="0" cy="0"/>
+        </a:xfrm>
+      </p:grpSpPr>
+      <p:sp>
+        <p:nvSpPr>
+          <p:cNvPr id="6" name="TextBox 5">
+            <a:extLst>
+              <a:ext uri="{FF2B5EF4-FFF2-40B4-BE49-F238E27FC236}">
+                <a16:creationId xmlns:a16="http://schemas.microsoft.com/office/drawing/2014/main" id="{62E3230B-B2A2-4180-A058-7940B7FA4A8D}"/>
+              </a:ext>
+            </a:extLst>
+          </p:cNvPr>
+          <p:cNvSpPr txBox="1"/>
+          <p:nvPr/>
+        </p:nvSpPr>
+        <p:spPr>
+          <a:xfrm>
+            <a:off x="3941873" y="1129324"/>
+            <a:ext cx="4308253" cy="1200329"/>
+          </a:xfrm>
+          <a:prstGeom prst="rect">
+            <a:avLst/>
+          </a:prstGeom>
+          <a:noFill/>
+        </p:spPr>
+        <p:txBody>
+          <a:bodyPr wrap="square" rtlCol="0">
+            <a:spAutoFit/>
+          </a:bodyPr>
+          <a:lstStyle/>
+          <a:p>
+            <a:pPr algn="ctr"/>
+            <a:r>
+              <a:rPr lang="en-US" sz="3600" dirty="0">
+                <a:solidFill>
+                  <a:schemeClr val="bg1"/>
+                </a:solidFill>
+                <a:latin typeface="Aharoni" panose="02010803020104030203" pitchFamily="2" charset="-79"/>
+                <a:cs typeface="Aharoni" panose="02010803020104030203" pitchFamily="2" charset="-79"/>
+              </a:rPr>
+              <a:t>the first step is noise filtering</a:t>
+            </a:r>
+          </a:p>
+        </p:txBody>
+      </p:sp>
+      <p:pic>
+        <p:nvPicPr>
+          <p:cNvPr id="11" name="Graphic 10" descr="Voice with solid fill">
+            <a:extLst>
+              <a:ext uri="{FF2B5EF4-FFF2-40B4-BE49-F238E27FC236}">
+                <a16:creationId xmlns:a16="http://schemas.microsoft.com/office/drawing/2014/main" id="{89250E07-601C-49ED-8F77-F3AEFFAD47FD}"/>
+              </a:ext>
+            </a:extLst>
+          </p:cNvPr>
+          <p:cNvPicPr>
+            <a:picLocks noChangeAspect="1"/>
+          </p:cNvPicPr>
+          <p:nvPr/>
+        </p:nvPicPr>
+        <p:blipFill>
+          <a:blip r:embed="rId2">
+            <a:extLst>
+              <a:ext uri="{28A0092B-C50C-407E-A947-70E740481C1C}">
+                <a14:useLocalDpi xmlns:a14="http://schemas.microsoft.com/office/drawing/2010/main" val="0"/>
+              </a:ext>
+              <a:ext uri="{96DAC541-7B7A-43D3-8B79-37D633B846F1}">
+                <asvg:svgBlip xmlns:asvg="http://schemas.microsoft.com/office/drawing/2016/SVG/main" r:embed="rId3"/>
+              </a:ext>
+            </a:extLst>
+          </a:blip>
+          <a:stretch>
+            <a:fillRect/>
+          </a:stretch>
+        </p:blipFill>
+        <p:spPr>
+          <a:xfrm>
+            <a:off x="2227825" y="2435423"/>
+            <a:ext cx="1987154" cy="1987154"/>
+          </a:xfrm>
+          <a:prstGeom prst="rect">
+            <a:avLst/>
+          </a:prstGeom>
+        </p:spPr>
+      </p:pic>
+      <p:pic>
+        <p:nvPicPr>
+          <p:cNvPr id="5" name="Graphic 4" descr="Voice outline">
+            <a:extLst>
+              <a:ext uri="{FF2B5EF4-FFF2-40B4-BE49-F238E27FC236}">
+                <a16:creationId xmlns:a16="http://schemas.microsoft.com/office/drawing/2014/main" id="{5A4CCCE5-438C-4B39-B8EE-CC1E7D703C8F}"/>
+              </a:ext>
+            </a:extLst>
+          </p:cNvPr>
+          <p:cNvPicPr>
+            <a:picLocks noChangeAspect="1"/>
+          </p:cNvPicPr>
+          <p:nvPr/>
+        </p:nvPicPr>
+        <p:blipFill>
+          <a:blip r:embed="rId4">
+            <a:extLst>
+              <a:ext uri="{28A0092B-C50C-407E-A947-70E740481C1C}">
+                <a14:useLocalDpi xmlns:a14="http://schemas.microsoft.com/office/drawing/2010/main" val="0"/>
+              </a:ext>
+              <a:ext uri="{96DAC541-7B7A-43D3-8B79-37D633B846F1}">
+                <asvg:svgBlip xmlns:asvg="http://schemas.microsoft.com/office/drawing/2016/SVG/main" r:embed="rId5"/>
+              </a:ext>
+            </a:extLst>
+          </a:blip>
+          <a:stretch>
+            <a:fillRect/>
+          </a:stretch>
+        </p:blipFill>
+        <p:spPr>
+          <a:xfrm>
+            <a:off x="7977021" y="2597133"/>
+            <a:ext cx="1987154" cy="1663734"/>
+          </a:xfrm>
+          <a:prstGeom prst="rect">
+            <a:avLst/>
+          </a:prstGeom>
+        </p:spPr>
+      </p:pic>
+      <p:sp>
+        <p:nvSpPr>
+          <p:cNvPr id="7" name="TextBox 6">
+            <a:extLst>
+              <a:ext uri="{FF2B5EF4-FFF2-40B4-BE49-F238E27FC236}">
+                <a16:creationId xmlns:a16="http://schemas.microsoft.com/office/drawing/2014/main" id="{59700F0D-3167-4E18-8F94-C285CC34447C}"/>
+              </a:ext>
+            </a:extLst>
+          </p:cNvPr>
+          <p:cNvSpPr txBox="1"/>
+          <p:nvPr/>
+        </p:nvSpPr>
+        <p:spPr>
+          <a:xfrm>
+            <a:off x="2214776" y="4690057"/>
+            <a:ext cx="7762445" cy="1200329"/>
+          </a:xfrm>
+          <a:prstGeom prst="rect">
+            <a:avLst/>
+          </a:prstGeom>
+          <a:noFill/>
+        </p:spPr>
+        <p:txBody>
+          <a:bodyPr wrap="square" rtlCol="0">
+            <a:spAutoFit/>
+          </a:bodyPr>
+          <a:lstStyle/>
+          <a:p>
+            <a:pPr algn="ctr"/>
+            <a:r>
+              <a:rPr lang="en-US" sz="3600" dirty="0">
+                <a:solidFill>
+                  <a:schemeClr val="bg1"/>
+                </a:solidFill>
+                <a:latin typeface="Aharoni" panose="02010803020104030203" pitchFamily="2" charset="-79"/>
+                <a:cs typeface="Aharoni" panose="02010803020104030203" pitchFamily="2" charset="-79"/>
+              </a:rPr>
+              <a:t>this step removes audio that isn’t in the human frequency range</a:t>
+            </a:r>
+          </a:p>
+        </p:txBody>
+      </p:sp>
+    </p:spTree>
+    <p:extLst>
+      <p:ext uri="{BB962C8B-B14F-4D97-AF65-F5344CB8AC3E}">
+        <p14:creationId xmlns:p14="http://schemas.microsoft.com/office/powerpoint/2010/main" val="3415712916"/>
+      </p:ext>
+    </p:extLst>
+  </p:cSld>
+  <p:clrMapOvr>
+    <a:masterClrMapping/>
+  </p:clrMapOvr>
+  <mc:AlternateContent xmlns:mc="http://schemas.openxmlformats.org/markup-compatibility/2006">
+    <mc:Choice xmlns:p159="http://schemas.microsoft.com/office/powerpoint/2015/09/main" Requires="p159">
+      <p:transition xmlns:p14="http://schemas.microsoft.com/office/powerpoint/2010/main" spd="slow" p14:dur="2000" advClick="0" advTm="3000">
+        <p159:morph option="byObject"/>
+      </p:transition>
+    </mc:Choice>
+    <mc:Fallback>
+      <p:transition spd="slow" advClick="0" advTm="3000">
+        <p:fade/>
+      </p:transition>
+    </mc:Fallback>
+  </mc:AlternateContent>
+</p:sld>
+</file>
+
+<file path=ppt/slides/slide42.xml><?xml version="1.0" encoding="utf-8"?>
+<p:sld xmlns:a="http://schemas.openxmlformats.org/drawingml/2006/main" xmlns:r="http://schemas.openxmlformats.org/officeDocument/2006/relationships" xmlns:p="http://schemas.openxmlformats.org/presentationml/2006/main">
+  <p:cSld>
+    <p:bg>
+      <p:bgPr>
+        <a:solidFill>
+          <a:schemeClr val="accent1">
+            <a:lumMod val="60000"/>
+            <a:lumOff val="40000"/>
+          </a:schemeClr>
+        </a:solidFill>
+        <a:effectLst/>
+      </p:bgPr>
+    </p:bg>
+    <p:spTree>
+      <p:nvGrpSpPr>
+        <p:cNvPr id="1" name=""/>
+        <p:cNvGrpSpPr/>
+        <p:nvPr/>
+      </p:nvGrpSpPr>
+      <p:grpSpPr>
+        <a:xfrm>
+          <a:off x="0" y="0"/>
+          <a:ext cx="0" cy="0"/>
+          <a:chOff x="0" y="0"/>
+          <a:chExt cx="0" cy="0"/>
+        </a:xfrm>
+      </p:grpSpPr>
+      <p:pic>
+        <p:nvPicPr>
+          <p:cNvPr id="11" name="Graphic 10" descr="Voice with solid fill">
+            <a:extLst>
+              <a:ext uri="{FF2B5EF4-FFF2-40B4-BE49-F238E27FC236}">
+                <a16:creationId xmlns:a16="http://schemas.microsoft.com/office/drawing/2014/main" id="{89250E07-601C-49ED-8F77-F3AEFFAD47FD}"/>
+              </a:ext>
+            </a:extLst>
+          </p:cNvPr>
+          <p:cNvPicPr>
+            <a:picLocks noChangeAspect="1"/>
+          </p:cNvPicPr>
+          <p:nvPr/>
+        </p:nvPicPr>
+        <p:blipFill>
+          <a:blip r:embed="rId2">
+            <a:extLst>
+              <a:ext uri="{28A0092B-C50C-407E-A947-70E740481C1C}">
+                <a14:useLocalDpi xmlns:a14="http://schemas.microsoft.com/office/drawing/2010/main" val="0"/>
+              </a:ext>
+              <a:ext uri="{96DAC541-7B7A-43D3-8B79-37D633B846F1}">
+                <asvg:svgBlip xmlns:asvg="http://schemas.microsoft.com/office/drawing/2016/SVG/main" r:embed="rId3"/>
+              </a:ext>
+            </a:extLst>
+          </a:blip>
+          <a:stretch>
+            <a:fillRect/>
+          </a:stretch>
+        </p:blipFill>
+        <p:spPr>
+          <a:xfrm>
+            <a:off x="-3400815" y="2435423"/>
+            <a:ext cx="1987154" cy="1987154"/>
+          </a:xfrm>
+          <a:prstGeom prst="rect">
+            <a:avLst/>
+          </a:prstGeom>
+        </p:spPr>
+      </p:pic>
+      <p:sp>
+        <p:nvSpPr>
+          <p:cNvPr id="7" name="TextBox 6">
+            <a:extLst>
+              <a:ext uri="{FF2B5EF4-FFF2-40B4-BE49-F238E27FC236}">
+                <a16:creationId xmlns:a16="http://schemas.microsoft.com/office/drawing/2014/main" id="{D6122A36-CC82-43DF-A953-F3A897AEB605}"/>
+              </a:ext>
+            </a:extLst>
+          </p:cNvPr>
+          <p:cNvSpPr txBox="1"/>
+          <p:nvPr/>
+        </p:nvSpPr>
+        <p:spPr>
+          <a:xfrm>
+            <a:off x="2214776" y="6982885"/>
+            <a:ext cx="7762445" cy="1200329"/>
+          </a:xfrm>
+          <a:prstGeom prst="rect">
+            <a:avLst/>
+          </a:prstGeom>
+          <a:noFill/>
+        </p:spPr>
+        <p:txBody>
+          <a:bodyPr wrap="square" rtlCol="0">
+            <a:spAutoFit/>
+          </a:bodyPr>
+          <a:lstStyle/>
+          <a:p>
+            <a:pPr algn="ctr"/>
+            <a:r>
+              <a:rPr lang="en-US" sz="3600" dirty="0">
+                <a:solidFill>
+                  <a:schemeClr val="bg1"/>
+                </a:solidFill>
+                <a:latin typeface="Aharoni" panose="02010803020104030203" pitchFamily="2" charset="-79"/>
+                <a:cs typeface="Aharoni" panose="02010803020104030203" pitchFamily="2" charset="-79"/>
+              </a:rPr>
+              <a:t>this step splits the audio into separate streams for each person</a:t>
+            </a:r>
+          </a:p>
+        </p:txBody>
+      </p:sp>
+      <p:pic>
+        <p:nvPicPr>
+          <p:cNvPr id="5" name="Graphic 4" descr="Voice outline">
+            <a:extLst>
+              <a:ext uri="{FF2B5EF4-FFF2-40B4-BE49-F238E27FC236}">
+                <a16:creationId xmlns:a16="http://schemas.microsoft.com/office/drawing/2014/main" id="{5A4CCCE5-438C-4B39-B8EE-CC1E7D703C8F}"/>
+              </a:ext>
+            </a:extLst>
+          </p:cNvPr>
+          <p:cNvPicPr>
+            <a:picLocks noChangeAspect="1"/>
+          </p:cNvPicPr>
+          <p:nvPr/>
+        </p:nvPicPr>
+        <p:blipFill>
+          <a:blip r:embed="rId4">
+            <a:extLst>
+              <a:ext uri="{28A0092B-C50C-407E-A947-70E740481C1C}">
+                <a14:useLocalDpi xmlns:a14="http://schemas.microsoft.com/office/drawing/2010/main" val="0"/>
+              </a:ext>
+              <a:ext uri="{96DAC541-7B7A-43D3-8B79-37D633B846F1}">
+                <asvg:svgBlip xmlns:asvg="http://schemas.microsoft.com/office/drawing/2016/SVG/main" r:embed="rId5"/>
+              </a:ext>
+            </a:extLst>
+          </a:blip>
+          <a:stretch>
+            <a:fillRect/>
+          </a:stretch>
+        </p:blipFill>
+        <p:spPr>
+          <a:xfrm>
+            <a:off x="5102421" y="2754297"/>
+            <a:ext cx="1987154" cy="1663734"/>
+          </a:xfrm>
+          <a:prstGeom prst="rect">
+            <a:avLst/>
+          </a:prstGeom>
+        </p:spPr>
+      </p:pic>
+      <p:sp>
+        <p:nvSpPr>
+          <p:cNvPr id="20" name="TextBox 19">
+            <a:extLst>
+              <a:ext uri="{FF2B5EF4-FFF2-40B4-BE49-F238E27FC236}">
+                <a16:creationId xmlns:a16="http://schemas.microsoft.com/office/drawing/2014/main" id="{766685AE-77D4-4215-A61A-203239AA327E}"/>
+              </a:ext>
+            </a:extLst>
+          </p:cNvPr>
+          <p:cNvSpPr txBox="1"/>
+          <p:nvPr/>
+        </p:nvSpPr>
+        <p:spPr>
+          <a:xfrm>
+            <a:off x="3941873" y="1129324"/>
+            <a:ext cx="4308253" cy="1200329"/>
+          </a:xfrm>
+          <a:prstGeom prst="rect">
+            <a:avLst/>
+          </a:prstGeom>
+          <a:noFill/>
+        </p:spPr>
+        <p:txBody>
+          <a:bodyPr wrap="square" rtlCol="0">
+            <a:spAutoFit/>
+          </a:bodyPr>
+          <a:lstStyle/>
+          <a:p>
+            <a:pPr algn="ctr"/>
+            <a:r>
+              <a:rPr lang="en-US" sz="3600" dirty="0">
+                <a:solidFill>
+                  <a:schemeClr val="bg1"/>
+                </a:solidFill>
+                <a:latin typeface="Aharoni" panose="02010803020104030203" pitchFamily="2" charset="-79"/>
+                <a:cs typeface="Aharoni" panose="02010803020104030203" pitchFamily="2" charset="-79"/>
+              </a:rPr>
+              <a:t>the second step is voice separation</a:t>
+            </a:r>
+          </a:p>
+        </p:txBody>
+      </p:sp>
+    </p:spTree>
+    <p:extLst>
+      <p:ext uri="{BB962C8B-B14F-4D97-AF65-F5344CB8AC3E}">
+        <p14:creationId xmlns:p14="http://schemas.microsoft.com/office/powerpoint/2010/main" val="1055946298"/>
+      </p:ext>
+    </p:extLst>
+  </p:cSld>
+  <p:clrMapOvr>
+    <a:masterClrMapping/>
+  </p:clrMapOvr>
+  <mc:AlternateContent xmlns:mc="http://schemas.openxmlformats.org/markup-compatibility/2006">
+    <mc:Choice xmlns:p159="http://schemas.microsoft.com/office/powerpoint/2015/09/main" Requires="p159">
+      <p:transition xmlns:p14="http://schemas.microsoft.com/office/powerpoint/2010/main" spd="slow" p14:dur="2000" advClick="0" advTm="3000">
+        <p159:morph option="byObject"/>
+      </p:transition>
+    </mc:Choice>
+    <mc:Fallback>
+      <p:transition spd="slow" advClick="0" advTm="3000">
+        <p:fade/>
+      </p:transition>
+    </mc:Fallback>
+  </mc:AlternateContent>
+</p:sld>
+</file>
+
+<file path=ppt/slides/slide43.xml><?xml version="1.0" encoding="utf-8"?>
+<p:sld xmlns:a="http://schemas.openxmlformats.org/drawingml/2006/main" xmlns:r="http://schemas.openxmlformats.org/officeDocument/2006/relationships" xmlns:p="http://schemas.openxmlformats.org/presentationml/2006/main">
+  <p:cSld>
+    <p:bg>
+      <p:bgPr>
+        <a:solidFill>
+          <a:schemeClr val="accent1">
+            <a:lumMod val="60000"/>
+            <a:lumOff val="40000"/>
+          </a:schemeClr>
+        </a:solidFill>
+        <a:effectLst/>
+      </p:bgPr>
+    </p:bg>
+    <p:spTree>
+      <p:nvGrpSpPr>
+        <p:cNvPr id="1" name=""/>
+        <p:cNvGrpSpPr/>
+        <p:nvPr/>
+      </p:nvGrpSpPr>
+      <p:grpSpPr>
+        <a:xfrm>
+          <a:off x="0" y="0"/>
+          <a:ext cx="0" cy="0"/>
+          <a:chOff x="0" y="0"/>
+          <a:chExt cx="0" cy="0"/>
+        </a:xfrm>
+      </p:grpSpPr>
+      <p:sp>
+        <p:nvSpPr>
+          <p:cNvPr id="6" name="TextBox 5">
+            <a:extLst>
+              <a:ext uri="{FF2B5EF4-FFF2-40B4-BE49-F238E27FC236}">
+                <a16:creationId xmlns:a16="http://schemas.microsoft.com/office/drawing/2014/main" id="{62E3230B-B2A2-4180-A058-7940B7FA4A8D}"/>
+              </a:ext>
+            </a:extLst>
+          </p:cNvPr>
+          <p:cNvSpPr txBox="1"/>
+          <p:nvPr/>
+        </p:nvSpPr>
+        <p:spPr>
+          <a:xfrm>
+            <a:off x="3941873" y="1129324"/>
+            <a:ext cx="4308253" cy="1200329"/>
+          </a:xfrm>
+          <a:prstGeom prst="rect">
+            <a:avLst/>
+          </a:prstGeom>
+          <a:noFill/>
+        </p:spPr>
+        <p:txBody>
+          <a:bodyPr wrap="square" rtlCol="0">
+            <a:spAutoFit/>
+          </a:bodyPr>
+          <a:lstStyle/>
+          <a:p>
+            <a:pPr algn="ctr"/>
+            <a:r>
+              <a:rPr lang="en-US" sz="3600" dirty="0">
+                <a:solidFill>
+                  <a:schemeClr val="bg1"/>
+                </a:solidFill>
+                <a:latin typeface="Aharoni" panose="02010803020104030203" pitchFamily="2" charset="-79"/>
+                <a:cs typeface="Aharoni" panose="02010803020104030203" pitchFamily="2" charset="-79"/>
+              </a:rPr>
+              <a:t>the second step is voice separation</a:t>
+            </a:r>
+          </a:p>
+        </p:txBody>
+      </p:sp>
+      <p:sp>
+        <p:nvSpPr>
+          <p:cNvPr id="7" name="TextBox 6">
+            <a:extLst>
+              <a:ext uri="{FF2B5EF4-FFF2-40B4-BE49-F238E27FC236}">
+                <a16:creationId xmlns:a16="http://schemas.microsoft.com/office/drawing/2014/main" id="{D6122A36-CC82-43DF-A953-F3A897AEB605}"/>
+              </a:ext>
+            </a:extLst>
+          </p:cNvPr>
+          <p:cNvSpPr txBox="1"/>
+          <p:nvPr/>
+        </p:nvSpPr>
+        <p:spPr>
+          <a:xfrm>
+            <a:off x="2214776" y="6982885"/>
+            <a:ext cx="7762445" cy="1200329"/>
+          </a:xfrm>
+          <a:prstGeom prst="rect">
+            <a:avLst/>
+          </a:prstGeom>
+          <a:noFill/>
+        </p:spPr>
+        <p:txBody>
+          <a:bodyPr wrap="square" rtlCol="0">
+            <a:spAutoFit/>
+          </a:bodyPr>
+          <a:lstStyle/>
+          <a:p>
+            <a:pPr algn="ctr"/>
+            <a:r>
+              <a:rPr lang="en-US" sz="3600" dirty="0">
+                <a:solidFill>
+                  <a:schemeClr val="bg1"/>
+                </a:solidFill>
+                <a:latin typeface="Aharoni" panose="02010803020104030203" pitchFamily="2" charset="-79"/>
+                <a:cs typeface="Aharoni" panose="02010803020104030203" pitchFamily="2" charset="-79"/>
+              </a:rPr>
+              <a:t>this step splits the audio into separate streams for each person</a:t>
+            </a:r>
+          </a:p>
+        </p:txBody>
+      </p:sp>
+      <p:pic>
+        <p:nvPicPr>
+          <p:cNvPr id="21" name="Graphic 20" descr="Voice outline">
+            <a:extLst>
+              <a:ext uri="{FF2B5EF4-FFF2-40B4-BE49-F238E27FC236}">
+                <a16:creationId xmlns:a16="http://schemas.microsoft.com/office/drawing/2014/main" id="{1417BB24-E7C7-44CD-8CD9-9F2FA3C1819D}"/>
+              </a:ext>
+            </a:extLst>
+          </p:cNvPr>
+          <p:cNvPicPr>
+            <a:picLocks noChangeAspect="1"/>
+          </p:cNvPicPr>
+          <p:nvPr/>
+        </p:nvPicPr>
+        <p:blipFill>
+          <a:blip r:embed="rId2">
+            <a:alphaModFix amt="50000"/>
+            <a:extLst>
+              <a:ext uri="{28A0092B-C50C-407E-A947-70E740481C1C}">
+                <a14:useLocalDpi xmlns:a14="http://schemas.microsoft.com/office/drawing/2010/main" val="0"/>
+              </a:ext>
+              <a:ext uri="{96DAC541-7B7A-43D3-8B79-37D633B846F1}">
+                <asvg:svgBlip xmlns:asvg="http://schemas.microsoft.com/office/drawing/2016/SVG/main" r:embed="rId3"/>
+              </a:ext>
+            </a:extLst>
+          </a:blip>
+          <a:stretch>
+            <a:fillRect/>
+          </a:stretch>
+        </p:blipFill>
+        <p:spPr>
+          <a:xfrm>
+            <a:off x="5109194" y="2754297"/>
+            <a:ext cx="1987154" cy="1663734"/>
+          </a:xfrm>
+          <a:prstGeom prst="rect">
+            <a:avLst/>
+          </a:prstGeom>
+        </p:spPr>
+      </p:pic>
+      <p:pic>
+        <p:nvPicPr>
+          <p:cNvPr id="22" name="Graphic 21" descr="Voice outline">
+            <a:extLst>
+              <a:ext uri="{FF2B5EF4-FFF2-40B4-BE49-F238E27FC236}">
+                <a16:creationId xmlns:a16="http://schemas.microsoft.com/office/drawing/2014/main" id="{D932D563-FF9C-402B-A1B1-0B4E52AF3632}"/>
+              </a:ext>
+            </a:extLst>
+          </p:cNvPr>
+          <p:cNvPicPr>
+            <a:picLocks noChangeAspect="1"/>
+          </p:cNvPicPr>
+          <p:nvPr/>
+        </p:nvPicPr>
+        <p:blipFill>
+          <a:blip r:embed="rId2">
+            <a:alphaModFix amt="50000"/>
+            <a:extLst>
+              <a:ext uri="{28A0092B-C50C-407E-A947-70E740481C1C}">
+                <a14:useLocalDpi xmlns:a14="http://schemas.microsoft.com/office/drawing/2010/main" val="0"/>
+              </a:ext>
+              <a:ext uri="{96DAC541-7B7A-43D3-8B79-37D633B846F1}">
+                <asvg:svgBlip xmlns:asvg="http://schemas.microsoft.com/office/drawing/2016/SVG/main" r:embed="rId3"/>
+              </a:ext>
+            </a:extLst>
+          </a:blip>
+          <a:stretch>
+            <a:fillRect/>
+          </a:stretch>
+        </p:blipFill>
+        <p:spPr>
+          <a:xfrm>
+            <a:off x="5102421" y="2754297"/>
+            <a:ext cx="1987154" cy="1663734"/>
+          </a:xfrm>
+          <a:prstGeom prst="rect">
+            <a:avLst/>
+          </a:prstGeom>
+        </p:spPr>
+      </p:pic>
+      <p:pic>
+        <p:nvPicPr>
+          <p:cNvPr id="23" name="Graphic 22" descr="Voice outline">
+            <a:extLst>
+              <a:ext uri="{FF2B5EF4-FFF2-40B4-BE49-F238E27FC236}">
+                <a16:creationId xmlns:a16="http://schemas.microsoft.com/office/drawing/2014/main" id="{DC2D91B1-9A28-41AF-8894-04991362C500}"/>
+              </a:ext>
+            </a:extLst>
+          </p:cNvPr>
+          <p:cNvPicPr>
+            <a:picLocks noChangeAspect="1"/>
+          </p:cNvPicPr>
+          <p:nvPr/>
+        </p:nvPicPr>
+        <p:blipFill>
+          <a:blip r:embed="rId2">
+            <a:extLst>
+              <a:ext uri="{28A0092B-C50C-407E-A947-70E740481C1C}">
+                <a14:useLocalDpi xmlns:a14="http://schemas.microsoft.com/office/drawing/2010/main" val="0"/>
+              </a:ext>
+              <a:ext uri="{96DAC541-7B7A-43D3-8B79-37D633B846F1}">
+                <asvg:svgBlip xmlns:asvg="http://schemas.microsoft.com/office/drawing/2016/SVG/main" r:embed="rId3"/>
+              </a:ext>
+            </a:extLst>
+          </a:blip>
+          <a:stretch>
+            <a:fillRect/>
+          </a:stretch>
+        </p:blipFill>
+        <p:spPr>
+          <a:xfrm>
+            <a:off x="5104802" y="2754297"/>
+            <a:ext cx="1987154" cy="1663734"/>
+          </a:xfrm>
+          <a:prstGeom prst="rect">
+            <a:avLst/>
+          </a:prstGeom>
+        </p:spPr>
+      </p:pic>
+    </p:spTree>
+    <p:extLst>
+      <p:ext uri="{BB962C8B-B14F-4D97-AF65-F5344CB8AC3E}">
+        <p14:creationId xmlns:p14="http://schemas.microsoft.com/office/powerpoint/2010/main" val="2109063399"/>
+      </p:ext>
+    </p:extLst>
+  </p:cSld>
+  <p:clrMapOvr>
+    <a:masterClrMapping/>
+  </p:clrMapOvr>
+  <mc:AlternateContent xmlns:mc="http://schemas.openxmlformats.org/markup-compatibility/2006">
+    <mc:Choice xmlns:p14="http://schemas.microsoft.com/office/powerpoint/2010/main" Requires="p14">
+      <p:transition p14:dur="0" advClick="0" advTm="0"/>
+    </mc:Choice>
+    <mc:Fallback>
+      <p:transition advClick="0" advTm="0"/>
+    </mc:Fallback>
+  </mc:AlternateContent>
+</p:sld>
+</file>
+
+<file path=ppt/slides/slide44.xml><?xml version="1.0" encoding="utf-8"?>
+<p:sld xmlns:a="http://schemas.openxmlformats.org/drawingml/2006/main" xmlns:r="http://schemas.openxmlformats.org/officeDocument/2006/relationships" xmlns:p="http://schemas.openxmlformats.org/presentationml/2006/main">
+  <p:cSld>
+    <p:bg>
+      <p:bgPr>
+        <a:solidFill>
+          <a:schemeClr val="accent1">
+            <a:lumMod val="60000"/>
+            <a:lumOff val="40000"/>
+          </a:schemeClr>
+        </a:solidFill>
+        <a:effectLst/>
+      </p:bgPr>
+    </p:bg>
+    <p:spTree>
+      <p:nvGrpSpPr>
+        <p:cNvPr id="1" name=""/>
+        <p:cNvGrpSpPr/>
+        <p:nvPr/>
+      </p:nvGrpSpPr>
+      <p:grpSpPr>
+        <a:xfrm>
+          <a:off x="0" y="0"/>
+          <a:ext cx="0" cy="0"/>
+          <a:chOff x="0" y="0"/>
+          <a:chExt cx="0" cy="0"/>
+        </a:xfrm>
+      </p:grpSpPr>
+      <p:sp>
+        <p:nvSpPr>
+          <p:cNvPr id="7" name="TextBox 6">
+            <a:extLst>
+              <a:ext uri="{FF2B5EF4-FFF2-40B4-BE49-F238E27FC236}">
+                <a16:creationId xmlns:a16="http://schemas.microsoft.com/office/drawing/2014/main" id="{D6122A36-CC82-43DF-A953-F3A897AEB605}"/>
+              </a:ext>
+            </a:extLst>
+          </p:cNvPr>
+          <p:cNvSpPr txBox="1"/>
+          <p:nvPr/>
+        </p:nvSpPr>
+        <p:spPr>
+          <a:xfrm>
+            <a:off x="2214776" y="4765688"/>
+            <a:ext cx="7762445" cy="1200329"/>
+          </a:xfrm>
+          <a:prstGeom prst="rect">
+            <a:avLst/>
+          </a:prstGeom>
+          <a:noFill/>
+        </p:spPr>
+        <p:txBody>
+          <a:bodyPr wrap="square" rtlCol="0">
+            <a:spAutoFit/>
+          </a:bodyPr>
+          <a:lstStyle/>
+          <a:p>
+            <a:pPr algn="ctr"/>
+            <a:r>
+              <a:rPr lang="en-US" sz="3600" dirty="0">
+                <a:solidFill>
+                  <a:schemeClr val="bg1"/>
+                </a:solidFill>
+                <a:latin typeface="Aharoni" panose="02010803020104030203" pitchFamily="2" charset="-79"/>
+                <a:cs typeface="Aharoni" panose="02010803020104030203" pitchFamily="2" charset="-79"/>
+              </a:rPr>
+              <a:t>this step splits the audio into separate streams for each person</a:t>
+            </a:r>
+          </a:p>
+        </p:txBody>
+      </p:sp>
+      <p:pic>
+        <p:nvPicPr>
+          <p:cNvPr id="35" name="Graphic 34" descr="Voice outline">
+            <a:extLst>
+              <a:ext uri="{FF2B5EF4-FFF2-40B4-BE49-F238E27FC236}">
+                <a16:creationId xmlns:a16="http://schemas.microsoft.com/office/drawing/2014/main" id="{D940FBF8-13E6-46B1-9DE0-F770BA32AEA8}"/>
+              </a:ext>
+            </a:extLst>
+          </p:cNvPr>
+          <p:cNvPicPr>
+            <a:picLocks noChangeAspect="1"/>
+          </p:cNvPicPr>
+          <p:nvPr/>
+        </p:nvPicPr>
+        <p:blipFill>
+          <a:blip r:embed="rId2">
+            <a:alphaModFix amt="50000"/>
+            <a:extLst>
+              <a:ext uri="{28A0092B-C50C-407E-A947-70E740481C1C}">
+                <a14:useLocalDpi xmlns:a14="http://schemas.microsoft.com/office/drawing/2010/main" val="0"/>
+              </a:ext>
+              <a:ext uri="{96DAC541-7B7A-43D3-8B79-37D633B846F1}">
+                <asvg:svgBlip xmlns:asvg="http://schemas.microsoft.com/office/drawing/2016/SVG/main" r:embed="rId3"/>
+              </a:ext>
+            </a:extLst>
+          </a:blip>
+          <a:stretch>
+            <a:fillRect/>
+          </a:stretch>
+        </p:blipFill>
+        <p:spPr>
+          <a:xfrm>
+            <a:off x="3130751" y="2749142"/>
+            <a:ext cx="1987154" cy="1663734"/>
+          </a:xfrm>
+          <a:prstGeom prst="rect">
+            <a:avLst/>
+          </a:prstGeom>
+        </p:spPr>
+      </p:pic>
+      <p:pic>
+        <p:nvPicPr>
+          <p:cNvPr id="36" name="Graphic 35" descr="Voice outline">
+            <a:extLst>
+              <a:ext uri="{FF2B5EF4-FFF2-40B4-BE49-F238E27FC236}">
+                <a16:creationId xmlns:a16="http://schemas.microsoft.com/office/drawing/2014/main" id="{8A49647E-6CD1-4898-AEAE-86C215B6A9C3}"/>
+              </a:ext>
+            </a:extLst>
+          </p:cNvPr>
+          <p:cNvPicPr>
+            <a:picLocks noChangeAspect="1"/>
+          </p:cNvPicPr>
+          <p:nvPr/>
+        </p:nvPicPr>
+        <p:blipFill>
+          <a:blip r:embed="rId2">
+            <a:alphaModFix amt="50000"/>
+            <a:extLst>
+              <a:ext uri="{28A0092B-C50C-407E-A947-70E740481C1C}">
+                <a14:useLocalDpi xmlns:a14="http://schemas.microsoft.com/office/drawing/2010/main" val="0"/>
+              </a:ext>
+              <a:ext uri="{96DAC541-7B7A-43D3-8B79-37D633B846F1}">
+                <asvg:svgBlip xmlns:asvg="http://schemas.microsoft.com/office/drawing/2016/SVG/main" r:embed="rId3"/>
+              </a:ext>
+            </a:extLst>
+          </a:blip>
+          <a:stretch>
+            <a:fillRect/>
+          </a:stretch>
+        </p:blipFill>
+        <p:spPr>
+          <a:xfrm>
+            <a:off x="7074096" y="2754297"/>
+            <a:ext cx="1987154" cy="1663734"/>
+          </a:xfrm>
+          <a:prstGeom prst="rect">
+            <a:avLst/>
+          </a:prstGeom>
+        </p:spPr>
+      </p:pic>
+      <p:sp>
+        <p:nvSpPr>
+          <p:cNvPr id="38" name="TextBox 37">
+            <a:extLst>
+              <a:ext uri="{FF2B5EF4-FFF2-40B4-BE49-F238E27FC236}">
+                <a16:creationId xmlns:a16="http://schemas.microsoft.com/office/drawing/2014/main" id="{B26F334D-85B3-4C59-B48F-F523EB7291DB}"/>
+              </a:ext>
+            </a:extLst>
+          </p:cNvPr>
+          <p:cNvSpPr txBox="1"/>
+          <p:nvPr/>
+        </p:nvSpPr>
+        <p:spPr>
+          <a:xfrm>
+            <a:off x="3941873" y="1129324"/>
+            <a:ext cx="4308253" cy="1200329"/>
+          </a:xfrm>
+          <a:prstGeom prst="rect">
+            <a:avLst/>
+          </a:prstGeom>
+          <a:noFill/>
+        </p:spPr>
+        <p:txBody>
+          <a:bodyPr wrap="square" rtlCol="0">
+            <a:spAutoFit/>
+          </a:bodyPr>
+          <a:lstStyle/>
+          <a:p>
+            <a:pPr algn="ctr"/>
+            <a:r>
+              <a:rPr lang="en-US" sz="3600" dirty="0">
+                <a:solidFill>
+                  <a:schemeClr val="bg1"/>
+                </a:solidFill>
+                <a:latin typeface="Aharoni" panose="02010803020104030203" pitchFamily="2" charset="-79"/>
+                <a:cs typeface="Aharoni" panose="02010803020104030203" pitchFamily="2" charset="-79"/>
+              </a:rPr>
+              <a:t>the second step is voice separation</a:t>
+            </a:r>
+          </a:p>
+        </p:txBody>
+      </p:sp>
+    </p:spTree>
+    <p:extLst>
+      <p:ext uri="{BB962C8B-B14F-4D97-AF65-F5344CB8AC3E}">
+        <p14:creationId xmlns:p14="http://schemas.microsoft.com/office/powerpoint/2010/main" val="3446566214"/>
+      </p:ext>
+    </p:extLst>
+  </p:cSld>
+  <p:clrMapOvr>
+    <a:masterClrMapping/>
+  </p:clrMapOvr>
+  <mc:AlternateContent xmlns:mc="http://schemas.openxmlformats.org/markup-compatibility/2006">
+    <mc:Choice xmlns:p159="http://schemas.microsoft.com/office/powerpoint/2015/09/main" Requires="p159">
+      <p:transition xmlns:p14="http://schemas.microsoft.com/office/powerpoint/2010/main" spd="slow" p14:dur="2500" advClick="0" advTm="4000">
+        <p159:morph option="byObject"/>
+      </p:transition>
+    </mc:Choice>
+    <mc:Fallback>
+      <p:transition spd="slow" advClick="0" advTm="4000">
+        <p:fade/>
+      </p:transition>
+    </mc:Fallback>
+  </mc:AlternateContent>
+</p:sld>
+</file>
+
+<file path=ppt/slides/slide45.xml><?xml version="1.0" encoding="utf-8"?>
+<p:sld xmlns:a="http://schemas.openxmlformats.org/drawingml/2006/main" xmlns:r="http://schemas.openxmlformats.org/officeDocument/2006/relationships" xmlns:p="http://schemas.openxmlformats.org/presentationml/2006/main">
+  <p:cSld>
+    <p:bg>
+      <p:bgPr>
+        <a:solidFill>
+          <a:schemeClr val="accent1">
+            <a:lumMod val="60000"/>
+            <a:lumOff val="40000"/>
+          </a:schemeClr>
+        </a:solidFill>
+        <a:effectLst/>
+      </p:bgPr>
+    </p:bg>
+    <p:spTree>
+      <p:nvGrpSpPr>
+        <p:cNvPr id="1" name=""/>
+        <p:cNvGrpSpPr/>
+        <p:nvPr/>
+      </p:nvGrpSpPr>
+      <p:grpSpPr>
+        <a:xfrm>
+          <a:off x="0" y="0"/>
+          <a:ext cx="0" cy="0"/>
+          <a:chOff x="0" y="0"/>
+          <a:chExt cx="0" cy="0"/>
+        </a:xfrm>
+      </p:grpSpPr>
+      <p:sp>
+        <p:nvSpPr>
+          <p:cNvPr id="7" name="TextBox 6">
+            <a:extLst>
+              <a:ext uri="{FF2B5EF4-FFF2-40B4-BE49-F238E27FC236}">
+                <a16:creationId xmlns:a16="http://schemas.microsoft.com/office/drawing/2014/main" id="{D6122A36-CC82-43DF-A953-F3A897AEB605}"/>
+              </a:ext>
+            </a:extLst>
+          </p:cNvPr>
+          <p:cNvSpPr txBox="1"/>
+          <p:nvPr/>
+        </p:nvSpPr>
+        <p:spPr>
+          <a:xfrm>
+            <a:off x="2214776" y="7038988"/>
+            <a:ext cx="7762445" cy="1200329"/>
+          </a:xfrm>
+          <a:prstGeom prst="rect">
+            <a:avLst/>
+          </a:prstGeom>
+          <a:noFill/>
+        </p:spPr>
+        <p:txBody>
+          <a:bodyPr wrap="square" rtlCol="0">
+            <a:spAutoFit/>
+          </a:bodyPr>
+          <a:lstStyle/>
+          <a:p>
+            <a:pPr algn="ctr"/>
+            <a:r>
+              <a:rPr lang="en-US" sz="3600" dirty="0">
+                <a:solidFill>
+                  <a:schemeClr val="bg1"/>
+                </a:solidFill>
+                <a:latin typeface="Aharoni" panose="02010803020104030203" pitchFamily="2" charset="-79"/>
+                <a:cs typeface="Aharoni" panose="02010803020104030203" pitchFamily="2" charset="-79"/>
+              </a:rPr>
+              <a:t>this step splits the audio into separate streams for each person</a:t>
+            </a:r>
+          </a:p>
+        </p:txBody>
+      </p:sp>
+      <p:pic>
+        <p:nvPicPr>
+          <p:cNvPr id="35" name="Graphic 34" descr="Voice outline">
+            <a:extLst>
+              <a:ext uri="{FF2B5EF4-FFF2-40B4-BE49-F238E27FC236}">
+                <a16:creationId xmlns:a16="http://schemas.microsoft.com/office/drawing/2014/main" id="{D940FBF8-13E6-46B1-9DE0-F770BA32AEA8}"/>
+              </a:ext>
+            </a:extLst>
+          </p:cNvPr>
+          <p:cNvPicPr>
+            <a:picLocks noChangeAspect="1"/>
+          </p:cNvPicPr>
+          <p:nvPr/>
+        </p:nvPicPr>
+        <p:blipFill>
+          <a:blip r:embed="rId2">
+            <a:alphaModFix amt="50000"/>
+            <a:extLst>
+              <a:ext uri="{28A0092B-C50C-407E-A947-70E740481C1C}">
+                <a14:useLocalDpi xmlns:a14="http://schemas.microsoft.com/office/drawing/2010/main" val="0"/>
+              </a:ext>
+              <a:ext uri="{96DAC541-7B7A-43D3-8B79-37D633B846F1}">
+                <asvg:svgBlip xmlns:asvg="http://schemas.microsoft.com/office/drawing/2016/SVG/main" r:embed="rId3"/>
+              </a:ext>
+            </a:extLst>
+          </a:blip>
+          <a:stretch>
+            <a:fillRect/>
+          </a:stretch>
+        </p:blipFill>
+        <p:spPr>
+          <a:xfrm>
+            <a:off x="3130751" y="2749142"/>
+            <a:ext cx="1987154" cy="1663734"/>
+          </a:xfrm>
+          <a:prstGeom prst="rect">
+            <a:avLst/>
+          </a:prstGeom>
+        </p:spPr>
+      </p:pic>
+      <p:pic>
+        <p:nvPicPr>
+          <p:cNvPr id="36" name="Graphic 35" descr="Voice outline">
+            <a:extLst>
+              <a:ext uri="{FF2B5EF4-FFF2-40B4-BE49-F238E27FC236}">
+                <a16:creationId xmlns:a16="http://schemas.microsoft.com/office/drawing/2014/main" id="{8A49647E-6CD1-4898-AEAE-86C215B6A9C3}"/>
+              </a:ext>
+            </a:extLst>
+          </p:cNvPr>
+          <p:cNvPicPr>
+            <a:picLocks noChangeAspect="1"/>
+          </p:cNvPicPr>
+          <p:nvPr/>
+        </p:nvPicPr>
+        <p:blipFill>
+          <a:blip r:embed="rId2">
+            <a:alphaModFix amt="50000"/>
+            <a:extLst>
+              <a:ext uri="{28A0092B-C50C-407E-A947-70E740481C1C}">
+                <a14:useLocalDpi xmlns:a14="http://schemas.microsoft.com/office/drawing/2010/main" val="0"/>
+              </a:ext>
+              <a:ext uri="{96DAC541-7B7A-43D3-8B79-37D633B846F1}">
+                <asvg:svgBlip xmlns:asvg="http://schemas.microsoft.com/office/drawing/2016/SVG/main" r:embed="rId3"/>
+              </a:ext>
+            </a:extLst>
+          </a:blip>
+          <a:stretch>
+            <a:fillRect/>
+          </a:stretch>
+        </p:blipFill>
+        <p:spPr>
+          <a:xfrm>
+            <a:off x="7074096" y="2754297"/>
+            <a:ext cx="1987154" cy="1663734"/>
+          </a:xfrm>
+          <a:prstGeom prst="rect">
+            <a:avLst/>
+          </a:prstGeom>
+        </p:spPr>
+      </p:pic>
+      <p:sp>
+        <p:nvSpPr>
+          <p:cNvPr id="38" name="TextBox 37">
+            <a:extLst>
+              <a:ext uri="{FF2B5EF4-FFF2-40B4-BE49-F238E27FC236}">
+                <a16:creationId xmlns:a16="http://schemas.microsoft.com/office/drawing/2014/main" id="{B26F334D-85B3-4C59-B48F-F523EB7291DB}"/>
+              </a:ext>
+            </a:extLst>
+          </p:cNvPr>
+          <p:cNvSpPr txBox="1"/>
+          <p:nvPr/>
+        </p:nvSpPr>
+        <p:spPr>
+          <a:xfrm>
+            <a:off x="3941873" y="1129324"/>
+            <a:ext cx="4308253" cy="1200329"/>
+          </a:xfrm>
+          <a:prstGeom prst="rect">
+            <a:avLst/>
+          </a:prstGeom>
+          <a:noFill/>
+        </p:spPr>
+        <p:txBody>
+          <a:bodyPr wrap="square" rtlCol="0">
+            <a:spAutoFit/>
+          </a:bodyPr>
+          <a:lstStyle/>
+          <a:p>
+            <a:pPr algn="ctr"/>
+            <a:r>
+              <a:rPr lang="en-US" sz="3600" dirty="0">
+                <a:solidFill>
+                  <a:schemeClr val="bg1"/>
+                </a:solidFill>
+                <a:latin typeface="Aharoni" panose="02010803020104030203" pitchFamily="2" charset="-79"/>
+                <a:cs typeface="Aharoni" panose="02010803020104030203" pitchFamily="2" charset="-79"/>
+              </a:rPr>
+              <a:t>the third step is voice correction</a:t>
+            </a:r>
+          </a:p>
+        </p:txBody>
+      </p:sp>
+    </p:spTree>
+    <p:extLst>
+      <p:ext uri="{BB962C8B-B14F-4D97-AF65-F5344CB8AC3E}">
+        <p14:creationId xmlns:p14="http://schemas.microsoft.com/office/powerpoint/2010/main" val="2540867379"/>
+      </p:ext>
+    </p:extLst>
+  </p:cSld>
+  <p:clrMapOvr>
+    <a:masterClrMapping/>
+  </p:clrMapOvr>
+  <mc:AlternateContent xmlns:mc="http://schemas.openxmlformats.org/markup-compatibility/2006">
+    <mc:Choice xmlns:p159="http://schemas.microsoft.com/office/powerpoint/2015/09/main" Requires="p159">
+      <p:transition xmlns:p14="http://schemas.microsoft.com/office/powerpoint/2010/main" spd="slow" p14:dur="2500" advClick="0" advTm="4000">
+        <p159:morph option="byObject"/>
+      </p:transition>
+    </mc:Choice>
+    <mc:Fallback>
+      <p:transition spd="slow" advClick="0" advTm="4000">
+        <p:fade/>
+      </p:transition>
+    </mc:Fallback>
+  </mc:AlternateContent>
+</p:sld>
+</file>
+
+<file path=ppt/slides/slide46.xml><?xml version="1.0" encoding="utf-8"?>
+<p:sld xmlns:a="http://schemas.openxmlformats.org/drawingml/2006/main" xmlns:r="http://schemas.openxmlformats.org/officeDocument/2006/relationships" xmlns:p="http://schemas.openxmlformats.org/presentationml/2006/main">
+  <p:cSld>
+    <p:bg>
+      <p:bgPr>
+        <a:solidFill>
+          <a:schemeClr val="accent1">
+            <a:lumMod val="60000"/>
+            <a:lumOff val="40000"/>
+          </a:schemeClr>
+        </a:solidFill>
+        <a:effectLst/>
+      </p:bgPr>
+    </p:bg>
+    <p:spTree>
+      <p:nvGrpSpPr>
+        <p:cNvPr id="1" name=""/>
+        <p:cNvGrpSpPr/>
+        <p:nvPr/>
+      </p:nvGrpSpPr>
+      <p:grpSpPr>
+        <a:xfrm>
+          <a:off x="0" y="0"/>
+          <a:ext cx="0" cy="0"/>
+          <a:chOff x="0" y="0"/>
+          <a:chExt cx="0" cy="0"/>
+        </a:xfrm>
+      </p:grpSpPr>
+      <p:sp>
+        <p:nvSpPr>
+          <p:cNvPr id="7" name="TextBox 6">
+            <a:extLst>
+              <a:ext uri="{FF2B5EF4-FFF2-40B4-BE49-F238E27FC236}">
+                <a16:creationId xmlns:a16="http://schemas.microsoft.com/office/drawing/2014/main" id="{D6122A36-CC82-43DF-A953-F3A897AEB605}"/>
+              </a:ext>
+            </a:extLst>
+          </p:cNvPr>
+          <p:cNvSpPr txBox="1"/>
+          <p:nvPr/>
+        </p:nvSpPr>
+        <p:spPr>
+          <a:xfrm>
+            <a:off x="2214776" y="4765688"/>
+            <a:ext cx="7762445" cy="1200329"/>
+          </a:xfrm>
+          <a:prstGeom prst="rect">
+            <a:avLst/>
+          </a:prstGeom>
+          <a:noFill/>
+        </p:spPr>
+        <p:txBody>
+          <a:bodyPr wrap="square" rtlCol="0">
+            <a:spAutoFit/>
+          </a:bodyPr>
+          <a:lstStyle/>
+          <a:p>
+            <a:pPr algn="ctr"/>
+            <a:r>
+              <a:rPr lang="en-US" sz="3600" dirty="0">
+                <a:solidFill>
+                  <a:schemeClr val="bg1"/>
+                </a:solidFill>
+                <a:latin typeface="Aharoni" panose="02010803020104030203" pitchFamily="2" charset="-79"/>
+                <a:cs typeface="Aharoni" panose="02010803020104030203" pitchFamily="2" charset="-79"/>
+              </a:rPr>
+              <a:t>this step removes any voice bleeding left over from separation</a:t>
+            </a:r>
+          </a:p>
+        </p:txBody>
+      </p:sp>
+      <p:pic>
+        <p:nvPicPr>
+          <p:cNvPr id="35" name="Graphic 34" descr="Voice outline">
+            <a:extLst>
+              <a:ext uri="{FF2B5EF4-FFF2-40B4-BE49-F238E27FC236}">
+                <a16:creationId xmlns:a16="http://schemas.microsoft.com/office/drawing/2014/main" id="{D940FBF8-13E6-46B1-9DE0-F770BA32AEA8}"/>
+              </a:ext>
+            </a:extLst>
+          </p:cNvPr>
+          <p:cNvPicPr>
+            <a:picLocks noChangeAspect="1"/>
+          </p:cNvPicPr>
+          <p:nvPr/>
+        </p:nvPicPr>
+        <p:blipFill>
+          <a:blip r:embed="rId2">
+            <a:alphaModFix amt="50000"/>
+            <a:extLst>
+              <a:ext uri="{28A0092B-C50C-407E-A947-70E740481C1C}">
+                <a14:useLocalDpi xmlns:a14="http://schemas.microsoft.com/office/drawing/2010/main" val="0"/>
+              </a:ext>
+              <a:ext uri="{96DAC541-7B7A-43D3-8B79-37D633B846F1}">
+                <asvg:svgBlip xmlns:asvg="http://schemas.microsoft.com/office/drawing/2016/SVG/main" r:embed="rId3"/>
+              </a:ext>
+            </a:extLst>
+          </a:blip>
+          <a:stretch>
+            <a:fillRect/>
+          </a:stretch>
+        </p:blipFill>
+        <p:spPr>
+          <a:xfrm>
+            <a:off x="3130751" y="2749142"/>
+            <a:ext cx="1987154" cy="1663734"/>
+          </a:xfrm>
+          <a:prstGeom prst="rect">
+            <a:avLst/>
+          </a:prstGeom>
+        </p:spPr>
+      </p:pic>
+      <p:pic>
+        <p:nvPicPr>
+          <p:cNvPr id="36" name="Graphic 35" descr="Voice outline">
+            <a:extLst>
+              <a:ext uri="{FF2B5EF4-FFF2-40B4-BE49-F238E27FC236}">
+                <a16:creationId xmlns:a16="http://schemas.microsoft.com/office/drawing/2014/main" id="{8A49647E-6CD1-4898-AEAE-86C215B6A9C3}"/>
+              </a:ext>
+            </a:extLst>
+          </p:cNvPr>
+          <p:cNvPicPr>
+            <a:picLocks noChangeAspect="1"/>
+          </p:cNvPicPr>
+          <p:nvPr/>
+        </p:nvPicPr>
+        <p:blipFill>
+          <a:blip r:embed="rId2">
+            <a:alphaModFix amt="50000"/>
+            <a:extLst>
+              <a:ext uri="{28A0092B-C50C-407E-A947-70E740481C1C}">
+                <a14:useLocalDpi xmlns:a14="http://schemas.microsoft.com/office/drawing/2010/main" val="0"/>
+              </a:ext>
+              <a:ext uri="{96DAC541-7B7A-43D3-8B79-37D633B846F1}">
+                <asvg:svgBlip xmlns:asvg="http://schemas.microsoft.com/office/drawing/2016/SVG/main" r:embed="rId3"/>
+              </a:ext>
+            </a:extLst>
+          </a:blip>
+          <a:stretch>
+            <a:fillRect/>
+          </a:stretch>
+        </p:blipFill>
+        <p:spPr>
+          <a:xfrm>
+            <a:off x="7074096" y="2754297"/>
+            <a:ext cx="1987154" cy="1663734"/>
+          </a:xfrm>
+          <a:prstGeom prst="rect">
+            <a:avLst/>
+          </a:prstGeom>
+        </p:spPr>
+      </p:pic>
+      <p:sp>
+        <p:nvSpPr>
+          <p:cNvPr id="38" name="TextBox 37">
+            <a:extLst>
+              <a:ext uri="{FF2B5EF4-FFF2-40B4-BE49-F238E27FC236}">
+                <a16:creationId xmlns:a16="http://schemas.microsoft.com/office/drawing/2014/main" id="{B26F334D-85B3-4C59-B48F-F523EB7291DB}"/>
+              </a:ext>
+            </a:extLst>
+          </p:cNvPr>
+          <p:cNvSpPr txBox="1"/>
+          <p:nvPr/>
+        </p:nvSpPr>
+        <p:spPr>
+          <a:xfrm>
+            <a:off x="3941873" y="1129324"/>
+            <a:ext cx="4308253" cy="1200329"/>
+          </a:xfrm>
+          <a:prstGeom prst="rect">
+            <a:avLst/>
+          </a:prstGeom>
+          <a:noFill/>
+        </p:spPr>
+        <p:txBody>
+          <a:bodyPr wrap="square" rtlCol="0">
+            <a:spAutoFit/>
+          </a:bodyPr>
+          <a:lstStyle/>
+          <a:p>
+            <a:pPr algn="ctr"/>
+            <a:r>
+              <a:rPr lang="en-US" sz="3600" dirty="0">
+                <a:solidFill>
+                  <a:schemeClr val="bg1"/>
+                </a:solidFill>
+                <a:latin typeface="Aharoni" panose="02010803020104030203" pitchFamily="2" charset="-79"/>
+                <a:cs typeface="Aharoni" panose="02010803020104030203" pitchFamily="2" charset="-79"/>
+              </a:rPr>
+              <a:t>the third step is voice correction</a:t>
+            </a:r>
+          </a:p>
+        </p:txBody>
+      </p:sp>
+    </p:spTree>
+    <p:extLst>
+      <p:ext uri="{BB962C8B-B14F-4D97-AF65-F5344CB8AC3E}">
+        <p14:creationId xmlns:p14="http://schemas.microsoft.com/office/powerpoint/2010/main" val="4194936495"/>
+      </p:ext>
+    </p:extLst>
+  </p:cSld>
+  <p:clrMapOvr>
+    <a:masterClrMapping/>
+  </p:clrMapOvr>
+  <mc:AlternateContent xmlns:mc="http://schemas.openxmlformats.org/markup-compatibility/2006">
+    <mc:Choice xmlns:p159="http://schemas.microsoft.com/office/powerpoint/2015/09/main" Requires="p159">
+      <p:transition xmlns:p14="http://schemas.microsoft.com/office/powerpoint/2010/main" spd="slow" p14:dur="2500" advClick="0" advTm="4000">
+        <p159:morph option="byObject"/>
+      </p:transition>
+    </mc:Choice>
+    <mc:Fallback>
+      <p:transition spd="slow" advClick="0" advTm="4000">
+        <p:fade/>
+      </p:transition>
     </mc:Fallback>
   </mc:AlternateContent>
 </p:sld>
